--- a/public/pdfs/lab6slides.pptx
+++ b/public/pdfs/lab6slides.pptx
@@ -5,7 +5,7 @@
     <p:sldMasterId id="2147483659" r:id="rId1"/>
   </p:sldMasterIdLst>
   <p:notesMasterIdLst>
-    <p:notesMasterId r:id="rId60"/>
+    <p:notesMasterId r:id="rId61"/>
   </p:notesMasterIdLst>
   <p:sldIdLst>
     <p:sldId id="256" r:id="rId2"/>
@@ -66,21 +66,22 @@
     <p:sldId id="315" r:id="rId57"/>
     <p:sldId id="316" r:id="rId58"/>
     <p:sldId id="317" r:id="rId59"/>
+    <p:sldId id="319" r:id="rId60"/>
   </p:sldIdLst>
   <p:sldSz cx="9144000" cy="5143500" type="screen16x9"/>
   <p:notesSz cx="6858000" cy="9144000"/>
   <p:embeddedFontLst>
     <p:embeddedFont>
       <p:font typeface="Maven Pro" pitchFamily="2" charset="77"/>
-      <p:regular r:id="rId61"/>
-      <p:bold r:id="rId62"/>
+      <p:regular r:id="rId62"/>
+      <p:bold r:id="rId63"/>
     </p:embeddedFont>
     <p:embeddedFont>
       <p:font typeface="Nunito" pitchFamily="2" charset="77"/>
-      <p:regular r:id="rId63"/>
-      <p:bold r:id="rId64"/>
-      <p:italic r:id="rId65"/>
-      <p:boldItalic r:id="rId66"/>
+      <p:regular r:id="rId64"/>
+      <p:bold r:id="rId65"/>
+      <p:italic r:id="rId66"/>
+      <p:boldItalic r:id="rId67"/>
     </p:embeddedFont>
   </p:embeddedFontLst>
   <p:defaultTextStyle>
@@ -52127,6 +52128,92 @@
 </p:sld>
 </file>
 
+<file path=ppt/slides/slide59.xml><?xml version="1.0" encoding="utf-8"?>
+<p:sld xmlns:a="http://schemas.openxmlformats.org/drawingml/2006/main" xmlns:r="http://schemas.openxmlformats.org/officeDocument/2006/relationships" xmlns:p="http://schemas.openxmlformats.org/presentationml/2006/main">
+  <p:cSld>
+    <p:spTree>
+      <p:nvGrpSpPr>
+        <p:cNvPr id="1" name=""/>
+        <p:cNvGrpSpPr/>
+        <p:nvPr/>
+      </p:nvGrpSpPr>
+      <p:grpSpPr>
+        <a:xfrm>
+          <a:off x="0" y="0"/>
+          <a:ext cx="0" cy="0"/>
+          <a:chOff x="0" y="0"/>
+          <a:chExt cx="0" cy="0"/>
+        </a:xfrm>
+      </p:grpSpPr>
+      <p:sp>
+        <p:nvSpPr>
+          <p:cNvPr id="2" name="Title 1">
+            <a:extLst>
+              <a:ext uri="{FF2B5EF4-FFF2-40B4-BE49-F238E27FC236}">
+                <a16:creationId xmlns:a16="http://schemas.microsoft.com/office/drawing/2014/main" id="{A1405B39-7858-4D4E-836B-72ED011FD96E}"/>
+              </a:ext>
+            </a:extLst>
+          </p:cNvPr>
+          <p:cNvSpPr>
+            <a:spLocks noGrp="1"/>
+          </p:cNvSpPr>
+          <p:nvPr>
+            <p:ph type="title"/>
+          </p:nvPr>
+        </p:nvSpPr>
+        <p:spPr/>
+        <p:txBody>
+          <a:bodyPr/>
+          <a:lstStyle/>
+          <a:p>
+            <a:r>
+              <a:rPr lang="en-US" dirty="0"/>
+              <a:t>First thing to check when it errors</a:t>
+            </a:r>
+          </a:p>
+        </p:txBody>
+      </p:sp>
+      <p:sp>
+        <p:nvSpPr>
+          <p:cNvPr id="3" name="Text Placeholder 2">
+            <a:extLst>
+              <a:ext uri="{FF2B5EF4-FFF2-40B4-BE49-F238E27FC236}">
+                <a16:creationId xmlns:a16="http://schemas.microsoft.com/office/drawing/2014/main" id="{CDC6F738-2B3E-C847-A2DC-E078C09D2484}"/>
+              </a:ext>
+            </a:extLst>
+          </p:cNvPr>
+          <p:cNvSpPr>
+            <a:spLocks noGrp="1"/>
+          </p:cNvSpPr>
+          <p:nvPr>
+            <p:ph type="body" idx="1"/>
+          </p:nvPr>
+        </p:nvSpPr>
+        <p:spPr/>
+        <p:txBody>
+          <a:bodyPr/>
+          <a:lstStyle/>
+          <a:p>
+            <a:r>
+              <a:rPr lang="en-US" sz="2000" dirty="0"/>
+              <a:t>Unknown identifier? Some weird error you don’t know. Check your parentheses, honestly, that’s probably it. Everywhere. Do yourself a favor and always open/close them immediately.</a:t>
+            </a:r>
+          </a:p>
+        </p:txBody>
+      </p:sp>
+    </p:spTree>
+    <p:extLst>
+      <p:ext uri="{BB962C8B-B14F-4D97-AF65-F5344CB8AC3E}">
+        <p14:creationId xmlns:p14="http://schemas.microsoft.com/office/powerpoint/2010/main" val="1276837996"/>
+      </p:ext>
+    </p:extLst>
+  </p:cSld>
+  <p:clrMapOvr>
+    <a:masterClrMapping/>
+  </p:clrMapOvr>
+</p:sld>
+</file>
+
 <file path=ppt/slides/slide6.xml><?xml version="1.0" encoding="utf-8"?>
 <p:sld xmlns:a="http://schemas.openxmlformats.org/drawingml/2006/main" xmlns:r="http://schemas.openxmlformats.org/officeDocument/2006/relationships" xmlns:p="http://schemas.openxmlformats.org/presentationml/2006/main">
   <p:cSld>

--- a/public/pdfs/lab6slides.pptx
+++ b/public/pdfs/lab6slides.pptx
@@ -5,7 +5,7 @@
     <p:sldMasterId id="2147483659" r:id="rId1"/>
   </p:sldMasterIdLst>
   <p:notesMasterIdLst>
-    <p:notesMasterId r:id="rId61"/>
+    <p:notesMasterId r:id="rId60"/>
   </p:notesMasterIdLst>
   <p:sldIdLst>
     <p:sldId id="256" r:id="rId2"/>
@@ -26,33 +26,33 @@
     <p:sldId id="271" r:id="rId17"/>
     <p:sldId id="273" r:id="rId18"/>
     <p:sldId id="272" r:id="rId19"/>
-    <p:sldId id="274" r:id="rId20"/>
-    <p:sldId id="276" r:id="rId21"/>
-    <p:sldId id="279" r:id="rId22"/>
-    <p:sldId id="277" r:id="rId23"/>
-    <p:sldId id="281" r:id="rId24"/>
-    <p:sldId id="280" r:id="rId25"/>
-    <p:sldId id="282" r:id="rId26"/>
-    <p:sldId id="283" r:id="rId27"/>
-    <p:sldId id="284" r:id="rId28"/>
-    <p:sldId id="285" r:id="rId29"/>
-    <p:sldId id="286" r:id="rId30"/>
-    <p:sldId id="287" r:id="rId31"/>
-    <p:sldId id="288" r:id="rId32"/>
-    <p:sldId id="289" r:id="rId33"/>
-    <p:sldId id="290" r:id="rId34"/>
-    <p:sldId id="292" r:id="rId35"/>
-    <p:sldId id="293" r:id="rId36"/>
-    <p:sldId id="291" r:id="rId37"/>
-    <p:sldId id="295" r:id="rId38"/>
-    <p:sldId id="297" r:id="rId39"/>
-    <p:sldId id="298" r:id="rId40"/>
-    <p:sldId id="300" r:id="rId41"/>
-    <p:sldId id="301" r:id="rId42"/>
-    <p:sldId id="275" r:id="rId43"/>
-    <p:sldId id="303" r:id="rId44"/>
-    <p:sldId id="304" r:id="rId45"/>
-    <p:sldId id="305" r:id="rId46"/>
+    <p:sldId id="276" r:id="rId20"/>
+    <p:sldId id="279" r:id="rId21"/>
+    <p:sldId id="277" r:id="rId22"/>
+    <p:sldId id="281" r:id="rId23"/>
+    <p:sldId id="280" r:id="rId24"/>
+    <p:sldId id="282" r:id="rId25"/>
+    <p:sldId id="283" r:id="rId26"/>
+    <p:sldId id="284" r:id="rId27"/>
+    <p:sldId id="285" r:id="rId28"/>
+    <p:sldId id="286" r:id="rId29"/>
+    <p:sldId id="287" r:id="rId30"/>
+    <p:sldId id="288" r:id="rId31"/>
+    <p:sldId id="289" r:id="rId32"/>
+    <p:sldId id="290" r:id="rId33"/>
+    <p:sldId id="292" r:id="rId34"/>
+    <p:sldId id="293" r:id="rId35"/>
+    <p:sldId id="291" r:id="rId36"/>
+    <p:sldId id="295" r:id="rId37"/>
+    <p:sldId id="297" r:id="rId38"/>
+    <p:sldId id="298" r:id="rId39"/>
+    <p:sldId id="300" r:id="rId40"/>
+    <p:sldId id="301" r:id="rId41"/>
+    <p:sldId id="275" r:id="rId42"/>
+    <p:sldId id="303" r:id="rId43"/>
+    <p:sldId id="304" r:id="rId44"/>
+    <p:sldId id="305" r:id="rId45"/>
+    <p:sldId id="320" r:id="rId46"/>
     <p:sldId id="306" r:id="rId47"/>
     <p:sldId id="307" r:id="rId48"/>
     <p:sldId id="308" r:id="rId49"/>
@@ -62,26 +62,25 @@
     <p:sldId id="312" r:id="rId53"/>
     <p:sldId id="318" r:id="rId54"/>
     <p:sldId id="313" r:id="rId55"/>
-    <p:sldId id="314" r:id="rId56"/>
-    <p:sldId id="315" r:id="rId57"/>
-    <p:sldId id="316" r:id="rId58"/>
-    <p:sldId id="317" r:id="rId59"/>
-    <p:sldId id="319" r:id="rId60"/>
+    <p:sldId id="315" r:id="rId56"/>
+    <p:sldId id="316" r:id="rId57"/>
+    <p:sldId id="317" r:id="rId58"/>
+    <p:sldId id="319" r:id="rId59"/>
   </p:sldIdLst>
   <p:sldSz cx="9144000" cy="5143500" type="screen16x9"/>
   <p:notesSz cx="6858000" cy="9144000"/>
   <p:embeddedFontLst>
     <p:embeddedFont>
       <p:font typeface="Maven Pro" pitchFamily="2" charset="77"/>
-      <p:regular r:id="rId62"/>
-      <p:bold r:id="rId63"/>
+      <p:regular r:id="rId61"/>
+      <p:bold r:id="rId62"/>
     </p:embeddedFont>
     <p:embeddedFont>
       <p:font typeface="Nunito" pitchFamily="2" charset="77"/>
-      <p:regular r:id="rId64"/>
-      <p:bold r:id="rId65"/>
-      <p:italic r:id="rId66"/>
-      <p:boldItalic r:id="rId67"/>
+      <p:regular r:id="rId63"/>
+      <p:bold r:id="rId64"/>
+      <p:italic r:id="rId65"/>
+      <p:boldItalic r:id="rId66"/>
     </p:embeddedFont>
   </p:embeddedFontLst>
   <p:defaultTextStyle>
@@ -1955,7 +1954,7 @@
     </p:spTree>
     <p:extLst>
       <p:ext uri="{BB962C8B-B14F-4D97-AF65-F5344CB8AC3E}">
-        <p14:creationId xmlns:p14="http://schemas.microsoft.com/office/powerpoint/2010/main" val="3435766005"/>
+        <p14:creationId xmlns:p14="http://schemas.microsoft.com/office/powerpoint/2010/main" val="2800053300"/>
       </p:ext>
     </p:extLst>
   </p:cSld>
@@ -2168,7 +2167,7 @@
     </p:spTree>
     <p:extLst>
       <p:ext uri="{BB962C8B-B14F-4D97-AF65-F5344CB8AC3E}">
-        <p14:creationId xmlns:p14="http://schemas.microsoft.com/office/powerpoint/2010/main" val="2800053300"/>
+        <p14:creationId xmlns:p14="http://schemas.microsoft.com/office/powerpoint/2010/main" val="3893203530"/>
       </p:ext>
     </p:extLst>
   </p:cSld>
@@ -2277,7 +2276,7 @@
     </p:spTree>
     <p:extLst>
       <p:ext uri="{BB962C8B-B14F-4D97-AF65-F5344CB8AC3E}">
-        <p14:creationId xmlns:p14="http://schemas.microsoft.com/office/powerpoint/2010/main" val="3893203530"/>
+        <p14:creationId xmlns:p14="http://schemas.microsoft.com/office/powerpoint/2010/main" val="4253766346"/>
       </p:ext>
     </p:extLst>
   </p:cSld>
@@ -2386,7 +2385,7 @@
     </p:spTree>
     <p:extLst>
       <p:ext uri="{BB962C8B-B14F-4D97-AF65-F5344CB8AC3E}">
-        <p14:creationId xmlns:p14="http://schemas.microsoft.com/office/powerpoint/2010/main" val="4253766346"/>
+        <p14:creationId xmlns:p14="http://schemas.microsoft.com/office/powerpoint/2010/main" val="1559086347"/>
       </p:ext>
     </p:extLst>
   </p:cSld>
@@ -2495,7 +2494,7 @@
     </p:spTree>
     <p:extLst>
       <p:ext uri="{BB962C8B-B14F-4D97-AF65-F5344CB8AC3E}">
-        <p14:creationId xmlns:p14="http://schemas.microsoft.com/office/powerpoint/2010/main" val="1559086347"/>
+        <p14:creationId xmlns:p14="http://schemas.microsoft.com/office/powerpoint/2010/main" val="1725194157"/>
       </p:ext>
     </p:extLst>
   </p:cSld>
@@ -2604,7 +2603,7 @@
     </p:spTree>
     <p:extLst>
       <p:ext uri="{BB962C8B-B14F-4D97-AF65-F5344CB8AC3E}">
-        <p14:creationId xmlns:p14="http://schemas.microsoft.com/office/powerpoint/2010/main" val="1725194157"/>
+        <p14:creationId xmlns:p14="http://schemas.microsoft.com/office/powerpoint/2010/main" val="1836282584"/>
       </p:ext>
     </p:extLst>
   </p:cSld>
@@ -2713,7 +2712,7 @@
     </p:spTree>
     <p:extLst>
       <p:ext uri="{BB962C8B-B14F-4D97-AF65-F5344CB8AC3E}">
-        <p14:creationId xmlns:p14="http://schemas.microsoft.com/office/powerpoint/2010/main" val="1836282584"/>
+        <p14:creationId xmlns:p14="http://schemas.microsoft.com/office/powerpoint/2010/main" val="1832021468"/>
       </p:ext>
     </p:extLst>
   </p:cSld>
@@ -2822,7 +2821,7 @@
     </p:spTree>
     <p:extLst>
       <p:ext uri="{BB962C8B-B14F-4D97-AF65-F5344CB8AC3E}">
-        <p14:creationId xmlns:p14="http://schemas.microsoft.com/office/powerpoint/2010/main" val="1832021468"/>
+        <p14:creationId xmlns:p14="http://schemas.microsoft.com/office/powerpoint/2010/main" val="375297753"/>
       </p:ext>
     </p:extLst>
   </p:cSld>
@@ -2931,7 +2930,7 @@
     </p:spTree>
     <p:extLst>
       <p:ext uri="{BB962C8B-B14F-4D97-AF65-F5344CB8AC3E}">
-        <p14:creationId xmlns:p14="http://schemas.microsoft.com/office/powerpoint/2010/main" val="375297753"/>
+        <p14:creationId xmlns:p14="http://schemas.microsoft.com/office/powerpoint/2010/main" val="2874690119"/>
       </p:ext>
     </p:extLst>
   </p:cSld>
@@ -3040,7 +3039,7 @@
     </p:spTree>
     <p:extLst>
       <p:ext uri="{BB962C8B-B14F-4D97-AF65-F5344CB8AC3E}">
-        <p14:creationId xmlns:p14="http://schemas.microsoft.com/office/powerpoint/2010/main" val="2874690119"/>
+        <p14:creationId xmlns:p14="http://schemas.microsoft.com/office/powerpoint/2010/main" val="915398286"/>
       </p:ext>
     </p:extLst>
   </p:cSld>
@@ -3149,7 +3148,7 @@
     </p:spTree>
     <p:extLst>
       <p:ext uri="{BB962C8B-B14F-4D97-AF65-F5344CB8AC3E}">
-        <p14:creationId xmlns:p14="http://schemas.microsoft.com/office/powerpoint/2010/main" val="915398286"/>
+        <p14:creationId xmlns:p14="http://schemas.microsoft.com/office/powerpoint/2010/main" val="920491613"/>
       </p:ext>
     </p:extLst>
   </p:cSld>
@@ -3367,7 +3366,7 @@
     </p:spTree>
     <p:extLst>
       <p:ext uri="{BB962C8B-B14F-4D97-AF65-F5344CB8AC3E}">
-        <p14:creationId xmlns:p14="http://schemas.microsoft.com/office/powerpoint/2010/main" val="920491613"/>
+        <p14:creationId xmlns:p14="http://schemas.microsoft.com/office/powerpoint/2010/main" val="3541113308"/>
       </p:ext>
     </p:extLst>
   </p:cSld>
@@ -3476,7 +3475,7 @@
     </p:spTree>
     <p:extLst>
       <p:ext uri="{BB962C8B-B14F-4D97-AF65-F5344CB8AC3E}">
-        <p14:creationId xmlns:p14="http://schemas.microsoft.com/office/powerpoint/2010/main" val="3541113308"/>
+        <p14:creationId xmlns:p14="http://schemas.microsoft.com/office/powerpoint/2010/main" val="286934588"/>
       </p:ext>
     </p:extLst>
   </p:cSld>
@@ -3585,7 +3584,7 @@
     </p:spTree>
     <p:extLst>
       <p:ext uri="{BB962C8B-B14F-4D97-AF65-F5344CB8AC3E}">
-        <p14:creationId xmlns:p14="http://schemas.microsoft.com/office/powerpoint/2010/main" val="286934588"/>
+        <p14:creationId xmlns:p14="http://schemas.microsoft.com/office/powerpoint/2010/main" val="1702679679"/>
       </p:ext>
     </p:extLst>
   </p:cSld>
@@ -3694,7 +3693,7 @@
     </p:spTree>
     <p:extLst>
       <p:ext uri="{BB962C8B-B14F-4D97-AF65-F5344CB8AC3E}">
-        <p14:creationId xmlns:p14="http://schemas.microsoft.com/office/powerpoint/2010/main" val="1702679679"/>
+        <p14:creationId xmlns:p14="http://schemas.microsoft.com/office/powerpoint/2010/main" val="3753111834"/>
       </p:ext>
     </p:extLst>
   </p:cSld>
@@ -3803,7 +3802,7 @@
     </p:spTree>
     <p:extLst>
       <p:ext uri="{BB962C8B-B14F-4D97-AF65-F5344CB8AC3E}">
-        <p14:creationId xmlns:p14="http://schemas.microsoft.com/office/powerpoint/2010/main" val="3753111834"/>
+        <p14:creationId xmlns:p14="http://schemas.microsoft.com/office/powerpoint/2010/main" val="3856161947"/>
       </p:ext>
     </p:extLst>
   </p:cSld>
@@ -3912,7 +3911,7 @@
     </p:spTree>
     <p:extLst>
       <p:ext uri="{BB962C8B-B14F-4D97-AF65-F5344CB8AC3E}">
-        <p14:creationId xmlns:p14="http://schemas.microsoft.com/office/powerpoint/2010/main" val="3856161947"/>
+        <p14:creationId xmlns:p14="http://schemas.microsoft.com/office/powerpoint/2010/main" val="1669959728"/>
       </p:ext>
     </p:extLst>
   </p:cSld>
@@ -4021,7 +4020,7 @@
     </p:spTree>
     <p:extLst>
       <p:ext uri="{BB962C8B-B14F-4D97-AF65-F5344CB8AC3E}">
-        <p14:creationId xmlns:p14="http://schemas.microsoft.com/office/powerpoint/2010/main" val="1669959728"/>
+        <p14:creationId xmlns:p14="http://schemas.microsoft.com/office/powerpoint/2010/main" val="3912826454"/>
       </p:ext>
     </p:extLst>
   </p:cSld>
@@ -4130,7 +4129,7 @@
     </p:spTree>
     <p:extLst>
       <p:ext uri="{BB962C8B-B14F-4D97-AF65-F5344CB8AC3E}">
-        <p14:creationId xmlns:p14="http://schemas.microsoft.com/office/powerpoint/2010/main" val="3912826454"/>
+        <p14:creationId xmlns:p14="http://schemas.microsoft.com/office/powerpoint/2010/main" val="2571057026"/>
       </p:ext>
     </p:extLst>
   </p:cSld>
@@ -4239,7 +4238,7 @@
     </p:spTree>
     <p:extLst>
       <p:ext uri="{BB962C8B-B14F-4D97-AF65-F5344CB8AC3E}">
-        <p14:creationId xmlns:p14="http://schemas.microsoft.com/office/powerpoint/2010/main" val="2571057026"/>
+        <p14:creationId xmlns:p14="http://schemas.microsoft.com/office/powerpoint/2010/main" val="182269900"/>
       </p:ext>
     </p:extLst>
   </p:cSld>
@@ -4348,7 +4347,7 @@
     </p:spTree>
     <p:extLst>
       <p:ext uri="{BB962C8B-B14F-4D97-AF65-F5344CB8AC3E}">
-        <p14:creationId xmlns:p14="http://schemas.microsoft.com/office/powerpoint/2010/main" val="182269900"/>
+        <p14:creationId xmlns:p14="http://schemas.microsoft.com/office/powerpoint/2010/main" val="578516105"/>
       </p:ext>
     </p:extLst>
   </p:cSld>
@@ -4463,115 +4462,6 @@
 </file>
 
 <file path=ppt/notesSlides/notesSlide40.xml><?xml version="1.0" encoding="utf-8"?>
-<p:notes xmlns:a="http://schemas.openxmlformats.org/drawingml/2006/main" xmlns:r="http://schemas.openxmlformats.org/officeDocument/2006/relationships" xmlns:p="http://schemas.openxmlformats.org/presentationml/2006/main" showMasterSp="0" showMasterPhAnim="0">
-  <p:cSld>
-    <p:spTree>
-      <p:nvGrpSpPr>
-        <p:cNvPr id="1" name="Shape 305"/>
-        <p:cNvGrpSpPr/>
-        <p:nvPr/>
-      </p:nvGrpSpPr>
-      <p:grpSpPr>
-        <a:xfrm>
-          <a:off x="0" y="0"/>
-          <a:ext cx="0" cy="0"/>
-          <a:chOff x="0" y="0"/>
-          <a:chExt cx="0" cy="0"/>
-        </a:xfrm>
-      </p:grpSpPr>
-      <p:sp>
-        <p:nvSpPr>
-          <p:cNvPr id="306" name="Shape 306"/>
-          <p:cNvSpPr>
-            <a:spLocks noGrp="1" noRot="1" noChangeAspect="1"/>
-          </p:cNvSpPr>
-          <p:nvPr>
-            <p:ph type="sldImg" idx="2"/>
-          </p:nvPr>
-        </p:nvSpPr>
-        <p:spPr>
-          <a:xfrm>
-            <a:off x="381000" y="685800"/>
-            <a:ext cx="6096000" cy="3429000"/>
-          </a:xfrm>
-          <a:custGeom>
-            <a:avLst/>
-            <a:gdLst/>
-            <a:ahLst/>
-            <a:cxnLst/>
-            <a:rect l="0" t="0" r="0" b="0"/>
-            <a:pathLst>
-              <a:path w="120000" h="120000" extrusionOk="0">
-                <a:moveTo>
-                  <a:pt x="0" y="0"/>
-                </a:moveTo>
-                <a:lnTo>
-                  <a:pt x="120000" y="0"/>
-                </a:lnTo>
-                <a:lnTo>
-                  <a:pt x="120000" y="120000"/>
-                </a:lnTo>
-                <a:lnTo>
-                  <a:pt x="0" y="120000"/>
-                </a:lnTo>
-                <a:close/>
-              </a:path>
-            </a:pathLst>
-          </a:custGeom>
-        </p:spPr>
-      </p:sp>
-      <p:sp>
-        <p:nvSpPr>
-          <p:cNvPr id="307" name="Shape 307"/>
-          <p:cNvSpPr txBox="1">
-            <a:spLocks noGrp="1"/>
-          </p:cNvSpPr>
-          <p:nvPr>
-            <p:ph type="body" idx="1"/>
-          </p:nvPr>
-        </p:nvSpPr>
-        <p:spPr>
-          <a:xfrm>
-            <a:off x="685800" y="4343400"/>
-            <a:ext cx="5486400" cy="4114800"/>
-          </a:xfrm>
-          <a:prstGeom prst="rect">
-            <a:avLst/>
-          </a:prstGeom>
-        </p:spPr>
-        <p:txBody>
-          <a:bodyPr spcFirstLastPara="1" wrap="square" lIns="91425" tIns="91425" rIns="91425" bIns="91425" anchor="t" anchorCtr="0">
-            <a:noAutofit/>
-          </a:bodyPr>
-          <a:lstStyle/>
-          <a:p>
-            <a:pPr marL="0" lvl="0" indent="0" rtl="0">
-              <a:spcBef>
-                <a:spcPts val="0"/>
-              </a:spcBef>
-              <a:spcAft>
-                <a:spcPts val="0"/>
-              </a:spcAft>
-              <a:buNone/>
-            </a:pPr>
-            <a:endParaRPr/>
-          </a:p>
-        </p:txBody>
-      </p:sp>
-    </p:spTree>
-    <p:extLst>
-      <p:ext uri="{BB962C8B-B14F-4D97-AF65-F5344CB8AC3E}">
-        <p14:creationId xmlns:p14="http://schemas.microsoft.com/office/powerpoint/2010/main" val="578516105"/>
-      </p:ext>
-    </p:extLst>
-  </p:cSld>
-  <p:clrMapOvr>
-    <a:masterClrMapping/>
-  </p:clrMapOvr>
-</p:notes>
-</file>
-
-<file path=ppt/notesSlides/notesSlide41.xml><?xml version="1.0" encoding="utf-8"?>
 <p:notes xmlns:a="http://schemas.openxmlformats.org/drawingml/2006/main" xmlns:r="http://schemas.openxmlformats.org/officeDocument/2006/relationships" xmlns:p="http://schemas.openxmlformats.org/presentationml/2006/main" showMasterSp="0" showMasterPhAnim="0">
   <p:cSld>
     <p:spTree>
@@ -4813,7 +4703,7 @@
         </p:nvSpPr>
         <p:spPr>
           <a:xfrm>
-            <a:off x="381300" y="685800"/>
+            <a:off x="381000" y="685800"/>
             <a:ext cx="6096000" cy="3429000"/>
           </a:xfrm>
           <a:custGeom>
@@ -29297,10 +29187,10 @@
               <a:buNone/>
             </a:pPr>
             <a:r>
-              <a:rPr lang="en"/>
-              <a:t>Python to Scheme</a:t>
-            </a:r>
-            <a:endParaRPr/>
+              <a:rPr lang="en" dirty="0"/>
+              <a:t>Python to Scheme (Lambdas)</a:t>
+            </a:r>
+            <a:endParaRPr dirty="0"/>
           </a:p>
         </p:txBody>
       </p:sp>
@@ -29443,65 +29333,44 @@
             <a:r>
               <a:rPr lang="en" sz="1800" dirty="0">
                 <a:solidFill>
-                  <a:srgbClr val="1155CC"/>
-                </a:solidFill>
-                <a:latin typeface="Consolas"/>
-                <a:ea typeface="Consolas"/>
-                <a:cs typeface="Consolas"/>
-                <a:sym typeface="Consolas"/>
-              </a:rPr>
-              <a:t>add</a:t>
-            </a:r>
-            <a:r>
-              <a:rPr lang="en" sz="1800" dirty="0">
-                <a:latin typeface="Consolas"/>
-                <a:ea typeface="Consolas"/>
-                <a:cs typeface="Consolas"/>
-                <a:sym typeface="Consolas"/>
-              </a:rPr>
-              <a:t>(</a:t>
-            </a:r>
-            <a:r>
-              <a:rPr lang="en" sz="1800" dirty="0">
-                <a:solidFill>
-                  <a:srgbClr val="38761D"/>
-                </a:solidFill>
-                <a:latin typeface="Consolas"/>
-                <a:ea typeface="Consolas"/>
-                <a:cs typeface="Consolas"/>
-                <a:sym typeface="Consolas"/>
-              </a:rPr>
-              <a:t>3</a:t>
-            </a:r>
-            <a:r>
-              <a:rPr lang="en" sz="1800" dirty="0">
-                <a:latin typeface="Consolas"/>
-                <a:ea typeface="Consolas"/>
-                <a:cs typeface="Consolas"/>
-                <a:sym typeface="Consolas"/>
-              </a:rPr>
-              <a:t>,</a:t>
-            </a:r>
-            <a:r>
-              <a:rPr lang="en" sz="1800" dirty="0">
-                <a:solidFill>
-                  <a:srgbClr val="38761D"/>
-                </a:solidFill>
-                <a:latin typeface="Consolas"/>
-                <a:ea typeface="Consolas"/>
-                <a:cs typeface="Consolas"/>
-                <a:sym typeface="Consolas"/>
-              </a:rPr>
-              <a:t> 4</a:t>
-            </a:r>
-            <a:r>
-              <a:rPr lang="en" sz="1800" dirty="0">
-                <a:latin typeface="Consolas"/>
-                <a:ea typeface="Consolas"/>
-                <a:cs typeface="Consolas"/>
-                <a:sym typeface="Consolas"/>
-              </a:rPr>
-              <a:t>)</a:t>
+                  <a:srgbClr val="104BC5"/>
+                </a:solidFill>
+                <a:latin typeface="Consolas"/>
+                <a:ea typeface="Consolas"/>
+                <a:cs typeface="Consolas"/>
+                <a:sym typeface="Consolas"/>
+              </a:rPr>
+              <a:t>lambda</a:t>
+            </a:r>
+            <a:r>
+              <a:rPr lang="en" sz="1800" dirty="0">
+                <a:latin typeface="Consolas"/>
+                <a:ea typeface="Consolas"/>
+                <a:cs typeface="Consolas"/>
+                <a:sym typeface="Consolas"/>
+              </a:rPr>
+              <a:t> x: </a:t>
+            </a:r>
+            <a:r>
+              <a:rPr lang="en" sz="1800" dirty="0">
+                <a:solidFill>
+                  <a:srgbClr val="316B1B"/>
+                </a:solidFill>
+                <a:latin typeface="Consolas"/>
+                <a:ea typeface="Consolas"/>
+                <a:cs typeface="Consolas"/>
+                <a:sym typeface="Consolas"/>
+              </a:rPr>
+              <a:t>2</a:t>
+            </a:r>
+            <a:r>
+              <a:rPr lang="en" sz="1800" dirty="0">
+                <a:latin typeface="Consolas"/>
+                <a:ea typeface="Consolas"/>
+                <a:cs typeface="Consolas"/>
+                <a:sym typeface="Consolas"/>
+              </a:rPr>
+              <a:t> * x</a:t>
             </a:r>
           </a:p>
           <a:p>
@@ -29521,332 +29390,8 @@
                 <a:cs typeface="Consolas"/>
                 <a:sym typeface="Consolas"/>
               </a:rPr>
-              <a:t>7</a:t>
-            </a:r>
-          </a:p>
-          <a:p>
-            <a:pPr marL="0" lvl="0" indent="0" rtl="0">
-              <a:spcBef>
-                <a:spcPts val="0"/>
-              </a:spcBef>
-              <a:spcAft>
-                <a:spcPts val="0"/>
-              </a:spcAft>
-              <a:buNone/>
-            </a:pPr>
-            <a:endParaRPr lang="en" sz="1800" dirty="0">
-              <a:latin typeface="Consolas"/>
-              <a:ea typeface="Consolas"/>
-              <a:cs typeface="Consolas"/>
-              <a:sym typeface="Consolas"/>
-            </a:endParaRPr>
-          </a:p>
-          <a:p>
-            <a:pPr marL="0" lvl="0" indent="0" rtl="0">
-              <a:spcBef>
-                <a:spcPts val="0"/>
-              </a:spcBef>
-              <a:spcAft>
-                <a:spcPts val="0"/>
-              </a:spcAft>
-              <a:buNone/>
-            </a:pPr>
-            <a:r>
-              <a:rPr lang="en" sz="1800" b="1" dirty="0">
-                <a:latin typeface="Consolas"/>
-                <a:ea typeface="Consolas"/>
-                <a:cs typeface="Consolas"/>
-                <a:sym typeface="Consolas"/>
-              </a:rPr>
-              <a:t>&gt;&gt;&gt;</a:t>
-            </a:r>
-            <a:r>
-              <a:rPr lang="en" sz="1800" dirty="0">
-                <a:latin typeface="Consolas"/>
-                <a:ea typeface="Consolas"/>
-                <a:cs typeface="Consolas"/>
-                <a:sym typeface="Consolas"/>
-              </a:rPr>
-              <a:t> </a:t>
-            </a:r>
-            <a:r>
-              <a:rPr lang="en" sz="1800" dirty="0" err="1">
-                <a:solidFill>
-                  <a:srgbClr val="104BC5"/>
-                </a:solidFill>
-                <a:latin typeface="Consolas"/>
-                <a:ea typeface="Consolas"/>
-                <a:cs typeface="Consolas"/>
-                <a:sym typeface="Consolas"/>
-              </a:rPr>
-              <a:t>mul</a:t>
-            </a:r>
-            <a:r>
-              <a:rPr lang="en" sz="1800" dirty="0">
-                <a:latin typeface="Consolas"/>
-                <a:ea typeface="Consolas"/>
-                <a:cs typeface="Consolas"/>
-                <a:sym typeface="Consolas"/>
-              </a:rPr>
-              <a:t>(</a:t>
-            </a:r>
-            <a:r>
-              <a:rPr lang="en" sz="1800" dirty="0">
-                <a:solidFill>
-                  <a:srgbClr val="104BC5"/>
-                </a:solidFill>
-                <a:latin typeface="Consolas"/>
-                <a:ea typeface="Consolas"/>
-                <a:cs typeface="Consolas"/>
-                <a:sym typeface="Consolas"/>
-              </a:rPr>
-              <a:t>add</a:t>
-            </a:r>
-            <a:r>
-              <a:rPr lang="en" sz="1800" dirty="0">
-                <a:latin typeface="Consolas"/>
-                <a:ea typeface="Consolas"/>
-                <a:cs typeface="Consolas"/>
-                <a:sym typeface="Consolas"/>
-              </a:rPr>
-              <a:t>(</a:t>
-            </a:r>
-            <a:r>
-              <a:rPr lang="en" sz="1800" dirty="0">
-                <a:solidFill>
-                  <a:srgbClr val="316B1B"/>
-                </a:solidFill>
-                <a:latin typeface="Consolas"/>
-                <a:ea typeface="Consolas"/>
-                <a:cs typeface="Consolas"/>
-                <a:sym typeface="Consolas"/>
-              </a:rPr>
-              <a:t>1</a:t>
-            </a:r>
-            <a:r>
-              <a:rPr lang="en" sz="1800" dirty="0">
-                <a:latin typeface="Consolas"/>
-                <a:ea typeface="Consolas"/>
-                <a:cs typeface="Consolas"/>
-                <a:sym typeface="Consolas"/>
-              </a:rPr>
-              <a:t>, </a:t>
-            </a:r>
-            <a:r>
-              <a:rPr lang="en" sz="1800" dirty="0">
-                <a:solidFill>
-                  <a:srgbClr val="316B1B"/>
-                </a:solidFill>
-                <a:latin typeface="Consolas"/>
-                <a:ea typeface="Consolas"/>
-                <a:cs typeface="Consolas"/>
-                <a:sym typeface="Consolas"/>
-              </a:rPr>
-              <a:t>2</a:t>
-            </a:r>
-            <a:r>
-              <a:rPr lang="en" sz="1800" dirty="0">
-                <a:latin typeface="Consolas"/>
-                <a:ea typeface="Consolas"/>
-                <a:cs typeface="Consolas"/>
-                <a:sym typeface="Consolas"/>
-              </a:rPr>
-              <a:t>), </a:t>
-            </a:r>
-            <a:r>
-              <a:rPr lang="en" sz="1800" dirty="0">
-                <a:solidFill>
-                  <a:srgbClr val="316B1B"/>
-                </a:solidFill>
-                <a:latin typeface="Consolas"/>
-                <a:ea typeface="Consolas"/>
-                <a:cs typeface="Consolas"/>
-                <a:sym typeface="Consolas"/>
-              </a:rPr>
-              <a:t>5</a:t>
-            </a:r>
-            <a:r>
-              <a:rPr lang="en" sz="1800" dirty="0">
-                <a:latin typeface="Consolas"/>
-                <a:ea typeface="Consolas"/>
-                <a:cs typeface="Consolas"/>
-                <a:sym typeface="Consolas"/>
-              </a:rPr>
-              <a:t>)</a:t>
-            </a:r>
-          </a:p>
-          <a:p>
-            <a:pPr marL="0" lvl="0" indent="0" rtl="0">
-              <a:spcBef>
-                <a:spcPts val="0"/>
-              </a:spcBef>
-              <a:spcAft>
-                <a:spcPts val="0"/>
-              </a:spcAft>
-              <a:buNone/>
-            </a:pPr>
-            <a:r>
-              <a:rPr lang="en" sz="1800" dirty="0">
-                <a:latin typeface="Consolas"/>
-                <a:ea typeface="Consolas"/>
-                <a:cs typeface="Consolas"/>
-                <a:sym typeface="Consolas"/>
-              </a:rPr>
-              <a:t>15</a:t>
-            </a:r>
-          </a:p>
-          <a:p>
-            <a:pPr marL="0" lvl="0" indent="0" rtl="0">
-              <a:spcBef>
-                <a:spcPts val="0"/>
-              </a:spcBef>
-              <a:spcAft>
-                <a:spcPts val="0"/>
-              </a:spcAft>
-              <a:buNone/>
-            </a:pPr>
-            <a:endParaRPr lang="en" sz="1800" dirty="0">
-              <a:latin typeface="Consolas"/>
-              <a:ea typeface="Consolas"/>
-              <a:cs typeface="Consolas"/>
-              <a:sym typeface="Consolas"/>
-            </a:endParaRPr>
-          </a:p>
-          <a:p>
-            <a:pPr marL="0" lvl="0" indent="0" rtl="0">
-              <a:spcBef>
-                <a:spcPts val="0"/>
-              </a:spcBef>
-              <a:spcAft>
-                <a:spcPts val="0"/>
-              </a:spcAft>
-              <a:buNone/>
-            </a:pPr>
-            <a:r>
-              <a:rPr lang="en" sz="1800" b="1" dirty="0">
-                <a:latin typeface="Consolas"/>
-                <a:ea typeface="Consolas"/>
-                <a:cs typeface="Consolas"/>
-                <a:sym typeface="Consolas"/>
-              </a:rPr>
-              <a:t>&gt;&gt;&gt;</a:t>
-            </a:r>
-            <a:r>
-              <a:rPr lang="en" sz="1800" dirty="0">
-                <a:latin typeface="Consolas"/>
-                <a:ea typeface="Consolas"/>
-                <a:cs typeface="Consolas"/>
-                <a:sym typeface="Consolas"/>
-              </a:rPr>
-              <a:t> x = </a:t>
-            </a:r>
-            <a:r>
-              <a:rPr lang="en" sz="1800" dirty="0">
-                <a:solidFill>
-                  <a:srgbClr val="316B1B"/>
-                </a:solidFill>
-                <a:latin typeface="Consolas"/>
-                <a:ea typeface="Consolas"/>
-                <a:cs typeface="Consolas"/>
-                <a:sym typeface="Consolas"/>
-              </a:rPr>
-              <a:t>5</a:t>
-            </a:r>
-          </a:p>
-          <a:p>
-            <a:pPr marL="0" lvl="0" indent="0" rtl="0">
-              <a:spcBef>
-                <a:spcPts val="0"/>
-              </a:spcBef>
-              <a:spcAft>
-                <a:spcPts val="0"/>
-              </a:spcAft>
-              <a:buNone/>
-            </a:pPr>
-            <a:endParaRPr lang="en" sz="1800" b="1" dirty="0">
-              <a:solidFill>
-                <a:srgbClr val="316B1B"/>
-              </a:solidFill>
-              <a:latin typeface="Consolas"/>
-              <a:ea typeface="Consolas"/>
-              <a:cs typeface="Consolas"/>
-              <a:sym typeface="Consolas"/>
-            </a:endParaRPr>
-          </a:p>
-          <a:p>
-            <a:pPr marL="0" lvl="0" indent="0" rtl="0">
-              <a:spcBef>
-                <a:spcPts val="0"/>
-              </a:spcBef>
-              <a:spcAft>
-                <a:spcPts val="0"/>
-              </a:spcAft>
-              <a:buNone/>
-            </a:pPr>
-            <a:endParaRPr lang="en" sz="1800" b="1" dirty="0">
-              <a:solidFill>
-                <a:srgbClr val="316B1B"/>
-              </a:solidFill>
-              <a:latin typeface="Consolas"/>
-              <a:ea typeface="Consolas"/>
-              <a:cs typeface="Consolas"/>
-              <a:sym typeface="Consolas"/>
-            </a:endParaRPr>
-          </a:p>
-          <a:p>
-            <a:pPr marL="0" lvl="0" indent="0" rtl="0">
-              <a:spcBef>
-                <a:spcPts val="0"/>
-              </a:spcBef>
-              <a:spcAft>
-                <a:spcPts val="0"/>
-              </a:spcAft>
-              <a:buNone/>
-            </a:pPr>
-            <a:r>
-              <a:rPr lang="en" sz="1800" b="1" dirty="0">
-                <a:latin typeface="Consolas"/>
-                <a:ea typeface="Consolas"/>
-                <a:cs typeface="Consolas"/>
-                <a:sym typeface="Consolas"/>
-              </a:rPr>
-              <a:t>&gt;&gt;&gt; </a:t>
-            </a:r>
-            <a:r>
-              <a:rPr lang="en" sz="1800" dirty="0">
-                <a:latin typeface="Consolas"/>
-                <a:ea typeface="Consolas"/>
-                <a:cs typeface="Consolas"/>
-                <a:sym typeface="Consolas"/>
-              </a:rPr>
-              <a:t>x</a:t>
-            </a:r>
-          </a:p>
-          <a:p>
-            <a:pPr marL="0" lvl="0" indent="0" rtl="0">
-              <a:spcBef>
-                <a:spcPts val="0"/>
-              </a:spcBef>
-              <a:spcAft>
-                <a:spcPts val="0"/>
-              </a:spcAft>
-              <a:buNone/>
-            </a:pPr>
-            <a:r>
-              <a:rPr lang="en" sz="1800" dirty="0">
-                <a:latin typeface="Consolas"/>
-                <a:ea typeface="Consolas"/>
-                <a:cs typeface="Consolas"/>
-                <a:sym typeface="Consolas"/>
-              </a:rPr>
-              <a:t>5</a:t>
-            </a:r>
-            <a:endParaRPr sz="1800" dirty="0">
-              <a:latin typeface="Consolas"/>
-              <a:ea typeface="Consolas"/>
-              <a:cs typeface="Consolas"/>
-              <a:sym typeface="Consolas"/>
-            </a:endParaRPr>
+              <a:t>&lt;function lambda at ...&gt;</a:t>
+            </a:r>
           </a:p>
         </p:txBody>
       </p:sp>
@@ -29915,7 +29460,7 @@
                 <a:cs typeface="Consolas"/>
                 <a:sym typeface="Consolas"/>
               </a:rPr>
-              <a:t> (</a:t>
+              <a:t> </a:t>
             </a:r>
             <a:r>
               <a:rPr lang="en" sz="1800" dirty="0">
@@ -29927,19 +29472,16 @@
                 <a:cs typeface="Consolas"/>
                 <a:sym typeface="Consolas"/>
               </a:rPr>
-              <a:t>+</a:t>
-            </a:r>
-            <a:r>
-              <a:rPr lang="en" sz="1800" dirty="0">
-                <a:solidFill>
-                  <a:srgbClr val="C2A9B6"/>
-                </a:solidFill>
-                <a:latin typeface="Consolas"/>
-                <a:ea typeface="Consolas"/>
-                <a:cs typeface="Consolas"/>
-                <a:sym typeface="Consolas"/>
-              </a:rPr>
-              <a:t> </a:t>
+              <a:t>lambda</a:t>
+            </a:r>
+            <a:r>
+              <a:rPr lang="en" sz="1800" dirty="0">
+                <a:latin typeface="Consolas"/>
+                <a:ea typeface="Consolas"/>
+                <a:cs typeface="Consolas"/>
+                <a:sym typeface="Consolas"/>
+              </a:rPr>
+              <a:t> x: </a:t>
             </a:r>
             <a:r>
               <a:rPr lang="en" sz="1800" dirty="0">
@@ -29951,537 +29493,16 @@
                 <a:cs typeface="Consolas"/>
                 <a:sym typeface="Consolas"/>
               </a:rPr>
-              <a:t>3 4</a:t>
-            </a:r>
-            <a:r>
-              <a:rPr lang="en" sz="1800" dirty="0">
-                <a:latin typeface="Consolas"/>
-                <a:ea typeface="Consolas"/>
-                <a:cs typeface="Consolas"/>
-                <a:sym typeface="Consolas"/>
-              </a:rPr>
-              <a:t>)</a:t>
-            </a:r>
-          </a:p>
-          <a:p>
-            <a:pPr marL="0" lvl="0" indent="0" rtl="0">
-              <a:spcBef>
-                <a:spcPts val="0"/>
-              </a:spcBef>
-              <a:spcAft>
-                <a:spcPts val="0"/>
-              </a:spcAft>
-              <a:buNone/>
-            </a:pPr>
-            <a:r>
-              <a:rPr lang="en" sz="1800" dirty="0">
-                <a:latin typeface="Consolas"/>
-                <a:ea typeface="Consolas"/>
-                <a:cs typeface="Consolas"/>
-                <a:sym typeface="Consolas"/>
-              </a:rPr>
-              <a:t>7</a:t>
-            </a:r>
-          </a:p>
-          <a:p>
-            <a:pPr marL="0" lvl="0" indent="0" rtl="0">
-              <a:spcBef>
-                <a:spcPts val="0"/>
-              </a:spcBef>
-              <a:spcAft>
-                <a:spcPts val="0"/>
-              </a:spcAft>
-              <a:buNone/>
-            </a:pPr>
-            <a:endParaRPr lang="en" sz="1800" dirty="0">
-              <a:latin typeface="Consolas"/>
-              <a:ea typeface="Consolas"/>
-              <a:cs typeface="Consolas"/>
-              <a:sym typeface="Consolas"/>
-            </a:endParaRPr>
-          </a:p>
-          <a:p>
-            <a:r>
-              <a:rPr lang="en" sz="1800" b="1" dirty="0" err="1">
-                <a:solidFill>
-                  <a:srgbClr val="EAD1DC"/>
-                </a:solidFill>
-                <a:latin typeface="Consolas"/>
-                <a:ea typeface="Consolas"/>
-                <a:cs typeface="Consolas"/>
-                <a:sym typeface="Consolas"/>
-              </a:rPr>
-              <a:t>scm</a:t>
-            </a:r>
-            <a:r>
-              <a:rPr lang="en" sz="1800" b="1" dirty="0">
-                <a:solidFill>
-                  <a:srgbClr val="EAD1DC"/>
-                </a:solidFill>
-                <a:latin typeface="Consolas"/>
-                <a:ea typeface="Consolas"/>
-                <a:cs typeface="Consolas"/>
-                <a:sym typeface="Consolas"/>
-              </a:rPr>
-              <a:t>&gt; </a:t>
-            </a:r>
-            <a:r>
-              <a:rPr lang="en" sz="1800" dirty="0">
-                <a:latin typeface="Consolas"/>
-                <a:ea typeface="Consolas"/>
-                <a:cs typeface="Consolas"/>
-                <a:sym typeface="Consolas"/>
-              </a:rPr>
-              <a:t>(</a:t>
-            </a:r>
-            <a:r>
-              <a:rPr lang="en" sz="1800" dirty="0">
-                <a:solidFill>
-                  <a:srgbClr val="104BC5"/>
-                </a:solidFill>
-                <a:latin typeface="Consolas"/>
-                <a:ea typeface="Consolas"/>
-                <a:cs typeface="Consolas"/>
-                <a:sym typeface="Consolas"/>
-              </a:rPr>
-              <a:t>*</a:t>
-            </a:r>
-            <a:r>
-              <a:rPr lang="en" sz="1800" dirty="0">
-                <a:latin typeface="Consolas"/>
-                <a:ea typeface="Consolas"/>
-                <a:cs typeface="Consolas"/>
-                <a:sym typeface="Consolas"/>
-              </a:rPr>
-              <a:t> (</a:t>
-            </a:r>
-            <a:r>
-              <a:rPr lang="en" sz="1800" dirty="0">
-                <a:solidFill>
-                  <a:srgbClr val="104BC5"/>
-                </a:solidFill>
-                <a:latin typeface="Consolas"/>
-                <a:ea typeface="Consolas"/>
-                <a:cs typeface="Consolas"/>
-                <a:sym typeface="Consolas"/>
-              </a:rPr>
-              <a:t>+</a:t>
-            </a:r>
-            <a:r>
-              <a:rPr lang="en" sz="1800" dirty="0">
-                <a:latin typeface="Consolas"/>
-                <a:ea typeface="Consolas"/>
-                <a:cs typeface="Consolas"/>
-                <a:sym typeface="Consolas"/>
-              </a:rPr>
-              <a:t> </a:t>
-            </a:r>
-            <a:r>
-              <a:rPr lang="en" sz="1800" dirty="0">
-                <a:solidFill>
-                  <a:srgbClr val="316B1B"/>
-                </a:solidFill>
-                <a:latin typeface="Consolas"/>
-                <a:ea typeface="Consolas"/>
-                <a:cs typeface="Consolas"/>
-                <a:sym typeface="Consolas"/>
-              </a:rPr>
-              <a:t>1 2</a:t>
-            </a:r>
-            <a:r>
-              <a:rPr lang="en" sz="1800" dirty="0">
-                <a:latin typeface="Consolas"/>
-                <a:ea typeface="Consolas"/>
-                <a:cs typeface="Consolas"/>
-                <a:sym typeface="Consolas"/>
-              </a:rPr>
-              <a:t>) </a:t>
-            </a:r>
-            <a:r>
-              <a:rPr lang="en" sz="1800" dirty="0">
-                <a:solidFill>
-                  <a:srgbClr val="316B1B"/>
-                </a:solidFill>
-                <a:latin typeface="Consolas"/>
-                <a:ea typeface="Consolas"/>
-                <a:cs typeface="Consolas"/>
-                <a:sym typeface="Consolas"/>
-              </a:rPr>
-              <a:t>5</a:t>
-            </a:r>
-            <a:r>
-              <a:rPr lang="en" sz="1800" dirty="0">
-                <a:latin typeface="Consolas"/>
-                <a:ea typeface="Consolas"/>
-                <a:cs typeface="Consolas"/>
-                <a:sym typeface="Consolas"/>
-              </a:rPr>
-              <a:t>)</a:t>
-            </a:r>
-          </a:p>
-          <a:p>
-            <a:r>
-              <a:rPr lang="en" sz="1800" dirty="0">
-                <a:latin typeface="Consolas"/>
-                <a:ea typeface="Consolas"/>
-                <a:cs typeface="Consolas"/>
-                <a:sym typeface="Consolas"/>
-              </a:rPr>
-              <a:t>15</a:t>
-            </a:r>
-          </a:p>
-          <a:p>
-            <a:endParaRPr lang="en" sz="1800" dirty="0">
-              <a:latin typeface="Consolas"/>
-              <a:ea typeface="Consolas"/>
-              <a:cs typeface="Consolas"/>
-              <a:sym typeface="Consolas"/>
-            </a:endParaRPr>
-          </a:p>
-          <a:p>
-            <a:r>
-              <a:rPr lang="en-US" sz="1800" b="1" dirty="0" err="1">
-                <a:solidFill>
-                  <a:srgbClr val="EAD1DC"/>
-                </a:solidFill>
-                <a:latin typeface="Consolas"/>
-                <a:ea typeface="Consolas"/>
-                <a:cs typeface="Consolas"/>
-                <a:sym typeface="Consolas"/>
-              </a:rPr>
-              <a:t>scm</a:t>
-            </a:r>
-            <a:r>
-              <a:rPr lang="en-US" sz="1800" b="1" dirty="0">
-                <a:solidFill>
-                  <a:srgbClr val="EAD1DC"/>
-                </a:solidFill>
-                <a:latin typeface="Consolas"/>
-                <a:ea typeface="Consolas"/>
-                <a:cs typeface="Consolas"/>
-                <a:sym typeface="Consolas"/>
-              </a:rPr>
-              <a:t>&gt; </a:t>
-            </a:r>
-            <a:r>
-              <a:rPr lang="en-US" sz="1800" dirty="0">
-                <a:latin typeface="Consolas"/>
-                <a:ea typeface="Consolas"/>
-                <a:cs typeface="Consolas"/>
-                <a:sym typeface="Consolas"/>
-              </a:rPr>
-              <a:t>(</a:t>
-            </a:r>
-            <a:r>
-              <a:rPr lang="en-US" sz="1800" dirty="0">
-                <a:solidFill>
-                  <a:srgbClr val="104BC5"/>
-                </a:solidFill>
-                <a:latin typeface="Consolas"/>
-                <a:ea typeface="Consolas"/>
-                <a:cs typeface="Consolas"/>
-                <a:sym typeface="Consolas"/>
-              </a:rPr>
-              <a:t>define</a:t>
-            </a:r>
-            <a:r>
-              <a:rPr lang="en-US" sz="1800" dirty="0">
-                <a:latin typeface="Consolas"/>
-                <a:ea typeface="Consolas"/>
-                <a:cs typeface="Consolas"/>
-                <a:sym typeface="Consolas"/>
-              </a:rPr>
-              <a:t> x </a:t>
-            </a:r>
-            <a:r>
-              <a:rPr lang="en-US" sz="1800" dirty="0">
-                <a:solidFill>
-                  <a:srgbClr val="316B1B"/>
-                </a:solidFill>
-                <a:latin typeface="Consolas"/>
-                <a:ea typeface="Consolas"/>
-                <a:cs typeface="Consolas"/>
-                <a:sym typeface="Consolas"/>
-              </a:rPr>
-              <a:t>5</a:t>
-            </a:r>
-            <a:r>
-              <a:rPr lang="en-US" sz="1800" dirty="0">
-                <a:latin typeface="Consolas"/>
-                <a:ea typeface="Consolas"/>
-                <a:cs typeface="Consolas"/>
-                <a:sym typeface="Consolas"/>
-              </a:rPr>
-              <a:t>)</a:t>
-            </a:r>
-          </a:p>
-          <a:p>
-            <a:r>
-              <a:rPr lang="en-US" sz="1800" dirty="0">
-                <a:latin typeface="Consolas"/>
-                <a:ea typeface="Consolas"/>
-                <a:cs typeface="Consolas"/>
-                <a:sym typeface="Consolas"/>
-              </a:rPr>
-              <a:t>x</a:t>
-            </a:r>
-          </a:p>
-          <a:p>
-            <a:endParaRPr lang="en-US" sz="1800" dirty="0">
-              <a:latin typeface="Consolas"/>
-              <a:ea typeface="Consolas"/>
-              <a:cs typeface="Consolas"/>
-              <a:sym typeface="Consolas"/>
-            </a:endParaRPr>
-          </a:p>
-          <a:p>
-            <a:r>
-              <a:rPr lang="en-US" sz="1800" b="1" dirty="0" err="1">
-                <a:solidFill>
-                  <a:srgbClr val="EAD1DC"/>
-                </a:solidFill>
-                <a:latin typeface="Consolas"/>
-                <a:ea typeface="Consolas"/>
-                <a:cs typeface="Consolas"/>
-                <a:sym typeface="Consolas"/>
-              </a:rPr>
-              <a:t>scm</a:t>
-            </a:r>
-            <a:r>
-              <a:rPr lang="en-US" sz="1800" b="1" dirty="0">
-                <a:solidFill>
-                  <a:srgbClr val="EAD1DC"/>
-                </a:solidFill>
-                <a:latin typeface="Consolas"/>
-                <a:ea typeface="Consolas"/>
-                <a:cs typeface="Consolas"/>
-                <a:sym typeface="Consolas"/>
-              </a:rPr>
-              <a:t>&gt; </a:t>
-            </a:r>
-            <a:r>
-              <a:rPr lang="en-US" sz="1800" dirty="0">
-                <a:latin typeface="Consolas"/>
-                <a:ea typeface="Consolas"/>
-                <a:cs typeface="Consolas"/>
-                <a:sym typeface="Consolas"/>
-              </a:rPr>
-              <a:t>x</a:t>
-            </a:r>
-          </a:p>
-          <a:p>
-            <a:r>
-              <a:rPr lang="en-US" sz="1800" dirty="0">
-                <a:latin typeface="Consolas"/>
-                <a:ea typeface="Consolas"/>
-                <a:cs typeface="Consolas"/>
-                <a:sym typeface="Consolas"/>
-              </a:rPr>
-              <a:t>5</a:t>
-            </a:r>
-          </a:p>
-        </p:txBody>
-      </p:sp>
-      <p:sp>
-        <p:nvSpPr>
-          <p:cNvPr id="13" name="TextBox 12">
-            <a:extLst>
-              <a:ext uri="{FF2B5EF4-FFF2-40B4-BE49-F238E27FC236}">
-                <a16:creationId xmlns:a16="http://schemas.microsoft.com/office/drawing/2014/main" id="{1A394FED-AEFC-624A-922D-864664A585EF}"/>
-              </a:ext>
-            </a:extLst>
-          </p:cNvPr>
-          <p:cNvSpPr txBox="1"/>
-          <p:nvPr/>
-        </p:nvSpPr>
-        <p:spPr>
-          <a:xfrm>
-            <a:off x="5115650" y="1613564"/>
-            <a:ext cx="824707" cy="369332"/>
-          </a:xfrm>
-          <a:prstGeom prst="rect">
-            <a:avLst/>
-          </a:prstGeom>
-          <a:noFill/>
-        </p:spPr>
-        <p:txBody>
-          <a:bodyPr wrap="square" rtlCol="0">
-            <a:spAutoFit/>
-          </a:bodyPr>
-          <a:lstStyle/>
-          <a:p>
-            <a:r>
-              <a:rPr lang="en-US" sz="1800" b="1" dirty="0" err="1">
-                <a:solidFill>
-                  <a:srgbClr val="AA6225"/>
-                </a:solidFill>
-                <a:latin typeface="Consolas" panose="020B0609020204030204" pitchFamily="49" charset="0"/>
-                <a:cs typeface="Consolas" panose="020B0609020204030204" pitchFamily="49" charset="0"/>
-              </a:rPr>
-              <a:t>scm</a:t>
-            </a:r>
-            <a:r>
-              <a:rPr lang="en-US" sz="1800" b="1" dirty="0">
-                <a:solidFill>
-                  <a:srgbClr val="AA6225"/>
-                </a:solidFill>
-                <a:latin typeface="Consolas" panose="020B0609020204030204" pitchFamily="49" charset="0"/>
-                <a:cs typeface="Consolas" panose="020B0609020204030204" pitchFamily="49" charset="0"/>
-              </a:rPr>
-              <a:t>&gt;</a:t>
-            </a:r>
-          </a:p>
-        </p:txBody>
-      </p:sp>
-      <p:sp>
-        <p:nvSpPr>
-          <p:cNvPr id="19" name="TextBox 18">
-            <a:extLst>
-              <a:ext uri="{FF2B5EF4-FFF2-40B4-BE49-F238E27FC236}">
-                <a16:creationId xmlns:a16="http://schemas.microsoft.com/office/drawing/2014/main" id="{5E5AA26D-5713-1044-BB48-C1B297E4EEF1}"/>
-              </a:ext>
-            </a:extLst>
-          </p:cNvPr>
-          <p:cNvSpPr txBox="1"/>
-          <p:nvPr/>
-        </p:nvSpPr>
-        <p:spPr>
-          <a:xfrm>
-            <a:off x="5115649" y="2434875"/>
-            <a:ext cx="824707" cy="369332"/>
-          </a:xfrm>
-          <a:prstGeom prst="rect">
-            <a:avLst/>
-          </a:prstGeom>
-          <a:noFill/>
-        </p:spPr>
-        <p:txBody>
-          <a:bodyPr wrap="square" rtlCol="0">
-            <a:spAutoFit/>
-          </a:bodyPr>
-          <a:lstStyle/>
-          <a:p>
-            <a:r>
-              <a:rPr lang="en-US" sz="1800" b="1" dirty="0" err="1">
-                <a:solidFill>
-                  <a:srgbClr val="AA6225"/>
-                </a:solidFill>
-                <a:latin typeface="Consolas" panose="020B0609020204030204" pitchFamily="49" charset="0"/>
-                <a:cs typeface="Consolas" panose="020B0609020204030204" pitchFamily="49" charset="0"/>
-              </a:rPr>
-              <a:t>scm</a:t>
-            </a:r>
-            <a:r>
-              <a:rPr lang="en-US" sz="1800" b="1" dirty="0">
-                <a:solidFill>
-                  <a:srgbClr val="AA6225"/>
-                </a:solidFill>
-                <a:latin typeface="Consolas" panose="020B0609020204030204" pitchFamily="49" charset="0"/>
-                <a:cs typeface="Consolas" panose="020B0609020204030204" pitchFamily="49" charset="0"/>
-              </a:rPr>
-              <a:t>&gt;</a:t>
-            </a:r>
-          </a:p>
-        </p:txBody>
-      </p:sp>
-      <p:sp>
-        <p:nvSpPr>
-          <p:cNvPr id="15" name="TextBox 14">
-            <a:extLst>
-              <a:ext uri="{FF2B5EF4-FFF2-40B4-BE49-F238E27FC236}">
-                <a16:creationId xmlns:a16="http://schemas.microsoft.com/office/drawing/2014/main" id="{B38A088C-B38C-9F41-B676-355953F02B0F}"/>
-              </a:ext>
-            </a:extLst>
-          </p:cNvPr>
-          <p:cNvSpPr txBox="1"/>
-          <p:nvPr/>
-        </p:nvSpPr>
-        <p:spPr>
-          <a:xfrm>
-            <a:off x="5115648" y="3262671"/>
-            <a:ext cx="824707" cy="369332"/>
-          </a:xfrm>
-          <a:prstGeom prst="rect">
-            <a:avLst/>
-          </a:prstGeom>
-          <a:noFill/>
-        </p:spPr>
-        <p:txBody>
-          <a:bodyPr wrap="square" rtlCol="0">
-            <a:spAutoFit/>
-          </a:bodyPr>
-          <a:lstStyle/>
-          <a:p>
-            <a:r>
-              <a:rPr lang="en-US" sz="1800" b="1" dirty="0" err="1">
-                <a:solidFill>
-                  <a:srgbClr val="AA6225"/>
-                </a:solidFill>
-                <a:latin typeface="Consolas" panose="020B0609020204030204" pitchFamily="49" charset="0"/>
-                <a:cs typeface="Consolas" panose="020B0609020204030204" pitchFamily="49" charset="0"/>
-              </a:rPr>
-              <a:t>scm</a:t>
-            </a:r>
-            <a:r>
-              <a:rPr lang="en-US" sz="1800" b="1" dirty="0">
-                <a:solidFill>
-                  <a:srgbClr val="AA6225"/>
-                </a:solidFill>
-                <a:latin typeface="Consolas" panose="020B0609020204030204" pitchFamily="49" charset="0"/>
-                <a:cs typeface="Consolas" panose="020B0609020204030204" pitchFamily="49" charset="0"/>
-              </a:rPr>
-              <a:t>&gt;</a:t>
-            </a:r>
-          </a:p>
-        </p:txBody>
-      </p:sp>
-      <p:sp>
-        <p:nvSpPr>
-          <p:cNvPr id="10" name="TextBox 9">
-            <a:extLst>
-              <a:ext uri="{FF2B5EF4-FFF2-40B4-BE49-F238E27FC236}">
-                <a16:creationId xmlns:a16="http://schemas.microsoft.com/office/drawing/2014/main" id="{331419EC-E50D-D64E-9225-CA7575173999}"/>
-              </a:ext>
-            </a:extLst>
-          </p:cNvPr>
-          <p:cNvSpPr txBox="1"/>
-          <p:nvPr/>
-        </p:nvSpPr>
-        <p:spPr>
-          <a:xfrm>
-            <a:off x="5115647" y="4083982"/>
-            <a:ext cx="824707" cy="369332"/>
-          </a:xfrm>
-          <a:prstGeom prst="rect">
-            <a:avLst/>
-          </a:prstGeom>
-          <a:noFill/>
-        </p:spPr>
-        <p:txBody>
-          <a:bodyPr wrap="square" rtlCol="0">
-            <a:spAutoFit/>
-          </a:bodyPr>
-          <a:lstStyle/>
-          <a:p>
-            <a:r>
-              <a:rPr lang="en-US" sz="1800" b="1" dirty="0" err="1">
-                <a:solidFill>
-                  <a:srgbClr val="AA6225"/>
-                </a:solidFill>
-                <a:latin typeface="Consolas" panose="020B0609020204030204" pitchFamily="49" charset="0"/>
-                <a:cs typeface="Consolas" panose="020B0609020204030204" pitchFamily="49" charset="0"/>
-              </a:rPr>
-              <a:t>scm</a:t>
-            </a:r>
-            <a:r>
-              <a:rPr lang="en-US" sz="1800" b="1" dirty="0">
-                <a:solidFill>
-                  <a:srgbClr val="AA6225"/>
-                </a:solidFill>
-                <a:latin typeface="Consolas" panose="020B0609020204030204" pitchFamily="49" charset="0"/>
-                <a:cs typeface="Consolas" panose="020B0609020204030204" pitchFamily="49" charset="0"/>
-              </a:rPr>
-              <a:t>&gt;</a:t>
+              <a:t>2</a:t>
+            </a:r>
+            <a:r>
+              <a:rPr lang="en" sz="1800" dirty="0">
+                <a:latin typeface="Consolas"/>
+                <a:ea typeface="Consolas"/>
+                <a:cs typeface="Consolas"/>
+                <a:sym typeface="Consolas"/>
+              </a:rPr>
+              <a:t> * x</a:t>
             </a:r>
           </a:p>
         </p:txBody>
@@ -30489,7 +29510,7 @@
     </p:spTree>
     <p:extLst>
       <p:ext uri="{BB962C8B-B14F-4D97-AF65-F5344CB8AC3E}">
-        <p14:creationId xmlns:p14="http://schemas.microsoft.com/office/powerpoint/2010/main" val="1092735281"/>
+        <p14:creationId xmlns:p14="http://schemas.microsoft.com/office/powerpoint/2010/main" val="4173813360"/>
       </p:ext>
     </p:extLst>
   </p:cSld>
@@ -30713,7 +29734,7 @@
             </a:pPr>
             <a:r>
               <a:rPr lang="en" sz="1800" dirty="0"/>
-              <a:t>I won’t be in my office hours on Thursday, Alex </a:t>
+              <a:t>I won’t be in my office hours on Tomorrow, Alex </a:t>
             </a:r>
             <a:r>
               <a:rPr lang="en" sz="1800" dirty="0" err="1"/>
@@ -31106,7 +30127,7 @@
                 <a:cs typeface="Consolas"/>
                 <a:sym typeface="Consolas"/>
               </a:rPr>
-              <a:t> x: </a:t>
+              <a:t> x: (* </a:t>
             </a:r>
             <a:r>
               <a:rPr lang="en" sz="1800" dirty="0">
@@ -31127,7 +30148,7 @@
                 <a:cs typeface="Consolas"/>
                 <a:sym typeface="Consolas"/>
               </a:rPr>
-              <a:t> * x</a:t>
+              <a:t> x)</a:t>
             </a:r>
           </a:p>
         </p:txBody>
@@ -31135,7 +30156,7 @@
     </p:spTree>
     <p:extLst>
       <p:ext uri="{BB962C8B-B14F-4D97-AF65-F5344CB8AC3E}">
-        <p14:creationId xmlns:p14="http://schemas.microsoft.com/office/powerpoint/2010/main" val="4173813360"/>
+        <p14:creationId xmlns:p14="http://schemas.microsoft.com/office/powerpoint/2010/main" val="1028269310"/>
       </p:ext>
     </p:extLst>
   </p:cSld>
@@ -31491,7 +30512,7 @@
                 <a:cs typeface="Consolas"/>
                 <a:sym typeface="Consolas"/>
               </a:rPr>
-              <a:t> x: (* </a:t>
+              <a:t> (x) (* </a:t>
             </a:r>
             <a:r>
               <a:rPr lang="en" sz="1800" dirty="0">
@@ -31520,7 +30541,7 @@
     </p:spTree>
     <p:extLst>
       <p:ext uri="{BB962C8B-B14F-4D97-AF65-F5344CB8AC3E}">
-        <p14:creationId xmlns:p14="http://schemas.microsoft.com/office/powerpoint/2010/main" val="1028269310"/>
+        <p14:creationId xmlns:p14="http://schemas.microsoft.com/office/powerpoint/2010/main" val="1402589381"/>
       </p:ext>
     </p:extLst>
   </p:cSld>
@@ -31855,7 +30876,7 @@
                 <a:cs typeface="Consolas"/>
                 <a:sym typeface="Consolas"/>
               </a:rPr>
-              <a:t> </a:t>
+              <a:t> (</a:t>
             </a:r>
             <a:r>
               <a:rPr lang="en" sz="1800" dirty="0">
@@ -31897,7 +30918,7 @@
                 <a:cs typeface="Consolas"/>
                 <a:sym typeface="Consolas"/>
               </a:rPr>
-              <a:t> x)</a:t>
+              <a:t> x))</a:t>
             </a:r>
           </a:p>
         </p:txBody>
@@ -31905,7 +30926,7 @@
     </p:spTree>
     <p:extLst>
       <p:ext uri="{BB962C8B-B14F-4D97-AF65-F5344CB8AC3E}">
-        <p14:creationId xmlns:p14="http://schemas.microsoft.com/office/powerpoint/2010/main" val="1402589381"/>
+        <p14:creationId xmlns:p14="http://schemas.microsoft.com/office/powerpoint/2010/main" val="652756459"/>
       </p:ext>
     </p:extLst>
   </p:cSld>
@@ -32287,10 +31308,61 @@
           </a:p>
         </p:txBody>
       </p:sp>
+      <p:sp>
+        <p:nvSpPr>
+          <p:cNvPr id="7" name="TextBox 6">
+            <a:extLst>
+              <a:ext uri="{FF2B5EF4-FFF2-40B4-BE49-F238E27FC236}">
+                <a16:creationId xmlns:a16="http://schemas.microsoft.com/office/drawing/2014/main" id="{700DC806-1C69-D049-B429-97060F7DAF3A}"/>
+              </a:ext>
+            </a:extLst>
+          </p:cNvPr>
+          <p:cNvSpPr txBox="1"/>
+          <p:nvPr/>
+        </p:nvSpPr>
+        <p:spPr>
+          <a:xfrm>
+            <a:off x="5115650" y="1613564"/>
+            <a:ext cx="824707" cy="369332"/>
+          </a:xfrm>
+          <a:prstGeom prst="rect">
+            <a:avLst/>
+          </a:prstGeom>
+          <a:noFill/>
+        </p:spPr>
+        <p:txBody>
+          <a:bodyPr wrap="square" rtlCol="0">
+            <a:spAutoFit/>
+          </a:bodyPr>
+          <a:lstStyle/>
+          <a:p>
+            <a:r>
+              <a:rPr lang="en-US" sz="1800" b="1" dirty="0" err="1">
+                <a:solidFill>
+                  <a:srgbClr val="AA6225"/>
+                </a:solidFill>
+                <a:latin typeface="Consolas" panose="020B0609020204030204" pitchFamily="49" charset="0"/>
+                <a:cs typeface="Consolas" panose="020B0609020204030204" pitchFamily="49" charset="0"/>
+              </a:rPr>
+              <a:t>scm</a:t>
+            </a:r>
+            <a:r>
+              <a:rPr lang="en-US" sz="1800" b="1" dirty="0">
+                <a:solidFill>
+                  <a:srgbClr val="AA6225"/>
+                </a:solidFill>
+                <a:latin typeface="Consolas" panose="020B0609020204030204" pitchFamily="49" charset="0"/>
+                <a:cs typeface="Consolas" panose="020B0609020204030204" pitchFamily="49" charset="0"/>
+              </a:rPr>
+              <a:t>&gt;</a:t>
+            </a:r>
+          </a:p>
+        </p:txBody>
+      </p:sp>
     </p:spTree>
     <p:extLst>
       <p:ext uri="{BB962C8B-B14F-4D97-AF65-F5344CB8AC3E}">
-        <p14:creationId xmlns:p14="http://schemas.microsoft.com/office/powerpoint/2010/main" val="652756459"/>
+        <p14:creationId xmlns:p14="http://schemas.microsoft.com/office/powerpoint/2010/main" val="3394177110"/>
       </p:ext>
     </p:extLst>
   </p:cSld>
@@ -32670,6 +31742,26 @@
               <a:t> x))</a:t>
             </a:r>
           </a:p>
+          <a:p>
+            <a:pPr marL="0" lvl="0" indent="0" rtl="0">
+              <a:spcBef>
+                <a:spcPts val="0"/>
+              </a:spcBef>
+              <a:spcAft>
+                <a:spcPts val="0"/>
+              </a:spcAft>
+              <a:buNone/>
+            </a:pPr>
+            <a:r>
+              <a:rPr lang="en" sz="1800" dirty="0">
+                <a:latin typeface="Consolas"/>
+                <a:ea typeface="Consolas"/>
+                <a:cs typeface="Consolas"/>
+                <a:sym typeface="Consolas"/>
+              </a:rPr>
+              <a:t>(lambda (x) (* 2 x))</a:t>
+            </a:r>
+          </a:p>
         </p:txBody>
       </p:sp>
       <p:sp>
@@ -32726,7 +31818,7 @@
     </p:spTree>
     <p:extLst>
       <p:ext uri="{BB962C8B-B14F-4D97-AF65-F5344CB8AC3E}">
-        <p14:creationId xmlns:p14="http://schemas.microsoft.com/office/powerpoint/2010/main" val="3394177110"/>
+        <p14:creationId xmlns:p14="http://schemas.microsoft.com/office/powerpoint/2010/main" val="2134435055"/>
       </p:ext>
     </p:extLst>
   </p:cSld>
@@ -32994,6 +32086,98 @@
               <a:t>&lt;function lambda at ...&gt;</a:t>
             </a:r>
           </a:p>
+          <a:p>
+            <a:pPr marL="0" lvl="0" indent="0" rtl="0">
+              <a:spcBef>
+                <a:spcPts val="0"/>
+              </a:spcBef>
+              <a:spcAft>
+                <a:spcPts val="0"/>
+              </a:spcAft>
+              <a:buNone/>
+            </a:pPr>
+            <a:endParaRPr lang="en" sz="1800" dirty="0">
+              <a:latin typeface="Consolas"/>
+              <a:ea typeface="Consolas"/>
+              <a:cs typeface="Consolas"/>
+              <a:sym typeface="Consolas"/>
+            </a:endParaRPr>
+          </a:p>
+          <a:p>
+            <a:pPr lvl="0"/>
+            <a:r>
+              <a:rPr lang="en" sz="1800" b="1" dirty="0">
+                <a:latin typeface="Consolas"/>
+                <a:ea typeface="Consolas"/>
+                <a:cs typeface="Consolas"/>
+                <a:sym typeface="Consolas"/>
+              </a:rPr>
+              <a:t>&gt;&gt;&gt;</a:t>
+            </a:r>
+            <a:r>
+              <a:rPr lang="en" sz="1800" dirty="0">
+                <a:latin typeface="Consolas"/>
+                <a:ea typeface="Consolas"/>
+                <a:cs typeface="Consolas"/>
+                <a:sym typeface="Consolas"/>
+              </a:rPr>
+              <a:t> (</a:t>
+            </a:r>
+            <a:r>
+              <a:rPr lang="en" sz="1800" dirty="0">
+                <a:solidFill>
+                  <a:srgbClr val="104BC5"/>
+                </a:solidFill>
+                <a:latin typeface="Consolas"/>
+                <a:ea typeface="Consolas"/>
+                <a:cs typeface="Consolas"/>
+                <a:sym typeface="Consolas"/>
+              </a:rPr>
+              <a:t>lambda </a:t>
+            </a:r>
+            <a:r>
+              <a:rPr lang="en" sz="1800" dirty="0">
+                <a:latin typeface="Consolas"/>
+                <a:ea typeface="Consolas"/>
+                <a:cs typeface="Consolas"/>
+                <a:sym typeface="Consolas"/>
+              </a:rPr>
+              <a:t>x: </a:t>
+            </a:r>
+            <a:r>
+              <a:rPr lang="en" sz="1800" dirty="0">
+                <a:solidFill>
+                  <a:srgbClr val="316B1B"/>
+                </a:solidFill>
+                <a:latin typeface="Consolas"/>
+                <a:ea typeface="Consolas"/>
+                <a:cs typeface="Consolas"/>
+                <a:sym typeface="Consolas"/>
+              </a:rPr>
+              <a:t>2</a:t>
+            </a:r>
+            <a:r>
+              <a:rPr lang="en" sz="1800" dirty="0">
+                <a:latin typeface="Consolas"/>
+                <a:ea typeface="Consolas"/>
+                <a:cs typeface="Consolas"/>
+                <a:sym typeface="Consolas"/>
+              </a:rPr>
+              <a:t> * x)(5)</a:t>
+            </a:r>
+          </a:p>
+          <a:p>
+            <a:pPr lvl="0"/>
+            <a:r>
+              <a:rPr lang="en" sz="1800" dirty="0">
+                <a:latin typeface="Consolas"/>
+                <a:ea typeface="Consolas"/>
+                <a:cs typeface="Consolas"/>
+                <a:sym typeface="Consolas"/>
+              </a:rPr>
+              <a:t>10</a:t>
+            </a:r>
+          </a:p>
         </p:txBody>
       </p:sp>
       <p:sp>
@@ -33182,7 +32366,7 @@
     </p:spTree>
     <p:extLst>
       <p:ext uri="{BB962C8B-B14F-4D97-AF65-F5344CB8AC3E}">
-        <p14:creationId xmlns:p14="http://schemas.microsoft.com/office/powerpoint/2010/main" val="2134435055"/>
+        <p14:creationId xmlns:p14="http://schemas.microsoft.com/office/powerpoint/2010/main" val="3700131042"/>
       </p:ext>
     </p:extLst>
   </p:cSld>
@@ -33299,8 +32483,8 @@
         </p:nvSpPr>
         <p:spPr>
           <a:xfrm>
-            <a:off x="5022125" y="1464375"/>
-            <a:ext cx="3606300" cy="3457500"/>
+            <a:off x="5022124" y="1464375"/>
+            <a:ext cx="3843725" cy="3457500"/>
           </a:xfrm>
           <a:prstGeom prst="rect">
             <a:avLst/>
@@ -33553,7 +32737,7 @@
         <p:spPr>
           <a:xfrm>
             <a:off x="5115650" y="1566375"/>
-            <a:ext cx="3395100" cy="3242100"/>
+            <a:ext cx="3665184" cy="3242100"/>
           </a:xfrm>
           <a:prstGeom prst="rect">
             <a:avLst/>
@@ -33730,7 +32914,7 @@
     </p:spTree>
     <p:extLst>
       <p:ext uri="{BB962C8B-B14F-4D97-AF65-F5344CB8AC3E}">
-        <p14:creationId xmlns:p14="http://schemas.microsoft.com/office/powerpoint/2010/main" val="3700131042"/>
+        <p14:creationId xmlns:p14="http://schemas.microsoft.com/office/powerpoint/2010/main" val="3860325116"/>
       </p:ext>
     </p:extLst>
   </p:cSld>
@@ -34222,6 +33406,109 @@
               <a:t>(lambda (x) (* 2 x))</a:t>
             </a:r>
           </a:p>
+          <a:p>
+            <a:pPr marL="0" lvl="0" indent="0" rtl="0">
+              <a:spcBef>
+                <a:spcPts val="0"/>
+              </a:spcBef>
+              <a:spcAft>
+                <a:spcPts val="0"/>
+              </a:spcAft>
+              <a:buNone/>
+            </a:pPr>
+            <a:endParaRPr lang="en" sz="1800" dirty="0">
+              <a:latin typeface="Consolas"/>
+              <a:ea typeface="Consolas"/>
+              <a:cs typeface="Consolas"/>
+              <a:sym typeface="Consolas"/>
+            </a:endParaRPr>
+          </a:p>
+          <a:p>
+            <a:r>
+              <a:rPr lang="en" sz="1800" b="1" dirty="0" err="1">
+                <a:solidFill>
+                  <a:srgbClr val="EAD1DC"/>
+                </a:solidFill>
+                <a:latin typeface="Consolas"/>
+                <a:ea typeface="Consolas"/>
+                <a:cs typeface="Consolas"/>
+                <a:sym typeface="Consolas"/>
+              </a:rPr>
+              <a:t>scm</a:t>
+            </a:r>
+            <a:r>
+              <a:rPr lang="en" sz="1800" b="1" dirty="0">
+                <a:solidFill>
+                  <a:srgbClr val="EAD1DC"/>
+                </a:solidFill>
+                <a:latin typeface="Consolas"/>
+                <a:ea typeface="Consolas"/>
+                <a:cs typeface="Consolas"/>
+                <a:sym typeface="Consolas"/>
+              </a:rPr>
+              <a:t>&gt; </a:t>
+            </a:r>
+            <a:r>
+              <a:rPr lang="en" sz="1800" dirty="0">
+                <a:latin typeface="Consolas"/>
+                <a:ea typeface="Consolas"/>
+                <a:cs typeface="Consolas"/>
+                <a:sym typeface="Consolas"/>
+              </a:rPr>
+              <a:t>(</a:t>
+            </a:r>
+            <a:r>
+              <a:rPr lang="en" sz="1800" dirty="0">
+                <a:solidFill>
+                  <a:srgbClr val="104BC5"/>
+                </a:solidFill>
+                <a:latin typeface="Consolas"/>
+                <a:ea typeface="Consolas"/>
+                <a:cs typeface="Consolas"/>
+                <a:sym typeface="Consolas"/>
+              </a:rPr>
+              <a:t>lambda </a:t>
+            </a:r>
+            <a:r>
+              <a:rPr lang="en" sz="1800" dirty="0">
+                <a:latin typeface="Consolas"/>
+                <a:ea typeface="Consolas"/>
+                <a:cs typeface="Consolas"/>
+                <a:sym typeface="Consolas"/>
+              </a:rPr>
+              <a:t>x: </a:t>
+            </a:r>
+            <a:r>
+              <a:rPr lang="en" sz="1800" dirty="0">
+                <a:solidFill>
+                  <a:srgbClr val="316B1B"/>
+                </a:solidFill>
+                <a:latin typeface="Consolas"/>
+                <a:ea typeface="Consolas"/>
+                <a:cs typeface="Consolas"/>
+                <a:sym typeface="Consolas"/>
+              </a:rPr>
+              <a:t>2</a:t>
+            </a:r>
+            <a:r>
+              <a:rPr lang="en" sz="1800" dirty="0">
+                <a:latin typeface="Consolas"/>
+                <a:ea typeface="Consolas"/>
+                <a:cs typeface="Consolas"/>
+                <a:sym typeface="Consolas"/>
+              </a:rPr>
+              <a:t> * x)</a:t>
+            </a:r>
+          </a:p>
+          <a:p>
+            <a:pPr lvl="0"/>
+            <a:endParaRPr lang="en" sz="1800" dirty="0">
+              <a:latin typeface="Consolas"/>
+              <a:ea typeface="Consolas"/>
+              <a:cs typeface="Consolas"/>
+              <a:sym typeface="Consolas"/>
+            </a:endParaRPr>
+          </a:p>
         </p:txBody>
       </p:sp>
       <p:sp>
@@ -34278,7 +33565,7 @@
     </p:spTree>
     <p:extLst>
       <p:ext uri="{BB962C8B-B14F-4D97-AF65-F5344CB8AC3E}">
-        <p14:creationId xmlns:p14="http://schemas.microsoft.com/office/powerpoint/2010/main" val="3860325116"/>
+        <p14:creationId xmlns:p14="http://schemas.microsoft.com/office/powerpoint/2010/main" val="3554229901"/>
       </p:ext>
     </p:extLst>
   </p:cSld>
@@ -34726,28 +34013,7 @@
                 <a:cs typeface="Consolas"/>
                 <a:sym typeface="Consolas"/>
               </a:rPr>
-              <a:t> (x) (* </a:t>
-            </a:r>
-            <a:r>
-              <a:rPr lang="en" sz="1800" dirty="0">
-                <a:solidFill>
-                  <a:srgbClr val="316B1B"/>
-                </a:solidFill>
-                <a:latin typeface="Consolas"/>
-                <a:ea typeface="Consolas"/>
-                <a:cs typeface="Consolas"/>
-                <a:sym typeface="Consolas"/>
-              </a:rPr>
-              <a:t>2</a:t>
-            </a:r>
-            <a:r>
-              <a:rPr lang="en" sz="1800" dirty="0">
-                <a:latin typeface="Consolas"/>
-                <a:ea typeface="Consolas"/>
-                <a:cs typeface="Consolas"/>
-                <a:sym typeface="Consolas"/>
-              </a:rPr>
-              <a:t> x))</a:t>
+              <a:t> (x) (* 2 x))</a:t>
             </a:r>
           </a:p>
           <a:p>
@@ -34840,28 +34106,7 @@
                 <a:cs typeface="Consolas"/>
                 <a:sym typeface="Consolas"/>
               </a:rPr>
-              <a:t>x: </a:t>
-            </a:r>
-            <a:r>
-              <a:rPr lang="en" sz="1800" dirty="0">
-                <a:solidFill>
-                  <a:srgbClr val="316B1B"/>
-                </a:solidFill>
-                <a:latin typeface="Consolas"/>
-                <a:ea typeface="Consolas"/>
-                <a:cs typeface="Consolas"/>
-                <a:sym typeface="Consolas"/>
-              </a:rPr>
-              <a:t>2</a:t>
-            </a:r>
-            <a:r>
-              <a:rPr lang="en" sz="1800" dirty="0">
-                <a:latin typeface="Consolas"/>
-                <a:ea typeface="Consolas"/>
-                <a:cs typeface="Consolas"/>
-                <a:sym typeface="Consolas"/>
-              </a:rPr>
-              <a:t> * x)</a:t>
+              <a:t>(x) (* 2 x))</a:t>
             </a:r>
           </a:p>
           <a:p>
@@ -34929,7 +34174,7 @@
     </p:spTree>
     <p:extLst>
       <p:ext uri="{BB962C8B-B14F-4D97-AF65-F5344CB8AC3E}">
-        <p14:creationId xmlns:p14="http://schemas.microsoft.com/office/powerpoint/2010/main" val="3554229901"/>
+        <p14:creationId xmlns:p14="http://schemas.microsoft.com/office/powerpoint/2010/main" val="917337762"/>
       </p:ext>
     </p:extLst>
   </p:cSld>
@@ -35299,8 +34544,8 @@
         </p:nvSpPr>
         <p:spPr>
           <a:xfrm>
-            <a:off x="5115650" y="1566375"/>
-            <a:ext cx="3665184" cy="3242100"/>
+            <a:off x="5115649" y="1566375"/>
+            <a:ext cx="3843725" cy="3242100"/>
           </a:xfrm>
           <a:prstGeom prst="rect">
             <a:avLst/>
@@ -35449,7 +34694,7 @@
                 <a:cs typeface="Consolas"/>
                 <a:sym typeface="Consolas"/>
               </a:rPr>
-              <a:t>(</a:t>
+              <a:t>((</a:t>
             </a:r>
             <a:r>
               <a:rPr lang="en" sz="1800" dirty="0">
@@ -35470,7 +34715,7 @@
                 <a:cs typeface="Consolas"/>
                 <a:sym typeface="Consolas"/>
               </a:rPr>
-              <a:t>(x) (* 2 x))</a:t>
+              <a:t>(x) (* 2 x)) 5)</a:t>
             </a:r>
           </a:p>
           <a:p>
@@ -35538,7 +34783,7 @@
     </p:spTree>
     <p:extLst>
       <p:ext uri="{BB962C8B-B14F-4D97-AF65-F5344CB8AC3E}">
-        <p14:creationId xmlns:p14="http://schemas.microsoft.com/office/powerpoint/2010/main" val="917337762"/>
+        <p14:creationId xmlns:p14="http://schemas.microsoft.com/office/powerpoint/2010/main" val="1407938255"/>
       </p:ext>
     </p:extLst>
   </p:cSld>
@@ -35732,615 +34977,6 @@
 </file>
 
 <file path=ppt/slides/slide30.xml><?xml version="1.0" encoding="utf-8"?>
-<p:sld xmlns:a="http://schemas.openxmlformats.org/drawingml/2006/main" xmlns:r="http://schemas.openxmlformats.org/officeDocument/2006/relationships" xmlns:p="http://schemas.openxmlformats.org/presentationml/2006/main">
-  <p:cSld>
-    <p:spTree>
-      <p:nvGrpSpPr>
-        <p:cNvPr id="1" name="Shape 308"/>
-        <p:cNvGrpSpPr/>
-        <p:nvPr/>
-      </p:nvGrpSpPr>
-      <p:grpSpPr>
-        <a:xfrm>
-          <a:off x="0" y="0"/>
-          <a:ext cx="0" cy="0"/>
-          <a:chOff x="0" y="0"/>
-          <a:chExt cx="0" cy="0"/>
-        </a:xfrm>
-      </p:grpSpPr>
-      <p:sp>
-        <p:nvSpPr>
-          <p:cNvPr id="309" name="Shape 309"/>
-          <p:cNvSpPr txBox="1">
-            <a:spLocks noGrp="1"/>
-          </p:cNvSpPr>
-          <p:nvPr>
-            <p:ph type="title"/>
-          </p:nvPr>
-        </p:nvSpPr>
-        <p:spPr>
-          <a:xfrm>
-            <a:off x="1303800" y="598575"/>
-            <a:ext cx="7030500" cy="999300"/>
-          </a:xfrm>
-          <a:prstGeom prst="rect">
-            <a:avLst/>
-          </a:prstGeom>
-        </p:spPr>
-        <p:txBody>
-          <a:bodyPr spcFirstLastPara="1" wrap="square" lIns="91425" tIns="91425" rIns="91425" bIns="91425" anchor="t" anchorCtr="0">
-            <a:noAutofit/>
-          </a:bodyPr>
-          <a:lstStyle/>
-          <a:p>
-            <a:pPr marL="0" lvl="0" indent="0" rtl="0">
-              <a:spcBef>
-                <a:spcPts val="0"/>
-              </a:spcBef>
-              <a:spcAft>
-                <a:spcPts val="0"/>
-              </a:spcAft>
-              <a:buNone/>
-            </a:pPr>
-            <a:r>
-              <a:rPr lang="en" dirty="0"/>
-              <a:t>Python to Scheme (Lambdas)</a:t>
-            </a:r>
-            <a:endParaRPr dirty="0"/>
-          </a:p>
-        </p:txBody>
-      </p:sp>
-      <p:sp>
-        <p:nvSpPr>
-          <p:cNvPr id="310" name="Shape 310"/>
-          <p:cNvSpPr/>
-          <p:nvPr/>
-        </p:nvSpPr>
-        <p:spPr>
-          <a:xfrm>
-            <a:off x="662975" y="1464375"/>
-            <a:ext cx="3606300" cy="3457500"/>
-          </a:xfrm>
-          <a:prstGeom prst="rect">
-            <a:avLst/>
-          </a:prstGeom>
-          <a:solidFill>
-            <a:srgbClr val="D9D9D9"/>
-          </a:solidFill>
-          <a:ln>
-            <a:noFill/>
-          </a:ln>
-        </p:spPr>
-        <p:txBody>
-          <a:bodyPr spcFirstLastPara="1" wrap="square" lIns="91425" tIns="91425" rIns="91425" bIns="91425" anchor="ctr" anchorCtr="0">
-            <a:noAutofit/>
-          </a:bodyPr>
-          <a:lstStyle/>
-          <a:p>
-            <a:pPr marL="0" lvl="0" indent="0" rtl="0">
-              <a:spcBef>
-                <a:spcPts val="0"/>
-              </a:spcBef>
-              <a:spcAft>
-                <a:spcPts val="0"/>
-              </a:spcAft>
-              <a:buNone/>
-            </a:pPr>
-            <a:endParaRPr/>
-          </a:p>
-        </p:txBody>
-      </p:sp>
-      <p:sp>
-        <p:nvSpPr>
-          <p:cNvPr id="311" name="Shape 311"/>
-          <p:cNvSpPr/>
-          <p:nvPr/>
-        </p:nvSpPr>
-        <p:spPr>
-          <a:xfrm>
-            <a:off x="5022124" y="1464375"/>
-            <a:ext cx="3843725" cy="3457500"/>
-          </a:xfrm>
-          <a:prstGeom prst="rect">
-            <a:avLst/>
-          </a:prstGeom>
-          <a:solidFill>
-            <a:srgbClr val="EAD1DC"/>
-          </a:solidFill>
-          <a:ln>
-            <a:noFill/>
-          </a:ln>
-        </p:spPr>
-        <p:txBody>
-          <a:bodyPr spcFirstLastPara="1" wrap="square" lIns="91425" tIns="91425" rIns="91425" bIns="91425" anchor="ctr" anchorCtr="0">
-            <a:noAutofit/>
-          </a:bodyPr>
-          <a:lstStyle/>
-          <a:p>
-            <a:pPr marL="0" lvl="0" indent="0">
-              <a:spcBef>
-                <a:spcPts val="0"/>
-              </a:spcBef>
-              <a:spcAft>
-                <a:spcPts val="0"/>
-              </a:spcAft>
-              <a:buNone/>
-            </a:pPr>
-            <a:endParaRPr>
-              <a:solidFill>
-                <a:srgbClr val="EAD1DC"/>
-              </a:solidFill>
-            </a:endParaRPr>
-          </a:p>
-        </p:txBody>
-      </p:sp>
-      <p:sp>
-        <p:nvSpPr>
-          <p:cNvPr id="312" name="Shape 312"/>
-          <p:cNvSpPr txBox="1"/>
-          <p:nvPr/>
-        </p:nvSpPr>
-        <p:spPr>
-          <a:xfrm>
-            <a:off x="772250" y="1566375"/>
-            <a:ext cx="3395100" cy="3242100"/>
-          </a:xfrm>
-          <a:prstGeom prst="rect">
-            <a:avLst/>
-          </a:prstGeom>
-          <a:noFill/>
-          <a:ln>
-            <a:noFill/>
-          </a:ln>
-        </p:spPr>
-        <p:txBody>
-          <a:bodyPr spcFirstLastPara="1" wrap="square" lIns="91425" tIns="91425" rIns="91425" bIns="91425" anchor="t" anchorCtr="0">
-            <a:noAutofit/>
-          </a:bodyPr>
-          <a:lstStyle/>
-          <a:p>
-            <a:pPr marL="0" lvl="0" indent="0" rtl="0">
-              <a:spcBef>
-                <a:spcPts val="0"/>
-              </a:spcBef>
-              <a:spcAft>
-                <a:spcPts val="0"/>
-              </a:spcAft>
-              <a:buNone/>
-            </a:pPr>
-            <a:r>
-              <a:rPr lang="en" sz="1800" b="1" dirty="0">
-                <a:latin typeface="Consolas"/>
-                <a:ea typeface="Consolas"/>
-                <a:cs typeface="Consolas"/>
-                <a:sym typeface="Consolas"/>
-              </a:rPr>
-              <a:t>&gt;&gt;&gt;</a:t>
-            </a:r>
-            <a:r>
-              <a:rPr lang="en" sz="1800" dirty="0">
-                <a:latin typeface="Consolas"/>
-                <a:ea typeface="Consolas"/>
-                <a:cs typeface="Consolas"/>
-                <a:sym typeface="Consolas"/>
-              </a:rPr>
-              <a:t> </a:t>
-            </a:r>
-            <a:r>
-              <a:rPr lang="en" sz="1800" dirty="0">
-                <a:solidFill>
-                  <a:srgbClr val="104BC5"/>
-                </a:solidFill>
-                <a:latin typeface="Consolas"/>
-                <a:ea typeface="Consolas"/>
-                <a:cs typeface="Consolas"/>
-                <a:sym typeface="Consolas"/>
-              </a:rPr>
-              <a:t>lambda</a:t>
-            </a:r>
-            <a:r>
-              <a:rPr lang="en" sz="1800" dirty="0">
-                <a:latin typeface="Consolas"/>
-                <a:ea typeface="Consolas"/>
-                <a:cs typeface="Consolas"/>
-                <a:sym typeface="Consolas"/>
-              </a:rPr>
-              <a:t> x: </a:t>
-            </a:r>
-            <a:r>
-              <a:rPr lang="en" sz="1800" dirty="0">
-                <a:solidFill>
-                  <a:srgbClr val="316B1B"/>
-                </a:solidFill>
-                <a:latin typeface="Consolas"/>
-                <a:ea typeface="Consolas"/>
-                <a:cs typeface="Consolas"/>
-                <a:sym typeface="Consolas"/>
-              </a:rPr>
-              <a:t>2</a:t>
-            </a:r>
-            <a:r>
-              <a:rPr lang="en" sz="1800" dirty="0">
-                <a:latin typeface="Consolas"/>
-                <a:ea typeface="Consolas"/>
-                <a:cs typeface="Consolas"/>
-                <a:sym typeface="Consolas"/>
-              </a:rPr>
-              <a:t> * x</a:t>
-            </a:r>
-          </a:p>
-          <a:p>
-            <a:pPr marL="0" lvl="0" indent="0" rtl="0">
-              <a:spcBef>
-                <a:spcPts val="0"/>
-              </a:spcBef>
-              <a:spcAft>
-                <a:spcPts val="0"/>
-              </a:spcAft>
-              <a:buNone/>
-            </a:pPr>
-            <a:r>
-              <a:rPr lang="en" sz="1800" dirty="0">
-                <a:latin typeface="Consolas"/>
-                <a:ea typeface="Consolas"/>
-                <a:cs typeface="Consolas"/>
-                <a:sym typeface="Consolas"/>
-              </a:rPr>
-              <a:t>&lt;function lambda at ...&gt;</a:t>
-            </a:r>
-          </a:p>
-          <a:p>
-            <a:pPr marL="0" lvl="0" indent="0" rtl="0">
-              <a:spcBef>
-                <a:spcPts val="0"/>
-              </a:spcBef>
-              <a:spcAft>
-                <a:spcPts val="0"/>
-              </a:spcAft>
-              <a:buNone/>
-            </a:pPr>
-            <a:endParaRPr lang="en" sz="1800" dirty="0">
-              <a:latin typeface="Consolas"/>
-              <a:ea typeface="Consolas"/>
-              <a:cs typeface="Consolas"/>
-              <a:sym typeface="Consolas"/>
-            </a:endParaRPr>
-          </a:p>
-          <a:p>
-            <a:pPr lvl="0"/>
-            <a:r>
-              <a:rPr lang="en" sz="1800" b="1" dirty="0">
-                <a:latin typeface="Consolas"/>
-                <a:ea typeface="Consolas"/>
-                <a:cs typeface="Consolas"/>
-                <a:sym typeface="Consolas"/>
-              </a:rPr>
-              <a:t>&gt;&gt;&gt;</a:t>
-            </a:r>
-            <a:r>
-              <a:rPr lang="en" sz="1800" dirty="0">
-                <a:latin typeface="Consolas"/>
-                <a:ea typeface="Consolas"/>
-                <a:cs typeface="Consolas"/>
-                <a:sym typeface="Consolas"/>
-              </a:rPr>
-              <a:t> (</a:t>
-            </a:r>
-            <a:r>
-              <a:rPr lang="en" sz="1800" dirty="0">
-                <a:solidFill>
-                  <a:srgbClr val="104BC5"/>
-                </a:solidFill>
-                <a:latin typeface="Consolas"/>
-                <a:ea typeface="Consolas"/>
-                <a:cs typeface="Consolas"/>
-                <a:sym typeface="Consolas"/>
-              </a:rPr>
-              <a:t>lambda </a:t>
-            </a:r>
-            <a:r>
-              <a:rPr lang="en" sz="1800" dirty="0">
-                <a:latin typeface="Consolas"/>
-                <a:ea typeface="Consolas"/>
-                <a:cs typeface="Consolas"/>
-                <a:sym typeface="Consolas"/>
-              </a:rPr>
-              <a:t>x: </a:t>
-            </a:r>
-            <a:r>
-              <a:rPr lang="en" sz="1800" dirty="0">
-                <a:solidFill>
-                  <a:srgbClr val="316B1B"/>
-                </a:solidFill>
-                <a:latin typeface="Consolas"/>
-                <a:ea typeface="Consolas"/>
-                <a:cs typeface="Consolas"/>
-                <a:sym typeface="Consolas"/>
-              </a:rPr>
-              <a:t>2</a:t>
-            </a:r>
-            <a:r>
-              <a:rPr lang="en" sz="1800" dirty="0">
-                <a:latin typeface="Consolas"/>
-                <a:ea typeface="Consolas"/>
-                <a:cs typeface="Consolas"/>
-                <a:sym typeface="Consolas"/>
-              </a:rPr>
-              <a:t> * x)(5)</a:t>
-            </a:r>
-          </a:p>
-          <a:p>
-            <a:pPr lvl="0"/>
-            <a:r>
-              <a:rPr lang="en" sz="1800" dirty="0">
-                <a:latin typeface="Consolas"/>
-                <a:ea typeface="Consolas"/>
-                <a:cs typeface="Consolas"/>
-                <a:sym typeface="Consolas"/>
-              </a:rPr>
-              <a:t>10</a:t>
-            </a:r>
-          </a:p>
-        </p:txBody>
-      </p:sp>
-      <p:sp>
-        <p:nvSpPr>
-          <p:cNvPr id="313" name="Shape 313"/>
-          <p:cNvSpPr txBox="1"/>
-          <p:nvPr/>
-        </p:nvSpPr>
-        <p:spPr>
-          <a:xfrm>
-            <a:off x="5115649" y="1566375"/>
-            <a:ext cx="3843725" cy="3242100"/>
-          </a:xfrm>
-          <a:prstGeom prst="rect">
-            <a:avLst/>
-          </a:prstGeom>
-          <a:noFill/>
-          <a:ln>
-            <a:noFill/>
-          </a:ln>
-        </p:spPr>
-        <p:txBody>
-          <a:bodyPr spcFirstLastPara="1" wrap="square" lIns="91425" tIns="91425" rIns="91425" bIns="91425" anchor="t" anchorCtr="0">
-            <a:noAutofit/>
-          </a:bodyPr>
-          <a:lstStyle/>
-          <a:p>
-            <a:pPr marL="0" lvl="0" indent="0" rtl="0">
-              <a:spcBef>
-                <a:spcPts val="0"/>
-              </a:spcBef>
-              <a:spcAft>
-                <a:spcPts val="0"/>
-              </a:spcAft>
-              <a:buNone/>
-            </a:pPr>
-            <a:r>
-              <a:rPr lang="en" sz="1800" b="1" dirty="0" err="1">
-                <a:solidFill>
-                  <a:srgbClr val="EAD1DC"/>
-                </a:solidFill>
-                <a:latin typeface="Consolas"/>
-                <a:ea typeface="Consolas"/>
-                <a:cs typeface="Consolas"/>
-                <a:sym typeface="Consolas"/>
-              </a:rPr>
-              <a:t>scm</a:t>
-            </a:r>
-            <a:r>
-              <a:rPr lang="en" sz="1800" b="1" dirty="0">
-                <a:solidFill>
-                  <a:srgbClr val="EAD1DC"/>
-                </a:solidFill>
-                <a:latin typeface="Consolas"/>
-                <a:ea typeface="Consolas"/>
-                <a:cs typeface="Consolas"/>
-                <a:sym typeface="Consolas"/>
-              </a:rPr>
-              <a:t>&gt;</a:t>
-            </a:r>
-            <a:r>
-              <a:rPr lang="en" sz="1800" dirty="0">
-                <a:latin typeface="Consolas"/>
-                <a:ea typeface="Consolas"/>
-                <a:cs typeface="Consolas"/>
-                <a:sym typeface="Consolas"/>
-              </a:rPr>
-              <a:t> (</a:t>
-            </a:r>
-            <a:r>
-              <a:rPr lang="en" sz="1800" dirty="0">
-                <a:solidFill>
-                  <a:srgbClr val="104BC5"/>
-                </a:solidFill>
-                <a:latin typeface="Consolas"/>
-                <a:ea typeface="Consolas"/>
-                <a:cs typeface="Consolas"/>
-                <a:sym typeface="Consolas"/>
-              </a:rPr>
-              <a:t>lambda</a:t>
-            </a:r>
-            <a:r>
-              <a:rPr lang="en" sz="1800" dirty="0">
-                <a:latin typeface="Consolas"/>
-                <a:ea typeface="Consolas"/>
-                <a:cs typeface="Consolas"/>
-                <a:sym typeface="Consolas"/>
-              </a:rPr>
-              <a:t> (x) (* 2 x))</a:t>
-            </a:r>
-          </a:p>
-          <a:p>
-            <a:pPr marL="0" lvl="0" indent="0" rtl="0">
-              <a:spcBef>
-                <a:spcPts val="0"/>
-              </a:spcBef>
-              <a:spcAft>
-                <a:spcPts val="0"/>
-              </a:spcAft>
-              <a:buNone/>
-            </a:pPr>
-            <a:r>
-              <a:rPr lang="en" sz="1800" dirty="0">
-                <a:latin typeface="Consolas"/>
-                <a:ea typeface="Consolas"/>
-                <a:cs typeface="Consolas"/>
-                <a:sym typeface="Consolas"/>
-              </a:rPr>
-              <a:t>(lambda (x) (* 2 x))</a:t>
-            </a:r>
-          </a:p>
-          <a:p>
-            <a:pPr marL="0" lvl="0" indent="0" rtl="0">
-              <a:spcBef>
-                <a:spcPts val="0"/>
-              </a:spcBef>
-              <a:spcAft>
-                <a:spcPts val="0"/>
-              </a:spcAft>
-              <a:buNone/>
-            </a:pPr>
-            <a:endParaRPr lang="en" sz="1800" dirty="0">
-              <a:latin typeface="Consolas"/>
-              <a:ea typeface="Consolas"/>
-              <a:cs typeface="Consolas"/>
-              <a:sym typeface="Consolas"/>
-            </a:endParaRPr>
-          </a:p>
-          <a:p>
-            <a:r>
-              <a:rPr lang="en" sz="1800" b="1" dirty="0" err="1">
-                <a:solidFill>
-                  <a:srgbClr val="EAD1DC"/>
-                </a:solidFill>
-                <a:latin typeface="Consolas"/>
-                <a:ea typeface="Consolas"/>
-                <a:cs typeface="Consolas"/>
-                <a:sym typeface="Consolas"/>
-              </a:rPr>
-              <a:t>scm</a:t>
-            </a:r>
-            <a:r>
-              <a:rPr lang="en" sz="1800" b="1" dirty="0">
-                <a:solidFill>
-                  <a:srgbClr val="EAD1DC"/>
-                </a:solidFill>
-                <a:latin typeface="Consolas"/>
-                <a:ea typeface="Consolas"/>
-                <a:cs typeface="Consolas"/>
-                <a:sym typeface="Consolas"/>
-              </a:rPr>
-              <a:t>&gt; </a:t>
-            </a:r>
-            <a:r>
-              <a:rPr lang="en" sz="1800" dirty="0">
-                <a:latin typeface="Consolas"/>
-                <a:ea typeface="Consolas"/>
-                <a:cs typeface="Consolas"/>
-                <a:sym typeface="Consolas"/>
-              </a:rPr>
-              <a:t>((</a:t>
-            </a:r>
-            <a:r>
-              <a:rPr lang="en" sz="1800" dirty="0">
-                <a:solidFill>
-                  <a:srgbClr val="104BC5"/>
-                </a:solidFill>
-                <a:latin typeface="Consolas"/>
-                <a:ea typeface="Consolas"/>
-                <a:cs typeface="Consolas"/>
-                <a:sym typeface="Consolas"/>
-              </a:rPr>
-              <a:t>lambda </a:t>
-            </a:r>
-            <a:r>
-              <a:rPr lang="en" sz="1800" dirty="0">
-                <a:latin typeface="Consolas"/>
-                <a:ea typeface="Consolas"/>
-                <a:cs typeface="Consolas"/>
-                <a:sym typeface="Consolas"/>
-              </a:rPr>
-              <a:t>(x) (* 2 x)) 5)</a:t>
-            </a:r>
-          </a:p>
-          <a:p>
-            <a:pPr lvl="0"/>
-            <a:endParaRPr lang="en" sz="1800" dirty="0">
-              <a:latin typeface="Consolas"/>
-              <a:ea typeface="Consolas"/>
-              <a:cs typeface="Consolas"/>
-              <a:sym typeface="Consolas"/>
-            </a:endParaRPr>
-          </a:p>
-        </p:txBody>
-      </p:sp>
-      <p:sp>
-        <p:nvSpPr>
-          <p:cNvPr id="7" name="TextBox 6">
-            <a:extLst>
-              <a:ext uri="{FF2B5EF4-FFF2-40B4-BE49-F238E27FC236}">
-                <a16:creationId xmlns:a16="http://schemas.microsoft.com/office/drawing/2014/main" id="{700DC806-1C69-D049-B429-97060F7DAF3A}"/>
-              </a:ext>
-            </a:extLst>
-          </p:cNvPr>
-          <p:cNvSpPr txBox="1"/>
-          <p:nvPr/>
-        </p:nvSpPr>
-        <p:spPr>
-          <a:xfrm>
-            <a:off x="5115650" y="1613564"/>
-            <a:ext cx="824707" cy="369332"/>
-          </a:xfrm>
-          <a:prstGeom prst="rect">
-            <a:avLst/>
-          </a:prstGeom>
-          <a:noFill/>
-        </p:spPr>
-        <p:txBody>
-          <a:bodyPr wrap="square" rtlCol="0">
-            <a:spAutoFit/>
-          </a:bodyPr>
-          <a:lstStyle/>
-          <a:p>
-            <a:r>
-              <a:rPr lang="en-US" sz="1800" b="1" dirty="0" err="1">
-                <a:solidFill>
-                  <a:srgbClr val="AA6225"/>
-                </a:solidFill>
-                <a:latin typeface="Consolas" panose="020B0609020204030204" pitchFamily="49" charset="0"/>
-                <a:cs typeface="Consolas" panose="020B0609020204030204" pitchFamily="49" charset="0"/>
-              </a:rPr>
-              <a:t>scm</a:t>
-            </a:r>
-            <a:r>
-              <a:rPr lang="en-US" sz="1800" b="1" dirty="0">
-                <a:solidFill>
-                  <a:srgbClr val="AA6225"/>
-                </a:solidFill>
-                <a:latin typeface="Consolas" panose="020B0609020204030204" pitchFamily="49" charset="0"/>
-                <a:cs typeface="Consolas" panose="020B0609020204030204" pitchFamily="49" charset="0"/>
-              </a:rPr>
-              <a:t>&gt;</a:t>
-            </a:r>
-          </a:p>
-        </p:txBody>
-      </p:sp>
-    </p:spTree>
-    <p:extLst>
-      <p:ext uri="{BB962C8B-B14F-4D97-AF65-F5344CB8AC3E}">
-        <p14:creationId xmlns:p14="http://schemas.microsoft.com/office/powerpoint/2010/main" val="1407938255"/>
-      </p:ext>
-    </p:extLst>
-  </p:cSld>
-  <p:clrMapOvr>
-    <a:masterClrMapping/>
-  </p:clrMapOvr>
-</p:sld>
-</file>
-
-<file path=ppt/slides/slide31.xml><?xml version="1.0" encoding="utf-8"?>
 <p:sld xmlns:a="http://schemas.openxmlformats.org/drawingml/2006/main" xmlns:r="http://schemas.openxmlformats.org/officeDocument/2006/relationships" xmlns:p="http://schemas.openxmlformats.org/presentationml/2006/main">
   <p:cSld>
     <p:spTree>
@@ -37322,7 +35958,34 @@
                                           </p:stCondLst>
                                         </p:cTn>
                                         <p:tgtEl>
-                                          <p:spTgt spid="3"/>
+                                          <p:spTgt spid="8"/>
+                                        </p:tgtEl>
+                                        <p:attrNameLst>
+                                          <p:attrName>style.visibility</p:attrName>
+                                        </p:attrNameLst>
+                                      </p:cBhvr>
+                                      <p:to>
+                                        <p:strVal val="visible"/>
+                                      </p:to>
+                                    </p:set>
+                                  </p:childTnLst>
+                                </p:cTn>
+                              </p:par>
+                              <p:par>
+                                <p:cTn id="7" presetID="1" presetClass="entr" presetSubtype="0" fill="hold" grpId="0" nodeType="withEffect">
+                                  <p:stCondLst>
+                                    <p:cond delay="0"/>
+                                  </p:stCondLst>
+                                  <p:childTnLst>
+                                    <p:set>
+                                      <p:cBhvr>
+                                        <p:cTn id="8" dur="1" fill="hold">
+                                          <p:stCondLst>
+                                            <p:cond delay="0"/>
+                                          </p:stCondLst>
+                                        </p:cTn>
+                                        <p:tgtEl>
+                                          <p:spTgt spid="5"/>
                                         </p:tgtEl>
                                         <p:attrNameLst>
                                           <p:attrName>style.visibility</p:attrName>
@@ -37342,46 +36005,19 @@
                     </p:cTn>
                   </p:par>
                   <p:par>
-                    <p:cTn id="7" fill="hold">
+                    <p:cTn id="9" fill="hold">
                       <p:stCondLst>
                         <p:cond delay="indefinite"/>
                       </p:stCondLst>
                       <p:childTnLst>
                         <p:par>
-                          <p:cTn id="8" fill="hold">
+                          <p:cTn id="10" fill="hold">
                             <p:stCondLst>
                               <p:cond delay="0"/>
                             </p:stCondLst>
                             <p:childTnLst>
                               <p:par>
-                                <p:cTn id="9" presetID="1" presetClass="entr" presetSubtype="0" fill="hold" nodeType="clickEffect">
-                                  <p:stCondLst>
-                                    <p:cond delay="0"/>
-                                  </p:stCondLst>
-                                  <p:childTnLst>
-                                    <p:set>
-                                      <p:cBhvr>
-                                        <p:cTn id="10" dur="1" fill="hold">
-                                          <p:stCondLst>
-                                            <p:cond delay="0"/>
-                                          </p:stCondLst>
-                                        </p:cTn>
-                                        <p:tgtEl>
-                                          <p:spTgt spid="8"/>
-                                        </p:tgtEl>
-                                        <p:attrNameLst>
-                                          <p:attrName>style.visibility</p:attrName>
-                                        </p:attrNameLst>
-                                      </p:cBhvr>
-                                      <p:to>
-                                        <p:strVal val="visible"/>
-                                      </p:to>
-                                    </p:set>
-                                  </p:childTnLst>
-                                </p:cTn>
-                              </p:par>
-                              <p:par>
-                                <p:cTn id="11" presetID="1" presetClass="entr" presetSubtype="0" fill="hold" grpId="0" nodeType="withEffect">
+                                <p:cTn id="11" presetID="1" presetClass="entr" presetSubtype="0" fill="hold" nodeType="clickEffect">
                                   <p:stCondLst>
                                     <p:cond delay="0"/>
                                   </p:stCondLst>
@@ -37394,7 +36030,7 @@
                                           </p:stCondLst>
                                         </p:cTn>
                                         <p:tgtEl>
-                                          <p:spTgt spid="5"/>
+                                          <p:spTgt spid="4"/>
                                         </p:tgtEl>
                                         <p:attrNameLst>
                                           <p:attrName>style.visibility</p:attrName>
@@ -37439,51 +36075,6 @@
                                           </p:stCondLst>
                                         </p:cTn>
                                         <p:tgtEl>
-                                          <p:spTgt spid="4"/>
-                                        </p:tgtEl>
-                                        <p:attrNameLst>
-                                          <p:attrName>style.visibility</p:attrName>
-                                        </p:attrNameLst>
-                                      </p:cBhvr>
-                                      <p:to>
-                                        <p:strVal val="visible"/>
-                                      </p:to>
-                                    </p:set>
-                                  </p:childTnLst>
-                                </p:cTn>
-                              </p:par>
-                            </p:childTnLst>
-                          </p:cTn>
-                        </p:par>
-                      </p:childTnLst>
-                    </p:cTn>
-                  </p:par>
-                  <p:par>
-                    <p:cTn id="17" fill="hold">
-                      <p:stCondLst>
-                        <p:cond delay="indefinite"/>
-                      </p:stCondLst>
-                      <p:childTnLst>
-                        <p:par>
-                          <p:cTn id="18" fill="hold">
-                            <p:stCondLst>
-                              <p:cond delay="0"/>
-                            </p:stCondLst>
-                            <p:childTnLst>
-                              <p:par>
-                                <p:cTn id="19" presetID="1" presetClass="entr" presetSubtype="0" fill="hold" nodeType="clickEffect">
-                                  <p:stCondLst>
-                                    <p:cond delay="0"/>
-                                  </p:stCondLst>
-                                  <p:childTnLst>
-                                    <p:set>
-                                      <p:cBhvr>
-                                        <p:cTn id="20" dur="1" fill="hold">
-                                          <p:stCondLst>
-                                            <p:cond delay="0"/>
-                                          </p:stCondLst>
-                                        </p:cTn>
-                                        <p:tgtEl>
                                           <p:spTgt spid="10"/>
                                         </p:tgtEl>
                                         <p:attrNameLst>
@@ -37498,14 +36089,14 @@
                                 </p:cTn>
                               </p:par>
                               <p:par>
-                                <p:cTn id="21" presetID="1" presetClass="entr" presetSubtype="0" fill="hold" grpId="0" nodeType="withEffect">
+                                <p:cTn id="17" presetID="1" presetClass="entr" presetSubtype="0" fill="hold" grpId="0" nodeType="withEffect">
                                   <p:stCondLst>
                                     <p:cond delay="0"/>
                                   </p:stCondLst>
                                   <p:childTnLst>
                                     <p:set>
                                       <p:cBhvr>
-                                        <p:cTn id="22" dur="1" fill="hold">
+                                        <p:cTn id="18" dur="1" fill="hold">
                                           <p:stCondLst>
                                             <p:cond delay="0"/>
                                           </p:stCondLst>
@@ -37531,26 +36122,26 @@
                     </p:cTn>
                   </p:par>
                   <p:par>
-                    <p:cTn id="23" fill="hold">
+                    <p:cTn id="19" fill="hold">
                       <p:stCondLst>
                         <p:cond delay="indefinite"/>
                       </p:stCondLst>
                       <p:childTnLst>
                         <p:par>
-                          <p:cTn id="24" fill="hold">
+                          <p:cTn id="20" fill="hold">
                             <p:stCondLst>
                               <p:cond delay="0"/>
                             </p:stCondLst>
                             <p:childTnLst>
                               <p:par>
-                                <p:cTn id="25" presetID="1" presetClass="entr" presetSubtype="0" fill="hold" grpId="0" nodeType="clickEffect">
+                                <p:cTn id="21" presetID="1" presetClass="entr" presetSubtype="0" fill="hold" grpId="0" nodeType="clickEffect">
                                   <p:stCondLst>
                                     <p:cond delay="0"/>
                                   </p:stCondLst>
                                   <p:childTnLst>
                                     <p:set>
                                       <p:cBhvr>
-                                        <p:cTn id="26" dur="1" fill="hold">
+                                        <p:cTn id="22" dur="1" fill="hold">
                                           <p:stCondLst>
                                             <p:cond delay="0"/>
                                           </p:stCondLst>
@@ -37605,6 +36196,669 @@
 </p:sld>
 </file>
 
+<file path=ppt/slides/slide31.xml><?xml version="1.0" encoding="utf-8"?>
+<p:sld xmlns:a="http://schemas.openxmlformats.org/drawingml/2006/main" xmlns:r="http://schemas.openxmlformats.org/officeDocument/2006/relationships" xmlns:p="http://schemas.openxmlformats.org/presentationml/2006/main">
+  <p:cSld>
+    <p:spTree>
+      <p:nvGrpSpPr>
+        <p:cNvPr id="1" name="Shape 308"/>
+        <p:cNvGrpSpPr/>
+        <p:nvPr/>
+      </p:nvGrpSpPr>
+      <p:grpSpPr>
+        <a:xfrm>
+          <a:off x="0" y="0"/>
+          <a:ext cx="0" cy="0"/>
+          <a:chOff x="0" y="0"/>
+          <a:chExt cx="0" cy="0"/>
+        </a:xfrm>
+      </p:grpSpPr>
+      <p:sp>
+        <p:nvSpPr>
+          <p:cNvPr id="309" name="Shape 309"/>
+          <p:cNvSpPr txBox="1">
+            <a:spLocks noGrp="1"/>
+          </p:cNvSpPr>
+          <p:nvPr>
+            <p:ph type="title"/>
+          </p:nvPr>
+        </p:nvSpPr>
+        <p:spPr>
+          <a:xfrm>
+            <a:off x="1303800" y="598575"/>
+            <a:ext cx="7030500" cy="999300"/>
+          </a:xfrm>
+          <a:prstGeom prst="rect">
+            <a:avLst/>
+          </a:prstGeom>
+        </p:spPr>
+        <p:txBody>
+          <a:bodyPr spcFirstLastPara="1" wrap="square" lIns="91425" tIns="91425" rIns="91425" bIns="91425" anchor="t" anchorCtr="0">
+            <a:noAutofit/>
+          </a:bodyPr>
+          <a:lstStyle/>
+          <a:p>
+            <a:pPr marL="0" lvl="0" indent="0" rtl="0">
+              <a:spcBef>
+                <a:spcPts val="0"/>
+              </a:spcBef>
+              <a:spcAft>
+                <a:spcPts val="0"/>
+              </a:spcAft>
+              <a:buNone/>
+            </a:pPr>
+            <a:r>
+              <a:rPr lang="en" dirty="0"/>
+              <a:t>Python to Scheme (Lambdas)</a:t>
+            </a:r>
+            <a:endParaRPr dirty="0"/>
+          </a:p>
+        </p:txBody>
+      </p:sp>
+      <p:sp>
+        <p:nvSpPr>
+          <p:cNvPr id="310" name="Shape 310"/>
+          <p:cNvSpPr/>
+          <p:nvPr/>
+        </p:nvSpPr>
+        <p:spPr>
+          <a:xfrm>
+            <a:off x="662975" y="1464375"/>
+            <a:ext cx="3606300" cy="3457500"/>
+          </a:xfrm>
+          <a:prstGeom prst="rect">
+            <a:avLst/>
+          </a:prstGeom>
+          <a:solidFill>
+            <a:srgbClr val="D9D9D9"/>
+          </a:solidFill>
+          <a:ln>
+            <a:noFill/>
+          </a:ln>
+        </p:spPr>
+        <p:txBody>
+          <a:bodyPr spcFirstLastPara="1" wrap="square" lIns="91425" tIns="91425" rIns="91425" bIns="91425" anchor="ctr" anchorCtr="0">
+            <a:noAutofit/>
+          </a:bodyPr>
+          <a:lstStyle/>
+          <a:p>
+            <a:pPr marL="0" lvl="0" indent="0" rtl="0">
+              <a:spcBef>
+                <a:spcPts val="0"/>
+              </a:spcBef>
+              <a:spcAft>
+                <a:spcPts val="0"/>
+              </a:spcAft>
+              <a:buNone/>
+            </a:pPr>
+            <a:endParaRPr/>
+          </a:p>
+        </p:txBody>
+      </p:sp>
+      <p:sp>
+        <p:nvSpPr>
+          <p:cNvPr id="311" name="Shape 311"/>
+          <p:cNvSpPr/>
+          <p:nvPr/>
+        </p:nvSpPr>
+        <p:spPr>
+          <a:xfrm>
+            <a:off x="5022124" y="1464375"/>
+            <a:ext cx="3843725" cy="3457500"/>
+          </a:xfrm>
+          <a:prstGeom prst="rect">
+            <a:avLst/>
+          </a:prstGeom>
+          <a:solidFill>
+            <a:srgbClr val="EAD1DC"/>
+          </a:solidFill>
+          <a:ln>
+            <a:noFill/>
+          </a:ln>
+        </p:spPr>
+        <p:txBody>
+          <a:bodyPr spcFirstLastPara="1" wrap="square" lIns="91425" tIns="91425" rIns="91425" bIns="91425" anchor="ctr" anchorCtr="0">
+            <a:noAutofit/>
+          </a:bodyPr>
+          <a:lstStyle/>
+          <a:p>
+            <a:pPr marL="0" lvl="0" indent="0">
+              <a:spcBef>
+                <a:spcPts val="0"/>
+              </a:spcBef>
+              <a:spcAft>
+                <a:spcPts val="0"/>
+              </a:spcAft>
+              <a:buNone/>
+            </a:pPr>
+            <a:endParaRPr>
+              <a:solidFill>
+                <a:srgbClr val="EAD1DC"/>
+              </a:solidFill>
+            </a:endParaRPr>
+          </a:p>
+        </p:txBody>
+      </p:sp>
+      <p:sp>
+        <p:nvSpPr>
+          <p:cNvPr id="312" name="Shape 312"/>
+          <p:cNvSpPr txBox="1"/>
+          <p:nvPr/>
+        </p:nvSpPr>
+        <p:spPr>
+          <a:xfrm>
+            <a:off x="772250" y="1566375"/>
+            <a:ext cx="3395100" cy="3242100"/>
+          </a:xfrm>
+          <a:prstGeom prst="rect">
+            <a:avLst/>
+          </a:prstGeom>
+          <a:noFill/>
+          <a:ln>
+            <a:noFill/>
+          </a:ln>
+        </p:spPr>
+        <p:txBody>
+          <a:bodyPr spcFirstLastPara="1" wrap="square" lIns="91425" tIns="91425" rIns="91425" bIns="91425" anchor="t" anchorCtr="0">
+            <a:noAutofit/>
+          </a:bodyPr>
+          <a:lstStyle/>
+          <a:p>
+            <a:pPr marL="0" lvl="0" indent="0" rtl="0">
+              <a:spcBef>
+                <a:spcPts val="0"/>
+              </a:spcBef>
+              <a:spcAft>
+                <a:spcPts val="0"/>
+              </a:spcAft>
+              <a:buNone/>
+            </a:pPr>
+            <a:r>
+              <a:rPr lang="en" sz="1800" b="1" dirty="0">
+                <a:latin typeface="Consolas"/>
+                <a:ea typeface="Consolas"/>
+                <a:cs typeface="Consolas"/>
+                <a:sym typeface="Consolas"/>
+              </a:rPr>
+              <a:t>&gt;&gt;&gt;</a:t>
+            </a:r>
+            <a:r>
+              <a:rPr lang="en" sz="1800" dirty="0">
+                <a:latin typeface="Consolas"/>
+                <a:ea typeface="Consolas"/>
+                <a:cs typeface="Consolas"/>
+                <a:sym typeface="Consolas"/>
+              </a:rPr>
+              <a:t> </a:t>
+            </a:r>
+            <a:r>
+              <a:rPr lang="en" sz="1800" dirty="0">
+                <a:solidFill>
+                  <a:srgbClr val="104BC5"/>
+                </a:solidFill>
+                <a:latin typeface="Consolas"/>
+                <a:ea typeface="Consolas"/>
+                <a:cs typeface="Consolas"/>
+                <a:sym typeface="Consolas"/>
+              </a:rPr>
+              <a:t>lambda</a:t>
+            </a:r>
+            <a:r>
+              <a:rPr lang="en" sz="1800" dirty="0">
+                <a:latin typeface="Consolas"/>
+                <a:ea typeface="Consolas"/>
+                <a:cs typeface="Consolas"/>
+                <a:sym typeface="Consolas"/>
+              </a:rPr>
+              <a:t> x: </a:t>
+            </a:r>
+            <a:r>
+              <a:rPr lang="en" sz="1800" dirty="0">
+                <a:solidFill>
+                  <a:srgbClr val="316B1B"/>
+                </a:solidFill>
+                <a:latin typeface="Consolas"/>
+                <a:ea typeface="Consolas"/>
+                <a:cs typeface="Consolas"/>
+                <a:sym typeface="Consolas"/>
+              </a:rPr>
+              <a:t>2</a:t>
+            </a:r>
+            <a:r>
+              <a:rPr lang="en" sz="1800" dirty="0">
+                <a:latin typeface="Consolas"/>
+                <a:ea typeface="Consolas"/>
+                <a:cs typeface="Consolas"/>
+                <a:sym typeface="Consolas"/>
+              </a:rPr>
+              <a:t> * x</a:t>
+            </a:r>
+          </a:p>
+          <a:p>
+            <a:pPr marL="0" lvl="0" indent="0" rtl="0">
+              <a:spcBef>
+                <a:spcPts val="0"/>
+              </a:spcBef>
+              <a:spcAft>
+                <a:spcPts val="0"/>
+              </a:spcAft>
+              <a:buNone/>
+            </a:pPr>
+            <a:r>
+              <a:rPr lang="en" sz="1800" dirty="0">
+                <a:latin typeface="Consolas"/>
+                <a:ea typeface="Consolas"/>
+                <a:cs typeface="Consolas"/>
+                <a:sym typeface="Consolas"/>
+              </a:rPr>
+              <a:t>&lt;function lambda at ...&gt;</a:t>
+            </a:r>
+          </a:p>
+          <a:p>
+            <a:pPr marL="0" lvl="0" indent="0" rtl="0">
+              <a:spcBef>
+                <a:spcPts val="0"/>
+              </a:spcBef>
+              <a:spcAft>
+                <a:spcPts val="0"/>
+              </a:spcAft>
+              <a:buNone/>
+            </a:pPr>
+            <a:endParaRPr lang="en" sz="1800" dirty="0">
+              <a:latin typeface="Consolas"/>
+              <a:ea typeface="Consolas"/>
+              <a:cs typeface="Consolas"/>
+              <a:sym typeface="Consolas"/>
+            </a:endParaRPr>
+          </a:p>
+          <a:p>
+            <a:pPr lvl="0"/>
+            <a:r>
+              <a:rPr lang="en" sz="1800" b="1" dirty="0">
+                <a:latin typeface="Consolas"/>
+                <a:ea typeface="Consolas"/>
+                <a:cs typeface="Consolas"/>
+                <a:sym typeface="Consolas"/>
+              </a:rPr>
+              <a:t>&gt;&gt;&gt;</a:t>
+            </a:r>
+            <a:r>
+              <a:rPr lang="en" sz="1800" dirty="0">
+                <a:latin typeface="Consolas"/>
+                <a:ea typeface="Consolas"/>
+                <a:cs typeface="Consolas"/>
+                <a:sym typeface="Consolas"/>
+              </a:rPr>
+              <a:t> (</a:t>
+            </a:r>
+            <a:r>
+              <a:rPr lang="en" sz="1800" dirty="0">
+                <a:solidFill>
+                  <a:srgbClr val="104BC5"/>
+                </a:solidFill>
+                <a:latin typeface="Consolas"/>
+                <a:ea typeface="Consolas"/>
+                <a:cs typeface="Consolas"/>
+                <a:sym typeface="Consolas"/>
+              </a:rPr>
+              <a:t>lambda </a:t>
+            </a:r>
+            <a:r>
+              <a:rPr lang="en" sz="1800" dirty="0">
+                <a:latin typeface="Consolas"/>
+                <a:ea typeface="Consolas"/>
+                <a:cs typeface="Consolas"/>
+                <a:sym typeface="Consolas"/>
+              </a:rPr>
+              <a:t>x: </a:t>
+            </a:r>
+            <a:r>
+              <a:rPr lang="en" sz="1800" dirty="0">
+                <a:solidFill>
+                  <a:srgbClr val="316B1B"/>
+                </a:solidFill>
+                <a:latin typeface="Consolas"/>
+                <a:ea typeface="Consolas"/>
+                <a:cs typeface="Consolas"/>
+                <a:sym typeface="Consolas"/>
+              </a:rPr>
+              <a:t>2</a:t>
+            </a:r>
+            <a:r>
+              <a:rPr lang="en" sz="1800" dirty="0">
+                <a:latin typeface="Consolas"/>
+                <a:ea typeface="Consolas"/>
+                <a:cs typeface="Consolas"/>
+                <a:sym typeface="Consolas"/>
+              </a:rPr>
+              <a:t> * x)(5)</a:t>
+            </a:r>
+          </a:p>
+          <a:p>
+            <a:pPr lvl="0"/>
+            <a:r>
+              <a:rPr lang="en" sz="1800" dirty="0">
+                <a:latin typeface="Consolas"/>
+                <a:ea typeface="Consolas"/>
+                <a:cs typeface="Consolas"/>
+                <a:sym typeface="Consolas"/>
+              </a:rPr>
+              <a:t>10</a:t>
+            </a:r>
+          </a:p>
+        </p:txBody>
+      </p:sp>
+      <p:sp>
+        <p:nvSpPr>
+          <p:cNvPr id="313" name="Shape 313"/>
+          <p:cNvSpPr txBox="1"/>
+          <p:nvPr/>
+        </p:nvSpPr>
+        <p:spPr>
+          <a:xfrm>
+            <a:off x="5115649" y="1566375"/>
+            <a:ext cx="3843725" cy="3242100"/>
+          </a:xfrm>
+          <a:prstGeom prst="rect">
+            <a:avLst/>
+          </a:prstGeom>
+          <a:noFill/>
+          <a:ln>
+            <a:noFill/>
+          </a:ln>
+        </p:spPr>
+        <p:txBody>
+          <a:bodyPr spcFirstLastPara="1" wrap="square" lIns="91425" tIns="91425" rIns="91425" bIns="91425" anchor="t" anchorCtr="0">
+            <a:noAutofit/>
+          </a:bodyPr>
+          <a:lstStyle/>
+          <a:p>
+            <a:pPr marL="0" lvl="0" indent="0" rtl="0">
+              <a:spcBef>
+                <a:spcPts val="0"/>
+              </a:spcBef>
+              <a:spcAft>
+                <a:spcPts val="0"/>
+              </a:spcAft>
+              <a:buNone/>
+            </a:pPr>
+            <a:r>
+              <a:rPr lang="en" sz="1800" b="1" dirty="0" err="1">
+                <a:solidFill>
+                  <a:srgbClr val="EAD1DC"/>
+                </a:solidFill>
+                <a:latin typeface="Consolas"/>
+                <a:ea typeface="Consolas"/>
+                <a:cs typeface="Consolas"/>
+                <a:sym typeface="Consolas"/>
+              </a:rPr>
+              <a:t>scm</a:t>
+            </a:r>
+            <a:r>
+              <a:rPr lang="en" sz="1800" b="1" dirty="0">
+                <a:solidFill>
+                  <a:srgbClr val="EAD1DC"/>
+                </a:solidFill>
+                <a:latin typeface="Consolas"/>
+                <a:ea typeface="Consolas"/>
+                <a:cs typeface="Consolas"/>
+                <a:sym typeface="Consolas"/>
+              </a:rPr>
+              <a:t>&gt;</a:t>
+            </a:r>
+            <a:r>
+              <a:rPr lang="en" sz="1800" dirty="0">
+                <a:latin typeface="Consolas"/>
+                <a:ea typeface="Consolas"/>
+                <a:cs typeface="Consolas"/>
+                <a:sym typeface="Consolas"/>
+              </a:rPr>
+              <a:t> (</a:t>
+            </a:r>
+            <a:r>
+              <a:rPr lang="en" sz="1800" dirty="0">
+                <a:solidFill>
+                  <a:srgbClr val="104BC5"/>
+                </a:solidFill>
+                <a:latin typeface="Consolas"/>
+                <a:ea typeface="Consolas"/>
+                <a:cs typeface="Consolas"/>
+                <a:sym typeface="Consolas"/>
+              </a:rPr>
+              <a:t>lambda</a:t>
+            </a:r>
+            <a:r>
+              <a:rPr lang="en" sz="1800" dirty="0">
+                <a:latin typeface="Consolas"/>
+                <a:ea typeface="Consolas"/>
+                <a:cs typeface="Consolas"/>
+                <a:sym typeface="Consolas"/>
+              </a:rPr>
+              <a:t> (x) (* 2 x))</a:t>
+            </a:r>
+          </a:p>
+          <a:p>
+            <a:pPr marL="0" lvl="0" indent="0" rtl="0">
+              <a:spcBef>
+                <a:spcPts val="0"/>
+              </a:spcBef>
+              <a:spcAft>
+                <a:spcPts val="0"/>
+              </a:spcAft>
+              <a:buNone/>
+            </a:pPr>
+            <a:r>
+              <a:rPr lang="en" sz="1800" dirty="0">
+                <a:latin typeface="Consolas"/>
+                <a:ea typeface="Consolas"/>
+                <a:cs typeface="Consolas"/>
+                <a:sym typeface="Consolas"/>
+              </a:rPr>
+              <a:t>(lambda (x) (* 2 x))</a:t>
+            </a:r>
+          </a:p>
+          <a:p>
+            <a:pPr marL="0" lvl="0" indent="0" rtl="0">
+              <a:spcBef>
+                <a:spcPts val="0"/>
+              </a:spcBef>
+              <a:spcAft>
+                <a:spcPts val="0"/>
+              </a:spcAft>
+              <a:buNone/>
+            </a:pPr>
+            <a:endParaRPr lang="en" sz="1800" dirty="0">
+              <a:latin typeface="Consolas"/>
+              <a:ea typeface="Consolas"/>
+              <a:cs typeface="Consolas"/>
+              <a:sym typeface="Consolas"/>
+            </a:endParaRPr>
+          </a:p>
+          <a:p>
+            <a:r>
+              <a:rPr lang="en" sz="1800" b="1" dirty="0" err="1">
+                <a:solidFill>
+                  <a:srgbClr val="EAD1DC"/>
+                </a:solidFill>
+                <a:latin typeface="Consolas"/>
+                <a:ea typeface="Consolas"/>
+                <a:cs typeface="Consolas"/>
+                <a:sym typeface="Consolas"/>
+              </a:rPr>
+              <a:t>scm</a:t>
+            </a:r>
+            <a:r>
+              <a:rPr lang="en" sz="1800" b="1" dirty="0">
+                <a:solidFill>
+                  <a:srgbClr val="EAD1DC"/>
+                </a:solidFill>
+                <a:latin typeface="Consolas"/>
+                <a:ea typeface="Consolas"/>
+                <a:cs typeface="Consolas"/>
+                <a:sym typeface="Consolas"/>
+              </a:rPr>
+              <a:t>&gt; </a:t>
+            </a:r>
+            <a:r>
+              <a:rPr lang="en" sz="1800" dirty="0">
+                <a:latin typeface="Consolas"/>
+                <a:ea typeface="Consolas"/>
+                <a:cs typeface="Consolas"/>
+                <a:sym typeface="Consolas"/>
+              </a:rPr>
+              <a:t>((</a:t>
+            </a:r>
+            <a:r>
+              <a:rPr lang="en" sz="1800" dirty="0">
+                <a:solidFill>
+                  <a:srgbClr val="104BC5"/>
+                </a:solidFill>
+                <a:latin typeface="Consolas"/>
+                <a:ea typeface="Consolas"/>
+                <a:cs typeface="Consolas"/>
+                <a:sym typeface="Consolas"/>
+              </a:rPr>
+              <a:t>lambda </a:t>
+            </a:r>
+            <a:r>
+              <a:rPr lang="en" sz="1800" dirty="0">
+                <a:latin typeface="Consolas"/>
+                <a:ea typeface="Consolas"/>
+                <a:cs typeface="Consolas"/>
+                <a:sym typeface="Consolas"/>
+              </a:rPr>
+              <a:t>(x) (* 2 x)) 5)</a:t>
+            </a:r>
+          </a:p>
+          <a:p>
+            <a:pPr lvl="0"/>
+            <a:r>
+              <a:rPr lang="en" sz="1800" dirty="0">
+                <a:latin typeface="Consolas"/>
+                <a:ea typeface="Consolas"/>
+                <a:cs typeface="Consolas"/>
+                <a:sym typeface="Consolas"/>
+              </a:rPr>
+              <a:t>10</a:t>
+            </a:r>
+          </a:p>
+        </p:txBody>
+      </p:sp>
+      <p:sp>
+        <p:nvSpPr>
+          <p:cNvPr id="7" name="TextBox 6">
+            <a:extLst>
+              <a:ext uri="{FF2B5EF4-FFF2-40B4-BE49-F238E27FC236}">
+                <a16:creationId xmlns:a16="http://schemas.microsoft.com/office/drawing/2014/main" id="{700DC806-1C69-D049-B429-97060F7DAF3A}"/>
+              </a:ext>
+            </a:extLst>
+          </p:cNvPr>
+          <p:cNvSpPr txBox="1"/>
+          <p:nvPr/>
+        </p:nvSpPr>
+        <p:spPr>
+          <a:xfrm>
+            <a:off x="5115650" y="1613564"/>
+            <a:ext cx="824707" cy="369332"/>
+          </a:xfrm>
+          <a:prstGeom prst="rect">
+            <a:avLst/>
+          </a:prstGeom>
+          <a:noFill/>
+        </p:spPr>
+        <p:txBody>
+          <a:bodyPr wrap="square" rtlCol="0">
+            <a:spAutoFit/>
+          </a:bodyPr>
+          <a:lstStyle/>
+          <a:p>
+            <a:r>
+              <a:rPr lang="en-US" sz="1800" b="1" dirty="0" err="1">
+                <a:solidFill>
+                  <a:srgbClr val="AA6225"/>
+                </a:solidFill>
+                <a:latin typeface="Consolas" panose="020B0609020204030204" pitchFamily="49" charset="0"/>
+                <a:cs typeface="Consolas" panose="020B0609020204030204" pitchFamily="49" charset="0"/>
+              </a:rPr>
+              <a:t>scm</a:t>
+            </a:r>
+            <a:r>
+              <a:rPr lang="en-US" sz="1800" b="1" dirty="0">
+                <a:solidFill>
+                  <a:srgbClr val="AA6225"/>
+                </a:solidFill>
+                <a:latin typeface="Consolas" panose="020B0609020204030204" pitchFamily="49" charset="0"/>
+                <a:cs typeface="Consolas" panose="020B0609020204030204" pitchFamily="49" charset="0"/>
+              </a:rPr>
+              <a:t>&gt;</a:t>
+            </a:r>
+          </a:p>
+        </p:txBody>
+      </p:sp>
+      <p:sp>
+        <p:nvSpPr>
+          <p:cNvPr id="8" name="TextBox 7">
+            <a:extLst>
+              <a:ext uri="{FF2B5EF4-FFF2-40B4-BE49-F238E27FC236}">
+                <a16:creationId xmlns:a16="http://schemas.microsoft.com/office/drawing/2014/main" id="{3149FE8A-14DC-1449-945D-D1FC8034D454}"/>
+              </a:ext>
+            </a:extLst>
+          </p:cNvPr>
+          <p:cNvSpPr txBox="1"/>
+          <p:nvPr/>
+        </p:nvSpPr>
+        <p:spPr>
+          <a:xfrm>
+            <a:off x="5115650" y="2436347"/>
+            <a:ext cx="824707" cy="369332"/>
+          </a:xfrm>
+          <a:prstGeom prst="rect">
+            <a:avLst/>
+          </a:prstGeom>
+          <a:noFill/>
+        </p:spPr>
+        <p:txBody>
+          <a:bodyPr wrap="square" rtlCol="0">
+            <a:spAutoFit/>
+          </a:bodyPr>
+          <a:lstStyle/>
+          <a:p>
+            <a:r>
+              <a:rPr lang="en-US" sz="1800" b="1" dirty="0" err="1">
+                <a:solidFill>
+                  <a:srgbClr val="AA6225"/>
+                </a:solidFill>
+                <a:latin typeface="Consolas" panose="020B0609020204030204" pitchFamily="49" charset="0"/>
+                <a:cs typeface="Consolas" panose="020B0609020204030204" pitchFamily="49" charset="0"/>
+              </a:rPr>
+              <a:t>scm</a:t>
+            </a:r>
+            <a:r>
+              <a:rPr lang="en-US" sz="1800" b="1" dirty="0">
+                <a:solidFill>
+                  <a:srgbClr val="AA6225"/>
+                </a:solidFill>
+                <a:latin typeface="Consolas" panose="020B0609020204030204" pitchFamily="49" charset="0"/>
+                <a:cs typeface="Consolas" panose="020B0609020204030204" pitchFamily="49" charset="0"/>
+              </a:rPr>
+              <a:t>&gt;</a:t>
+            </a:r>
+          </a:p>
+        </p:txBody>
+      </p:sp>
+    </p:spTree>
+    <p:extLst>
+      <p:ext uri="{BB962C8B-B14F-4D97-AF65-F5344CB8AC3E}">
+        <p14:creationId xmlns:p14="http://schemas.microsoft.com/office/powerpoint/2010/main" val="3914522447"/>
+      </p:ext>
+    </p:extLst>
+  </p:cSld>
+  <p:clrMapOvr>
+    <a:masterClrMapping/>
+  </p:clrMapOvr>
+</p:sld>
+</file>
+
 <file path=ppt/slides/slide32.xml><?xml version="1.0" encoding="utf-8"?>
 <p:sld xmlns:a="http://schemas.openxmlformats.org/drawingml/2006/main" xmlns:r="http://schemas.openxmlformats.org/officeDocument/2006/relationships" xmlns:p="http://schemas.openxmlformats.org/presentationml/2006/main">
   <p:cSld>
@@ -37658,7 +36912,7 @@
             </a:pPr>
             <a:r>
               <a:rPr lang="en" dirty="0"/>
-              <a:t>Python to Scheme (Lambdas)</a:t>
+              <a:t>Scheme to Python (Def Statements)</a:t>
             </a:r>
             <a:endParaRPr dirty="0"/>
           </a:p>
@@ -37672,48 +36926,8 @@
         </p:nvSpPr>
         <p:spPr>
           <a:xfrm>
-            <a:off x="662975" y="1464375"/>
-            <a:ext cx="3606300" cy="3457500"/>
-          </a:xfrm>
-          <a:prstGeom prst="rect">
-            <a:avLst/>
-          </a:prstGeom>
-          <a:solidFill>
-            <a:srgbClr val="D9D9D9"/>
-          </a:solidFill>
-          <a:ln>
-            <a:noFill/>
-          </a:ln>
-        </p:spPr>
-        <p:txBody>
-          <a:bodyPr spcFirstLastPara="1" wrap="square" lIns="91425" tIns="91425" rIns="91425" bIns="91425" anchor="ctr" anchorCtr="0">
-            <a:noAutofit/>
-          </a:bodyPr>
-          <a:lstStyle/>
-          <a:p>
-            <a:pPr marL="0" lvl="0" indent="0" rtl="0">
-              <a:spcBef>
-                <a:spcPts val="0"/>
-              </a:spcBef>
-              <a:spcAft>
-                <a:spcPts val="0"/>
-              </a:spcAft>
-              <a:buNone/>
-            </a:pPr>
-            <a:endParaRPr/>
-          </a:p>
-        </p:txBody>
-      </p:sp>
-      <p:sp>
-        <p:nvSpPr>
-          <p:cNvPr id="311" name="Shape 311"/>
-          <p:cNvSpPr/>
-          <p:nvPr/>
-        </p:nvSpPr>
-        <p:spPr>
-          <a:xfrm>
-            <a:off x="5022124" y="1464375"/>
-            <a:ext cx="3843725" cy="3457500"/>
+            <a:off x="662974" y="1464375"/>
+            <a:ext cx="8202875" cy="1639559"/>
           </a:xfrm>
           <a:prstGeom prst="rect">
             <a:avLst/>
@@ -37731,6 +36945,46 @@
           </a:bodyPr>
           <a:lstStyle/>
           <a:p>
+            <a:pPr marL="0" lvl="0" indent="0" rtl="0">
+              <a:spcBef>
+                <a:spcPts val="0"/>
+              </a:spcBef>
+              <a:spcAft>
+                <a:spcPts val="0"/>
+              </a:spcAft>
+              <a:buNone/>
+            </a:pPr>
+            <a:endParaRPr/>
+          </a:p>
+        </p:txBody>
+      </p:sp>
+      <p:sp>
+        <p:nvSpPr>
+          <p:cNvPr id="311" name="Shape 311"/>
+          <p:cNvSpPr/>
+          <p:nvPr/>
+        </p:nvSpPr>
+        <p:spPr>
+          <a:xfrm>
+            <a:off x="662974" y="3205934"/>
+            <a:ext cx="8202875" cy="1715940"/>
+          </a:xfrm>
+          <a:prstGeom prst="rect">
+            <a:avLst/>
+          </a:prstGeom>
+          <a:solidFill>
+            <a:srgbClr val="D4D4D4"/>
+          </a:solidFill>
+          <a:ln>
+            <a:noFill/>
+          </a:ln>
+        </p:spPr>
+        <p:txBody>
+          <a:bodyPr spcFirstLastPara="1" wrap="square" lIns="91425" tIns="91425" rIns="91425" bIns="91425" anchor="ctr" anchorCtr="0">
+            <a:noAutofit/>
+          </a:bodyPr>
+          <a:lstStyle/>
+          <a:p>
             <a:pPr marL="0" lvl="0" indent="0">
               <a:spcBef>
                 <a:spcPts val="0"/>
@@ -37756,8 +37010,8 @@
         </p:nvSpPr>
         <p:spPr>
           <a:xfrm>
-            <a:off x="772250" y="1566375"/>
-            <a:ext cx="3395100" cy="3242100"/>
+            <a:off x="772249" y="1566375"/>
+            <a:ext cx="7965351" cy="1429186"/>
           </a:xfrm>
           <a:prstGeom prst="rect">
             <a:avLst/>
@@ -37773,186 +37027,32 @@
           </a:bodyPr>
           <a:lstStyle/>
           <a:p>
-            <a:pPr marL="0" lvl="0" indent="0" rtl="0">
-              <a:spcBef>
-                <a:spcPts val="0"/>
-              </a:spcBef>
-              <a:spcAft>
-                <a:spcPts val="0"/>
-              </a:spcAft>
-              <a:buNone/>
-            </a:pPr>
-            <a:r>
-              <a:rPr lang="en" sz="1800" b="1" dirty="0">
-                <a:latin typeface="Consolas"/>
-                <a:ea typeface="Consolas"/>
-                <a:cs typeface="Consolas"/>
-                <a:sym typeface="Consolas"/>
-              </a:rPr>
-              <a:t>&gt;&gt;&gt;</a:t>
-            </a:r>
-            <a:r>
-              <a:rPr lang="en" sz="1800" dirty="0">
-                <a:latin typeface="Consolas"/>
-                <a:ea typeface="Consolas"/>
-                <a:cs typeface="Consolas"/>
-                <a:sym typeface="Consolas"/>
-              </a:rPr>
-              <a:t> </a:t>
-            </a:r>
-            <a:r>
-              <a:rPr lang="en" sz="1800" dirty="0">
-                <a:solidFill>
-                  <a:srgbClr val="104BC5"/>
-                </a:solidFill>
-                <a:latin typeface="Consolas"/>
-                <a:ea typeface="Consolas"/>
-                <a:cs typeface="Consolas"/>
-                <a:sym typeface="Consolas"/>
-              </a:rPr>
-              <a:t>lambda</a:t>
-            </a:r>
-            <a:r>
-              <a:rPr lang="en" sz="1800" dirty="0">
-                <a:latin typeface="Consolas"/>
-                <a:ea typeface="Consolas"/>
-                <a:cs typeface="Consolas"/>
-                <a:sym typeface="Consolas"/>
-              </a:rPr>
-              <a:t> x: </a:t>
-            </a:r>
-            <a:r>
-              <a:rPr lang="en" sz="1800" dirty="0">
-                <a:solidFill>
-                  <a:srgbClr val="316B1B"/>
-                </a:solidFill>
-                <a:latin typeface="Consolas"/>
-                <a:ea typeface="Consolas"/>
-                <a:cs typeface="Consolas"/>
-                <a:sym typeface="Consolas"/>
-              </a:rPr>
-              <a:t>2</a:t>
-            </a:r>
-            <a:r>
-              <a:rPr lang="en" sz="1800" dirty="0">
-                <a:latin typeface="Consolas"/>
-                <a:ea typeface="Consolas"/>
-                <a:cs typeface="Consolas"/>
-                <a:sym typeface="Consolas"/>
-              </a:rPr>
-              <a:t> * x</a:t>
-            </a:r>
-          </a:p>
-          <a:p>
-            <a:pPr marL="0" lvl="0" indent="0" rtl="0">
-              <a:spcBef>
-                <a:spcPts val="0"/>
-              </a:spcBef>
-              <a:spcAft>
-                <a:spcPts val="0"/>
-              </a:spcAft>
-              <a:buNone/>
-            </a:pPr>
-            <a:r>
-              <a:rPr lang="en" sz="1800" dirty="0">
-                <a:latin typeface="Consolas"/>
-                <a:ea typeface="Consolas"/>
-                <a:cs typeface="Consolas"/>
-                <a:sym typeface="Consolas"/>
-              </a:rPr>
-              <a:t>&lt;function lambda at ...&gt;</a:t>
-            </a:r>
-          </a:p>
-          <a:p>
-            <a:pPr marL="0" lvl="0" indent="0" rtl="0">
-              <a:spcBef>
-                <a:spcPts val="0"/>
-              </a:spcBef>
-              <a:spcAft>
-                <a:spcPts val="0"/>
-              </a:spcAft>
-              <a:buNone/>
-            </a:pPr>
-            <a:endParaRPr lang="en" sz="1800" dirty="0">
-              <a:latin typeface="Consolas"/>
-              <a:ea typeface="Consolas"/>
-              <a:cs typeface="Consolas"/>
-              <a:sym typeface="Consolas"/>
-            </a:endParaRPr>
-          </a:p>
-          <a:p>
-            <a:pPr lvl="0"/>
-            <a:r>
-              <a:rPr lang="en" sz="1800" b="1" dirty="0">
-                <a:latin typeface="Consolas"/>
-                <a:ea typeface="Consolas"/>
-                <a:cs typeface="Consolas"/>
-                <a:sym typeface="Consolas"/>
-              </a:rPr>
-              <a:t>&gt;&gt;&gt;</a:t>
-            </a:r>
-            <a:r>
-              <a:rPr lang="en" sz="1800" dirty="0">
-                <a:latin typeface="Consolas"/>
-                <a:ea typeface="Consolas"/>
-                <a:cs typeface="Consolas"/>
-                <a:sym typeface="Consolas"/>
-              </a:rPr>
-              <a:t> (</a:t>
-            </a:r>
-            <a:r>
-              <a:rPr lang="en" sz="1800" dirty="0">
-                <a:solidFill>
-                  <a:srgbClr val="104BC5"/>
-                </a:solidFill>
-                <a:latin typeface="Consolas"/>
-                <a:ea typeface="Consolas"/>
-                <a:cs typeface="Consolas"/>
-                <a:sym typeface="Consolas"/>
-              </a:rPr>
-              <a:t>lambda </a:t>
-            </a:r>
-            <a:r>
-              <a:rPr lang="en" sz="1800" dirty="0">
-                <a:latin typeface="Consolas"/>
-                <a:ea typeface="Consolas"/>
-                <a:cs typeface="Consolas"/>
-                <a:sym typeface="Consolas"/>
-              </a:rPr>
-              <a:t>x: </a:t>
-            </a:r>
-            <a:r>
-              <a:rPr lang="en" sz="1800" dirty="0">
-                <a:solidFill>
-                  <a:srgbClr val="316B1B"/>
-                </a:solidFill>
-                <a:latin typeface="Consolas"/>
-                <a:ea typeface="Consolas"/>
-                <a:cs typeface="Consolas"/>
-                <a:sym typeface="Consolas"/>
-              </a:rPr>
-              <a:t>2</a:t>
-            </a:r>
-            <a:r>
-              <a:rPr lang="en" sz="1800" dirty="0">
-                <a:latin typeface="Consolas"/>
-                <a:ea typeface="Consolas"/>
-                <a:cs typeface="Consolas"/>
-                <a:sym typeface="Consolas"/>
-              </a:rPr>
-              <a:t> * x)(5)</a:t>
-            </a:r>
-          </a:p>
-          <a:p>
-            <a:pPr lvl="0"/>
-            <a:r>
-              <a:rPr lang="en" sz="1800" dirty="0">
-                <a:latin typeface="Consolas"/>
-                <a:ea typeface="Consolas"/>
-                <a:cs typeface="Consolas"/>
-                <a:sym typeface="Consolas"/>
-              </a:rPr>
-              <a:t>10</a:t>
+            <a:r>
+              <a:rPr lang="en-US" sz="1800" b="1" dirty="0" err="1">
+                <a:solidFill>
+                  <a:srgbClr val="AA6225"/>
+                </a:solidFill>
+                <a:latin typeface="Consolas" panose="020B0609020204030204" pitchFamily="49" charset="0"/>
+                <a:cs typeface="Consolas" panose="020B0609020204030204" pitchFamily="49" charset="0"/>
+              </a:rPr>
+              <a:t>scm</a:t>
+            </a:r>
+            <a:r>
+              <a:rPr lang="en-US" sz="1800" b="1" dirty="0">
+                <a:solidFill>
+                  <a:srgbClr val="AA6225"/>
+                </a:solidFill>
+                <a:latin typeface="Consolas" panose="020B0609020204030204" pitchFamily="49" charset="0"/>
+                <a:cs typeface="Consolas" panose="020B0609020204030204" pitchFamily="49" charset="0"/>
+              </a:rPr>
+              <a:t>&gt; </a:t>
+            </a:r>
+            <a:r>
+              <a:rPr lang="en-US" sz="1800" dirty="0">
+                <a:latin typeface="Consolas" panose="020B0609020204030204" pitchFamily="49" charset="0"/>
+                <a:cs typeface="Consolas" panose="020B0609020204030204" pitchFamily="49" charset="0"/>
+              </a:rPr>
+              <a:t>(define square (lambda (x) (* x x)))</a:t>
             </a:r>
           </a:p>
         </p:txBody>
@@ -37965,8 +37065,8 @@
         </p:nvSpPr>
         <p:spPr>
           <a:xfrm>
-            <a:off x="5115649" y="1566375"/>
-            <a:ext cx="3843725" cy="3242100"/>
+            <a:off x="772250" y="3278293"/>
+            <a:ext cx="7836658" cy="1530182"/>
           </a:xfrm>
           <a:prstGeom prst="rect">
             <a:avLst/>
@@ -37991,91 +37091,6 @@
               </a:spcAft>
               <a:buNone/>
             </a:pPr>
-            <a:r>
-              <a:rPr lang="en" sz="1800" b="1" dirty="0" err="1">
-                <a:solidFill>
-                  <a:srgbClr val="EAD1DC"/>
-                </a:solidFill>
-                <a:latin typeface="Consolas"/>
-                <a:ea typeface="Consolas"/>
-                <a:cs typeface="Consolas"/>
-                <a:sym typeface="Consolas"/>
-              </a:rPr>
-              <a:t>scm</a:t>
-            </a:r>
-            <a:r>
-              <a:rPr lang="en" sz="1800" b="1" dirty="0">
-                <a:solidFill>
-                  <a:srgbClr val="EAD1DC"/>
-                </a:solidFill>
-                <a:latin typeface="Consolas"/>
-                <a:ea typeface="Consolas"/>
-                <a:cs typeface="Consolas"/>
-                <a:sym typeface="Consolas"/>
-              </a:rPr>
-              <a:t>&gt;</a:t>
-            </a:r>
-            <a:r>
-              <a:rPr lang="en" sz="1800" dirty="0">
-                <a:latin typeface="Consolas"/>
-                <a:ea typeface="Consolas"/>
-                <a:cs typeface="Consolas"/>
-                <a:sym typeface="Consolas"/>
-              </a:rPr>
-              <a:t> (</a:t>
-            </a:r>
-            <a:r>
-              <a:rPr lang="en" sz="1800" dirty="0">
-                <a:solidFill>
-                  <a:srgbClr val="104BC5"/>
-                </a:solidFill>
-                <a:latin typeface="Consolas"/>
-                <a:ea typeface="Consolas"/>
-                <a:cs typeface="Consolas"/>
-                <a:sym typeface="Consolas"/>
-              </a:rPr>
-              <a:t>lambda</a:t>
-            </a:r>
-            <a:r>
-              <a:rPr lang="en" sz="1800" dirty="0">
-                <a:latin typeface="Consolas"/>
-                <a:ea typeface="Consolas"/>
-                <a:cs typeface="Consolas"/>
-                <a:sym typeface="Consolas"/>
-              </a:rPr>
-              <a:t> (x) (* 2 x))</a:t>
-            </a:r>
-          </a:p>
-          <a:p>
-            <a:pPr marL="0" lvl="0" indent="0" rtl="0">
-              <a:spcBef>
-                <a:spcPts val="0"/>
-              </a:spcBef>
-              <a:spcAft>
-                <a:spcPts val="0"/>
-              </a:spcAft>
-              <a:buNone/>
-            </a:pPr>
-            <a:r>
-              <a:rPr lang="en" sz="1800" dirty="0">
-                <a:latin typeface="Consolas"/>
-                <a:ea typeface="Consolas"/>
-                <a:cs typeface="Consolas"/>
-                <a:sym typeface="Consolas"/>
-              </a:rPr>
-              <a:t>(lambda (x) (* 2 x))</a:t>
-            </a:r>
-          </a:p>
-          <a:p>
-            <a:pPr marL="0" lvl="0" indent="0" rtl="0">
-              <a:spcBef>
-                <a:spcPts val="0"/>
-              </a:spcBef>
-              <a:spcAft>
-                <a:spcPts val="0"/>
-              </a:spcAft>
-              <a:buNone/>
-            </a:pPr>
             <a:endParaRPr lang="en" sz="1800" dirty="0">
               <a:latin typeface="Consolas"/>
               <a:ea typeface="Consolas"/>
@@ -38083,182 +37098,12 @@
               <a:sym typeface="Consolas"/>
             </a:endParaRPr>
           </a:p>
-          <a:p>
-            <a:r>
-              <a:rPr lang="en" sz="1800" b="1" dirty="0" err="1">
-                <a:solidFill>
-                  <a:srgbClr val="EAD1DC"/>
-                </a:solidFill>
-                <a:latin typeface="Consolas"/>
-                <a:ea typeface="Consolas"/>
-                <a:cs typeface="Consolas"/>
-                <a:sym typeface="Consolas"/>
-              </a:rPr>
-              <a:t>scm</a:t>
-            </a:r>
-            <a:r>
-              <a:rPr lang="en" sz="1800" b="1" dirty="0">
-                <a:solidFill>
-                  <a:srgbClr val="EAD1DC"/>
-                </a:solidFill>
-                <a:latin typeface="Consolas"/>
-                <a:ea typeface="Consolas"/>
-                <a:cs typeface="Consolas"/>
-                <a:sym typeface="Consolas"/>
-              </a:rPr>
-              <a:t>&gt; </a:t>
-            </a:r>
-            <a:r>
-              <a:rPr lang="en" sz="1800" dirty="0">
-                <a:latin typeface="Consolas"/>
-                <a:ea typeface="Consolas"/>
-                <a:cs typeface="Consolas"/>
-                <a:sym typeface="Consolas"/>
-              </a:rPr>
-              <a:t>((</a:t>
-            </a:r>
-            <a:r>
-              <a:rPr lang="en" sz="1800" dirty="0">
-                <a:solidFill>
-                  <a:srgbClr val="104BC5"/>
-                </a:solidFill>
-                <a:latin typeface="Consolas"/>
-                <a:ea typeface="Consolas"/>
-                <a:cs typeface="Consolas"/>
-                <a:sym typeface="Consolas"/>
-              </a:rPr>
-              <a:t>lambda </a:t>
-            </a:r>
-            <a:r>
-              <a:rPr lang="en" sz="1800" dirty="0">
-                <a:latin typeface="Consolas"/>
-                <a:ea typeface="Consolas"/>
-                <a:cs typeface="Consolas"/>
-                <a:sym typeface="Consolas"/>
-              </a:rPr>
-              <a:t>(x) (* 2 x)) 5)</a:t>
-            </a:r>
-          </a:p>
-          <a:p>
-            <a:pPr lvl="0"/>
-            <a:r>
-              <a:rPr lang="en" sz="1800" dirty="0">
-                <a:latin typeface="Consolas"/>
-                <a:ea typeface="Consolas"/>
-                <a:cs typeface="Consolas"/>
-                <a:sym typeface="Consolas"/>
-              </a:rPr>
-              <a:t>10</a:t>
-            </a:r>
-          </a:p>
-        </p:txBody>
-      </p:sp>
-      <p:sp>
-        <p:nvSpPr>
-          <p:cNvPr id="7" name="TextBox 6">
-            <a:extLst>
-              <a:ext uri="{FF2B5EF4-FFF2-40B4-BE49-F238E27FC236}">
-                <a16:creationId xmlns:a16="http://schemas.microsoft.com/office/drawing/2014/main" id="{700DC806-1C69-D049-B429-97060F7DAF3A}"/>
-              </a:ext>
-            </a:extLst>
-          </p:cNvPr>
-          <p:cNvSpPr txBox="1"/>
-          <p:nvPr/>
-        </p:nvSpPr>
-        <p:spPr>
-          <a:xfrm>
-            <a:off x="5115650" y="1613564"/>
-            <a:ext cx="824707" cy="369332"/>
-          </a:xfrm>
-          <a:prstGeom prst="rect">
-            <a:avLst/>
-          </a:prstGeom>
-          <a:noFill/>
-        </p:spPr>
-        <p:txBody>
-          <a:bodyPr wrap="square" rtlCol="0">
-            <a:spAutoFit/>
-          </a:bodyPr>
-          <a:lstStyle/>
-          <a:p>
-            <a:r>
-              <a:rPr lang="en-US" sz="1800" b="1" dirty="0" err="1">
-                <a:solidFill>
-                  <a:srgbClr val="AA6225"/>
-                </a:solidFill>
-                <a:latin typeface="Consolas" panose="020B0609020204030204" pitchFamily="49" charset="0"/>
-                <a:cs typeface="Consolas" panose="020B0609020204030204" pitchFamily="49" charset="0"/>
-              </a:rPr>
-              <a:t>scm</a:t>
-            </a:r>
-            <a:r>
-              <a:rPr lang="en-US" sz="1800" b="1" dirty="0">
-                <a:solidFill>
-                  <a:srgbClr val="AA6225"/>
-                </a:solidFill>
-                <a:latin typeface="Consolas" panose="020B0609020204030204" pitchFamily="49" charset="0"/>
-                <a:cs typeface="Consolas" panose="020B0609020204030204" pitchFamily="49" charset="0"/>
-              </a:rPr>
-              <a:t>&gt;</a:t>
-            </a:r>
-          </a:p>
-        </p:txBody>
-      </p:sp>
-      <p:sp>
-        <p:nvSpPr>
-          <p:cNvPr id="8" name="TextBox 7">
-            <a:extLst>
-              <a:ext uri="{FF2B5EF4-FFF2-40B4-BE49-F238E27FC236}">
-                <a16:creationId xmlns:a16="http://schemas.microsoft.com/office/drawing/2014/main" id="{3149FE8A-14DC-1449-945D-D1FC8034D454}"/>
-              </a:ext>
-            </a:extLst>
-          </p:cNvPr>
-          <p:cNvSpPr txBox="1"/>
-          <p:nvPr/>
-        </p:nvSpPr>
-        <p:spPr>
-          <a:xfrm>
-            <a:off x="5115650" y="2436347"/>
-            <a:ext cx="824707" cy="369332"/>
-          </a:xfrm>
-          <a:prstGeom prst="rect">
-            <a:avLst/>
-          </a:prstGeom>
-          <a:noFill/>
-        </p:spPr>
-        <p:txBody>
-          <a:bodyPr wrap="square" rtlCol="0">
-            <a:spAutoFit/>
-          </a:bodyPr>
-          <a:lstStyle/>
-          <a:p>
-            <a:r>
-              <a:rPr lang="en-US" sz="1800" b="1" dirty="0" err="1">
-                <a:solidFill>
-                  <a:srgbClr val="AA6225"/>
-                </a:solidFill>
-                <a:latin typeface="Consolas" panose="020B0609020204030204" pitchFamily="49" charset="0"/>
-                <a:cs typeface="Consolas" panose="020B0609020204030204" pitchFamily="49" charset="0"/>
-              </a:rPr>
-              <a:t>scm</a:t>
-            </a:r>
-            <a:r>
-              <a:rPr lang="en-US" sz="1800" b="1" dirty="0">
-                <a:solidFill>
-                  <a:srgbClr val="AA6225"/>
-                </a:solidFill>
-                <a:latin typeface="Consolas" panose="020B0609020204030204" pitchFamily="49" charset="0"/>
-                <a:cs typeface="Consolas" panose="020B0609020204030204" pitchFamily="49" charset="0"/>
-              </a:rPr>
-              <a:t>&gt;</a:t>
-            </a:r>
-          </a:p>
         </p:txBody>
       </p:sp>
     </p:spTree>
     <p:extLst>
       <p:ext uri="{BB962C8B-B14F-4D97-AF65-F5344CB8AC3E}">
-        <p14:creationId xmlns:p14="http://schemas.microsoft.com/office/powerpoint/2010/main" val="3914522447"/>
+        <p14:creationId xmlns:p14="http://schemas.microsoft.com/office/powerpoint/2010/main" val="885456994"/>
       </p:ext>
     </p:extLst>
   </p:cSld>
@@ -38464,6 +37309,15 @@
               <a:t>(define square (lambda (x) (* x x)))</a:t>
             </a:r>
           </a:p>
+          <a:p>
+            <a:r>
+              <a:rPr lang="en-US" sz="1800" dirty="0">
+                <a:latin typeface="Consolas" panose="020B0609020204030204" pitchFamily="49" charset="0"/>
+                <a:cs typeface="Consolas" panose="020B0609020204030204" pitchFamily="49" charset="0"/>
+              </a:rPr>
+              <a:t>square</a:t>
+            </a:r>
+          </a:p>
         </p:txBody>
       </p:sp>
       <p:sp>
@@ -38512,7 +37366,7 @@
     </p:spTree>
     <p:extLst>
       <p:ext uri="{BB962C8B-B14F-4D97-AF65-F5344CB8AC3E}">
-        <p14:creationId xmlns:p14="http://schemas.microsoft.com/office/powerpoint/2010/main" val="885456994"/>
+        <p14:creationId xmlns:p14="http://schemas.microsoft.com/office/powerpoint/2010/main" val="3400608615"/>
       </p:ext>
     </p:extLst>
   </p:cSld>
@@ -38727,6 +37581,35 @@
               <a:t>square</a:t>
             </a:r>
           </a:p>
+          <a:p>
+            <a:r>
+              <a:rPr lang="en-US" sz="1800" b="1" dirty="0" err="1">
+                <a:solidFill>
+                  <a:srgbClr val="AA6225"/>
+                </a:solidFill>
+                <a:latin typeface="Consolas" panose="020B0609020204030204" pitchFamily="49" charset="0"/>
+                <a:cs typeface="Consolas" panose="020B0609020204030204" pitchFamily="49" charset="0"/>
+              </a:rPr>
+              <a:t>scm</a:t>
+            </a:r>
+            <a:r>
+              <a:rPr lang="en-US" sz="1800" b="1" dirty="0">
+                <a:solidFill>
+                  <a:srgbClr val="AA6225"/>
+                </a:solidFill>
+                <a:latin typeface="Consolas" panose="020B0609020204030204" pitchFamily="49" charset="0"/>
+                <a:cs typeface="Consolas" panose="020B0609020204030204" pitchFamily="49" charset="0"/>
+              </a:rPr>
+              <a:t>&gt; </a:t>
+            </a:r>
+            <a:r>
+              <a:rPr lang="en-US" sz="1800" dirty="0">
+                <a:latin typeface="Consolas" panose="020B0609020204030204" pitchFamily="49" charset="0"/>
+                <a:cs typeface="Consolas" panose="020B0609020204030204" pitchFamily="49" charset="0"/>
+              </a:rPr>
+              <a:t>square</a:t>
+            </a:r>
+          </a:p>
         </p:txBody>
       </p:sp>
       <p:sp>
@@ -38775,7 +37658,7 @@
     </p:spTree>
     <p:extLst>
       <p:ext uri="{BB962C8B-B14F-4D97-AF65-F5344CB8AC3E}">
-        <p14:creationId xmlns:p14="http://schemas.microsoft.com/office/powerpoint/2010/main" val="3400608615"/>
+        <p14:creationId xmlns:p14="http://schemas.microsoft.com/office/powerpoint/2010/main" val="3505773208"/>
       </p:ext>
     </p:extLst>
   </p:cSld>
@@ -39019,6 +37902,15 @@
               <a:t>square</a:t>
             </a:r>
           </a:p>
+          <a:p>
+            <a:r>
+              <a:rPr lang="en-US" sz="1800" dirty="0">
+                <a:latin typeface="Consolas" panose="020B0609020204030204" pitchFamily="49" charset="0"/>
+                <a:cs typeface="Consolas" panose="020B0609020204030204" pitchFamily="49" charset="0"/>
+              </a:rPr>
+              <a:t>(lambda (x) (* x x))</a:t>
+            </a:r>
+          </a:p>
         </p:txBody>
       </p:sp>
       <p:sp>
@@ -39056,6 +37948,9 @@
               <a:buNone/>
             </a:pPr>
             <a:endParaRPr lang="en" sz="1800" dirty="0">
+              <a:solidFill>
+                <a:srgbClr val="5C5C5C"/>
+              </a:solidFill>
               <a:latin typeface="Consolas"/>
               <a:ea typeface="Consolas"/>
               <a:cs typeface="Consolas"/>
@@ -39067,7 +37962,7 @@
     </p:spTree>
     <p:extLst>
       <p:ext uri="{BB962C8B-B14F-4D97-AF65-F5344CB8AC3E}">
-        <p14:creationId xmlns:p14="http://schemas.microsoft.com/office/powerpoint/2010/main" val="3505773208"/>
+        <p14:creationId xmlns:p14="http://schemas.microsoft.com/office/powerpoint/2010/main" val="2155642198"/>
       </p:ext>
     </p:extLst>
   </p:cSld>
@@ -39356,310 +38251,6 @@
               </a:spcAft>
               <a:buNone/>
             </a:pPr>
-            <a:endParaRPr lang="en" sz="1800" dirty="0">
-              <a:solidFill>
-                <a:srgbClr val="5C5C5C"/>
-              </a:solidFill>
-              <a:latin typeface="Consolas"/>
-              <a:ea typeface="Consolas"/>
-              <a:cs typeface="Consolas"/>
-              <a:sym typeface="Consolas"/>
-            </a:endParaRPr>
-          </a:p>
-        </p:txBody>
-      </p:sp>
-    </p:spTree>
-    <p:extLst>
-      <p:ext uri="{BB962C8B-B14F-4D97-AF65-F5344CB8AC3E}">
-        <p14:creationId xmlns:p14="http://schemas.microsoft.com/office/powerpoint/2010/main" val="2155642198"/>
-      </p:ext>
-    </p:extLst>
-  </p:cSld>
-  <p:clrMapOvr>
-    <a:masterClrMapping/>
-  </p:clrMapOvr>
-</p:sld>
-</file>
-
-<file path=ppt/slides/slide37.xml><?xml version="1.0" encoding="utf-8"?>
-<p:sld xmlns:a="http://schemas.openxmlformats.org/drawingml/2006/main" xmlns:r="http://schemas.openxmlformats.org/officeDocument/2006/relationships" xmlns:p="http://schemas.openxmlformats.org/presentationml/2006/main">
-  <p:cSld>
-    <p:spTree>
-      <p:nvGrpSpPr>
-        <p:cNvPr id="1" name="Shape 308"/>
-        <p:cNvGrpSpPr/>
-        <p:nvPr/>
-      </p:nvGrpSpPr>
-      <p:grpSpPr>
-        <a:xfrm>
-          <a:off x="0" y="0"/>
-          <a:ext cx="0" cy="0"/>
-          <a:chOff x="0" y="0"/>
-          <a:chExt cx="0" cy="0"/>
-        </a:xfrm>
-      </p:grpSpPr>
-      <p:sp>
-        <p:nvSpPr>
-          <p:cNvPr id="309" name="Shape 309"/>
-          <p:cNvSpPr txBox="1">
-            <a:spLocks noGrp="1"/>
-          </p:cNvSpPr>
-          <p:nvPr>
-            <p:ph type="title"/>
-          </p:nvPr>
-        </p:nvSpPr>
-        <p:spPr>
-          <a:xfrm>
-            <a:off x="1303800" y="598575"/>
-            <a:ext cx="7030500" cy="999300"/>
-          </a:xfrm>
-          <a:prstGeom prst="rect">
-            <a:avLst/>
-          </a:prstGeom>
-        </p:spPr>
-        <p:txBody>
-          <a:bodyPr spcFirstLastPara="1" wrap="square" lIns="91425" tIns="91425" rIns="91425" bIns="91425" anchor="t" anchorCtr="0">
-            <a:noAutofit/>
-          </a:bodyPr>
-          <a:lstStyle/>
-          <a:p>
-            <a:pPr marL="0" lvl="0" indent="0" rtl="0">
-              <a:spcBef>
-                <a:spcPts val="0"/>
-              </a:spcBef>
-              <a:spcAft>
-                <a:spcPts val="0"/>
-              </a:spcAft>
-              <a:buNone/>
-            </a:pPr>
-            <a:r>
-              <a:rPr lang="en" dirty="0"/>
-              <a:t>Scheme to Python (Def Statements)</a:t>
-            </a:r>
-            <a:endParaRPr dirty="0"/>
-          </a:p>
-        </p:txBody>
-      </p:sp>
-      <p:sp>
-        <p:nvSpPr>
-          <p:cNvPr id="310" name="Shape 310"/>
-          <p:cNvSpPr/>
-          <p:nvPr/>
-        </p:nvSpPr>
-        <p:spPr>
-          <a:xfrm>
-            <a:off x="662974" y="1464375"/>
-            <a:ext cx="8202875" cy="1639559"/>
-          </a:xfrm>
-          <a:prstGeom prst="rect">
-            <a:avLst/>
-          </a:prstGeom>
-          <a:solidFill>
-            <a:srgbClr val="EAD1DC"/>
-          </a:solidFill>
-          <a:ln>
-            <a:noFill/>
-          </a:ln>
-        </p:spPr>
-        <p:txBody>
-          <a:bodyPr spcFirstLastPara="1" wrap="square" lIns="91425" tIns="91425" rIns="91425" bIns="91425" anchor="ctr" anchorCtr="0">
-            <a:noAutofit/>
-          </a:bodyPr>
-          <a:lstStyle/>
-          <a:p>
-            <a:pPr marL="0" lvl="0" indent="0" rtl="0">
-              <a:spcBef>
-                <a:spcPts val="0"/>
-              </a:spcBef>
-              <a:spcAft>
-                <a:spcPts val="0"/>
-              </a:spcAft>
-              <a:buNone/>
-            </a:pPr>
-            <a:endParaRPr/>
-          </a:p>
-        </p:txBody>
-      </p:sp>
-      <p:sp>
-        <p:nvSpPr>
-          <p:cNvPr id="311" name="Shape 311"/>
-          <p:cNvSpPr/>
-          <p:nvPr/>
-        </p:nvSpPr>
-        <p:spPr>
-          <a:xfrm>
-            <a:off x="662974" y="3205934"/>
-            <a:ext cx="8202875" cy="1715940"/>
-          </a:xfrm>
-          <a:prstGeom prst="rect">
-            <a:avLst/>
-          </a:prstGeom>
-          <a:solidFill>
-            <a:srgbClr val="D4D4D4"/>
-          </a:solidFill>
-          <a:ln>
-            <a:noFill/>
-          </a:ln>
-        </p:spPr>
-        <p:txBody>
-          <a:bodyPr spcFirstLastPara="1" wrap="square" lIns="91425" tIns="91425" rIns="91425" bIns="91425" anchor="ctr" anchorCtr="0">
-            <a:noAutofit/>
-          </a:bodyPr>
-          <a:lstStyle/>
-          <a:p>
-            <a:pPr marL="0" lvl="0" indent="0">
-              <a:spcBef>
-                <a:spcPts val="0"/>
-              </a:spcBef>
-              <a:spcAft>
-                <a:spcPts val="0"/>
-              </a:spcAft>
-              <a:buNone/>
-            </a:pPr>
-            <a:endParaRPr>
-              <a:solidFill>
-                <a:srgbClr val="EAD1DC"/>
-              </a:solidFill>
-            </a:endParaRPr>
-          </a:p>
-        </p:txBody>
-      </p:sp>
-      <p:sp>
-        <p:nvSpPr>
-          <p:cNvPr id="312" name="Shape 312"/>
-          <p:cNvSpPr txBox="1"/>
-          <p:nvPr/>
-        </p:nvSpPr>
-        <p:spPr>
-          <a:xfrm>
-            <a:off x="772249" y="1566375"/>
-            <a:ext cx="7965351" cy="1429186"/>
-          </a:xfrm>
-          <a:prstGeom prst="rect">
-            <a:avLst/>
-          </a:prstGeom>
-          <a:noFill/>
-          <a:ln>
-            <a:noFill/>
-          </a:ln>
-        </p:spPr>
-        <p:txBody>
-          <a:bodyPr spcFirstLastPara="1" wrap="square" lIns="91425" tIns="91425" rIns="91425" bIns="91425" anchor="t" anchorCtr="0">
-            <a:noAutofit/>
-          </a:bodyPr>
-          <a:lstStyle/>
-          <a:p>
-            <a:r>
-              <a:rPr lang="en-US" sz="1800" b="1" dirty="0" err="1">
-                <a:solidFill>
-                  <a:srgbClr val="AA6225"/>
-                </a:solidFill>
-                <a:latin typeface="Consolas" panose="020B0609020204030204" pitchFamily="49" charset="0"/>
-                <a:cs typeface="Consolas" panose="020B0609020204030204" pitchFamily="49" charset="0"/>
-              </a:rPr>
-              <a:t>scm</a:t>
-            </a:r>
-            <a:r>
-              <a:rPr lang="en-US" sz="1800" b="1" dirty="0">
-                <a:solidFill>
-                  <a:srgbClr val="AA6225"/>
-                </a:solidFill>
-                <a:latin typeface="Consolas" panose="020B0609020204030204" pitchFamily="49" charset="0"/>
-                <a:cs typeface="Consolas" panose="020B0609020204030204" pitchFamily="49" charset="0"/>
-              </a:rPr>
-              <a:t>&gt; </a:t>
-            </a:r>
-            <a:r>
-              <a:rPr lang="en-US" sz="1800" dirty="0">
-                <a:latin typeface="Consolas" panose="020B0609020204030204" pitchFamily="49" charset="0"/>
-                <a:cs typeface="Consolas" panose="020B0609020204030204" pitchFamily="49" charset="0"/>
-              </a:rPr>
-              <a:t>(define square (lambda (x) (* x x)))</a:t>
-            </a:r>
-          </a:p>
-          <a:p>
-            <a:r>
-              <a:rPr lang="en-US" sz="1800" dirty="0">
-                <a:latin typeface="Consolas" panose="020B0609020204030204" pitchFamily="49" charset="0"/>
-                <a:cs typeface="Consolas" panose="020B0609020204030204" pitchFamily="49" charset="0"/>
-              </a:rPr>
-              <a:t>square</a:t>
-            </a:r>
-          </a:p>
-          <a:p>
-            <a:r>
-              <a:rPr lang="en-US" sz="1800" b="1" dirty="0" err="1">
-                <a:solidFill>
-                  <a:srgbClr val="AA6225"/>
-                </a:solidFill>
-                <a:latin typeface="Consolas" panose="020B0609020204030204" pitchFamily="49" charset="0"/>
-                <a:cs typeface="Consolas" panose="020B0609020204030204" pitchFamily="49" charset="0"/>
-              </a:rPr>
-              <a:t>scm</a:t>
-            </a:r>
-            <a:r>
-              <a:rPr lang="en-US" sz="1800" b="1" dirty="0">
-                <a:solidFill>
-                  <a:srgbClr val="AA6225"/>
-                </a:solidFill>
-                <a:latin typeface="Consolas" panose="020B0609020204030204" pitchFamily="49" charset="0"/>
-                <a:cs typeface="Consolas" panose="020B0609020204030204" pitchFamily="49" charset="0"/>
-              </a:rPr>
-              <a:t>&gt; </a:t>
-            </a:r>
-            <a:r>
-              <a:rPr lang="en-US" sz="1800" dirty="0">
-                <a:latin typeface="Consolas" panose="020B0609020204030204" pitchFamily="49" charset="0"/>
-                <a:cs typeface="Consolas" panose="020B0609020204030204" pitchFamily="49" charset="0"/>
-              </a:rPr>
-              <a:t>square</a:t>
-            </a:r>
-          </a:p>
-          <a:p>
-            <a:r>
-              <a:rPr lang="en-US" sz="1800" dirty="0">
-                <a:latin typeface="Consolas" panose="020B0609020204030204" pitchFamily="49" charset="0"/>
-                <a:cs typeface="Consolas" panose="020B0609020204030204" pitchFamily="49" charset="0"/>
-              </a:rPr>
-              <a:t>(lambda (x) (* x x))</a:t>
-            </a:r>
-          </a:p>
-        </p:txBody>
-      </p:sp>
-      <p:sp>
-        <p:nvSpPr>
-          <p:cNvPr id="313" name="Shape 313"/>
-          <p:cNvSpPr txBox="1"/>
-          <p:nvPr/>
-        </p:nvSpPr>
-        <p:spPr>
-          <a:xfrm>
-            <a:off x="772250" y="3278293"/>
-            <a:ext cx="7836658" cy="1530182"/>
-          </a:xfrm>
-          <a:prstGeom prst="rect">
-            <a:avLst/>
-          </a:prstGeom>
-          <a:noFill/>
-          <a:ln>
-            <a:noFill/>
-          </a:ln>
-        </p:spPr>
-        <p:txBody>
-          <a:bodyPr spcFirstLastPara="1" wrap="square" lIns="91425" tIns="91425" rIns="91425" bIns="91425" anchor="t" anchorCtr="0">
-            <a:noAutofit/>
-          </a:bodyPr>
-          <a:lstStyle/>
-          <a:p>
-            <a:pPr marL="0" lvl="0" indent="0" rtl="0">
-              <a:spcBef>
-                <a:spcPts val="0"/>
-              </a:spcBef>
-              <a:spcAft>
-                <a:spcPts val="0"/>
-              </a:spcAft>
-              <a:buNone/>
-            </a:pPr>
             <a:r>
               <a:rPr lang="en" sz="1800" dirty="0">
                 <a:solidFill>
@@ -39741,7 +38332,7 @@
 </p:sld>
 </file>
 
-<file path=ppt/slides/slide38.xml><?xml version="1.0" encoding="utf-8"?>
+<file path=ppt/slides/slide37.xml><?xml version="1.0" encoding="utf-8"?>
 <p:sld xmlns:a="http://schemas.openxmlformats.org/drawingml/2006/main" xmlns:r="http://schemas.openxmlformats.org/officeDocument/2006/relationships" xmlns:p="http://schemas.openxmlformats.org/presentationml/2006/main">
   <p:cSld>
     <p:spTree>
@@ -40264,9 +38855,6 @@
                     <p:cTn id="3" fill="hold">
                       <p:stCondLst>
                         <p:cond delay="indefinite"/>
-                        <p:cond evt="onBegin" delay="0">
-                          <p:tn val="2"/>
-                        </p:cond>
                       </p:stCondLst>
                       <p:childTnLst>
                         <p:par>
@@ -40276,7 +38864,7 @@
                             </p:stCondLst>
                             <p:childTnLst>
                               <p:par>
-                                <p:cTn id="5" presetID="1" presetClass="entr" presetSubtype="0" fill="hold" grpId="0" nodeType="withEffect">
+                                <p:cTn id="5" presetID="1" presetClass="entr" presetSubtype="0" fill="hold" grpId="0" nodeType="clickEffect">
                                   <p:stCondLst>
                                     <p:cond delay="0"/>
                                   </p:stCondLst>
@@ -40302,33 +38890,15 @@
                                   </p:childTnLst>
                                 </p:cTn>
                               </p:par>
-                            </p:childTnLst>
-                          </p:cTn>
-                        </p:par>
-                      </p:childTnLst>
-                    </p:cTn>
-                  </p:par>
-                  <p:par>
-                    <p:cTn id="7" fill="hold">
-                      <p:stCondLst>
-                        <p:cond delay="indefinite"/>
-                      </p:stCondLst>
-                      <p:childTnLst>
-                        <p:par>
-                          <p:cTn id="8" fill="hold">
-                            <p:stCondLst>
-                              <p:cond delay="0"/>
-                            </p:stCondLst>
-                            <p:childTnLst>
                               <p:par>
-                                <p:cTn id="9" presetID="1" presetClass="entr" presetSubtype="0" fill="hold" nodeType="clickEffect">
+                                <p:cTn id="7" presetID="1" presetClass="entr" presetSubtype="0" fill="hold" nodeType="withEffect">
                                   <p:stCondLst>
                                     <p:cond delay="0"/>
                                   </p:stCondLst>
                                   <p:childTnLst>
                                     <p:set>
                                       <p:cBhvr>
-                                        <p:cTn id="10" dur="1" fill="hold">
+                                        <p:cTn id="8" dur="1" fill="hold">
                                           <p:stCondLst>
                                             <p:cond delay="0"/>
                                           </p:stCondLst>
@@ -40381,7 +38951,7 @@
 </p:sld>
 </file>
 
-<file path=ppt/slides/slide39.xml><?xml version="1.0" encoding="utf-8"?>
+<file path=ppt/slides/slide38.xml><?xml version="1.0" encoding="utf-8"?>
 <p:sld xmlns:a="http://schemas.openxmlformats.org/drawingml/2006/main" xmlns:r="http://schemas.openxmlformats.org/officeDocument/2006/relationships" xmlns:p="http://schemas.openxmlformats.org/presentationml/2006/main">
   <p:cSld>
     <p:spTree>
@@ -40892,203 +39462,10 @@
   <p:clrMapOvr>
     <a:masterClrMapping/>
   </p:clrMapOvr>
-  <p:timing>
-    <p:tnLst>
-      <p:par>
-        <p:cTn id="1" dur="indefinite" restart="never" nodeType="tmRoot">
-          <p:childTnLst>
-            <p:seq concurrent="1" nextAc="seek">
-              <p:cTn id="2" dur="indefinite" nodeType="mainSeq">
-                <p:childTnLst>
-                  <p:par>
-                    <p:cTn id="3" fill="hold">
-                      <p:stCondLst>
-                        <p:cond delay="indefinite"/>
-                        <p:cond evt="onBegin" delay="0">
-                          <p:tn val="2"/>
-                        </p:cond>
-                      </p:stCondLst>
-                      <p:childTnLst>
-                        <p:par>
-                          <p:cTn id="4" fill="hold">
-                            <p:stCondLst>
-                              <p:cond delay="0"/>
-                            </p:stCondLst>
-                            <p:childTnLst>
-                              <p:par>
-                                <p:cTn id="5" presetID="1" presetClass="entr" presetSubtype="0" fill="hold" grpId="0" nodeType="withEffect">
-                                  <p:stCondLst>
-                                    <p:cond delay="0"/>
-                                  </p:stCondLst>
-                                  <p:childTnLst>
-                                    <p:set>
-                                      <p:cBhvr>
-                                        <p:cTn id="6" dur="1" fill="hold">
-                                          <p:stCondLst>
-                                            <p:cond delay="0"/>
-                                          </p:stCondLst>
-                                        </p:cTn>
-                                        <p:tgtEl>
-                                          <p:spTgt spid="7"/>
-                                        </p:tgtEl>
-                                        <p:attrNameLst>
-                                          <p:attrName>style.visibility</p:attrName>
-                                        </p:attrNameLst>
-                                      </p:cBhvr>
-                                      <p:to>
-                                        <p:strVal val="visible"/>
-                                      </p:to>
-                                    </p:set>
-                                  </p:childTnLst>
-                                </p:cTn>
-                              </p:par>
-                            </p:childTnLst>
-                          </p:cTn>
-                        </p:par>
-                      </p:childTnLst>
-                    </p:cTn>
-                  </p:par>
-                  <p:par>
-                    <p:cTn id="7" fill="hold">
-                      <p:stCondLst>
-                        <p:cond delay="indefinite"/>
-                      </p:stCondLst>
-                      <p:childTnLst>
-                        <p:par>
-                          <p:cTn id="8" fill="hold">
-                            <p:stCondLst>
-                              <p:cond delay="0"/>
-                            </p:stCondLst>
-                            <p:childTnLst>
-                              <p:par>
-                                <p:cTn id="9" presetID="1" presetClass="entr" presetSubtype="0" fill="hold" nodeType="clickEffect">
-                                  <p:stCondLst>
-                                    <p:cond delay="0"/>
-                                  </p:stCondLst>
-                                  <p:childTnLst>
-                                    <p:set>
-                                      <p:cBhvr>
-                                        <p:cTn id="10" dur="1" fill="hold">
-                                          <p:stCondLst>
-                                            <p:cond delay="0"/>
-                                          </p:stCondLst>
-                                        </p:cTn>
-                                        <p:tgtEl>
-                                          <p:spTgt spid="8"/>
-                                        </p:tgtEl>
-                                        <p:attrNameLst>
-                                          <p:attrName>style.visibility</p:attrName>
-                                        </p:attrNameLst>
-                                      </p:cBhvr>
-                                      <p:to>
-                                        <p:strVal val="visible"/>
-                                      </p:to>
-                                    </p:set>
-                                  </p:childTnLst>
-                                </p:cTn>
-                              </p:par>
-                            </p:childTnLst>
-                          </p:cTn>
-                        </p:par>
-                      </p:childTnLst>
-                    </p:cTn>
-                  </p:par>
-                </p:childTnLst>
-              </p:cTn>
-              <p:prevCondLst>
-                <p:cond evt="onPrev" delay="0">
-                  <p:tgtEl>
-                    <p:sldTgt/>
-                  </p:tgtEl>
-                </p:cond>
-              </p:prevCondLst>
-              <p:nextCondLst>
-                <p:cond evt="onNext" delay="0">
-                  <p:tgtEl>
-                    <p:sldTgt/>
-                  </p:tgtEl>
-                </p:cond>
-              </p:nextCondLst>
-            </p:seq>
-          </p:childTnLst>
-        </p:cTn>
-      </p:par>
-    </p:tnLst>
-    <p:bldLst>
-      <p:bldP spid="7" grpId="0" animBg="1"/>
-    </p:bldLst>
-  </p:timing>
 </p:sld>
 </file>
 
-<file path=ppt/slides/slide4.xml><?xml version="1.0" encoding="utf-8"?>
-<p:sld xmlns:a="http://schemas.openxmlformats.org/drawingml/2006/main" xmlns:r="http://schemas.openxmlformats.org/officeDocument/2006/relationships" xmlns:p="http://schemas.openxmlformats.org/presentationml/2006/main">
-  <p:cSld>
-    <p:spTree>
-      <p:nvGrpSpPr>
-        <p:cNvPr id="1" name="Shape 287"/>
-        <p:cNvGrpSpPr/>
-        <p:nvPr/>
-      </p:nvGrpSpPr>
-      <p:grpSpPr>
-        <a:xfrm>
-          <a:off x="0" y="0"/>
-          <a:ext cx="0" cy="0"/>
-          <a:chOff x="0" y="0"/>
-          <a:chExt cx="0" cy="0"/>
-        </a:xfrm>
-      </p:grpSpPr>
-      <p:sp>
-        <p:nvSpPr>
-          <p:cNvPr id="288" name="Shape 288"/>
-          <p:cNvSpPr txBox="1">
-            <a:spLocks noGrp="1"/>
-          </p:cNvSpPr>
-          <p:nvPr>
-            <p:ph type="title"/>
-          </p:nvPr>
-        </p:nvSpPr>
-        <p:spPr>
-          <a:xfrm>
-            <a:off x="824000" y="763600"/>
-            <a:ext cx="5857800" cy="3573300"/>
-          </a:xfrm>
-          <a:prstGeom prst="rect">
-            <a:avLst/>
-          </a:prstGeom>
-        </p:spPr>
-        <p:txBody>
-          <a:bodyPr spcFirstLastPara="1" wrap="square" lIns="91425" tIns="91425" rIns="91425" bIns="91425" anchor="ctr" anchorCtr="0">
-            <a:noAutofit/>
-          </a:bodyPr>
-          <a:lstStyle/>
-          <a:p>
-            <a:pPr marL="0" lvl="0" indent="0">
-              <a:spcBef>
-                <a:spcPts val="0"/>
-              </a:spcBef>
-              <a:spcAft>
-                <a:spcPts val="0"/>
-              </a:spcAft>
-              <a:buNone/>
-            </a:pPr>
-            <a:r>
-              <a:rPr lang="en"/>
-              <a:t>Intro to Scheme</a:t>
-            </a:r>
-            <a:endParaRPr/>
-          </a:p>
-        </p:txBody>
-      </p:sp>
-    </p:spTree>
-  </p:cSld>
-  <p:clrMapOvr>
-    <a:masterClrMapping/>
-  </p:clrMapOvr>
-</p:sld>
-</file>
-
-<file path=ppt/slides/slide40.xml><?xml version="1.0" encoding="utf-8"?>
+<file path=ppt/slides/slide39.xml><?xml version="1.0" encoding="utf-8"?>
 <p:sld xmlns:a="http://schemas.openxmlformats.org/drawingml/2006/main" xmlns:r="http://schemas.openxmlformats.org/officeDocument/2006/relationships" xmlns:p="http://schemas.openxmlformats.org/presentationml/2006/main">
   <p:cSld>
     <p:spTree>
@@ -41463,7 +39840,7 @@
                 <a:cs typeface="Consolas"/>
                 <a:sym typeface="Consolas"/>
               </a:rPr>
-              <a:t> square= lambda x: x * x</a:t>
+              <a:t> square = lambda x: x * x</a:t>
             </a:r>
             <a:endParaRPr lang="en" sz="1800" b="1" dirty="0">
               <a:latin typeface="Consolas"/>
@@ -41690,7 +40067,74 @@
 </p:sld>
 </file>
 
-<file path=ppt/slides/slide41.xml><?xml version="1.0" encoding="utf-8"?>
+<file path=ppt/slides/slide4.xml><?xml version="1.0" encoding="utf-8"?>
+<p:sld xmlns:a="http://schemas.openxmlformats.org/drawingml/2006/main" xmlns:r="http://schemas.openxmlformats.org/officeDocument/2006/relationships" xmlns:p="http://schemas.openxmlformats.org/presentationml/2006/main">
+  <p:cSld>
+    <p:spTree>
+      <p:nvGrpSpPr>
+        <p:cNvPr id="1" name="Shape 287"/>
+        <p:cNvGrpSpPr/>
+        <p:nvPr/>
+      </p:nvGrpSpPr>
+      <p:grpSpPr>
+        <a:xfrm>
+          <a:off x="0" y="0"/>
+          <a:ext cx="0" cy="0"/>
+          <a:chOff x="0" y="0"/>
+          <a:chExt cx="0" cy="0"/>
+        </a:xfrm>
+      </p:grpSpPr>
+      <p:sp>
+        <p:nvSpPr>
+          <p:cNvPr id="288" name="Shape 288"/>
+          <p:cNvSpPr txBox="1">
+            <a:spLocks noGrp="1"/>
+          </p:cNvSpPr>
+          <p:nvPr>
+            <p:ph type="title"/>
+          </p:nvPr>
+        </p:nvSpPr>
+        <p:spPr>
+          <a:xfrm>
+            <a:off x="824000" y="763600"/>
+            <a:ext cx="5857800" cy="3573300"/>
+          </a:xfrm>
+          <a:prstGeom prst="rect">
+            <a:avLst/>
+          </a:prstGeom>
+        </p:spPr>
+        <p:txBody>
+          <a:bodyPr spcFirstLastPara="1" wrap="square" lIns="91425" tIns="91425" rIns="91425" bIns="91425" anchor="ctr" anchorCtr="0">
+            <a:noAutofit/>
+          </a:bodyPr>
+          <a:lstStyle/>
+          <a:p>
+            <a:pPr marL="0" lvl="0" indent="0">
+              <a:spcBef>
+                <a:spcPts val="0"/>
+              </a:spcBef>
+              <a:spcAft>
+                <a:spcPts val="0"/>
+              </a:spcAft>
+              <a:buNone/>
+            </a:pPr>
+            <a:r>
+              <a:rPr lang="en"/>
+              <a:t>Intro to Scheme</a:t>
+            </a:r>
+            <a:endParaRPr/>
+          </a:p>
+        </p:txBody>
+      </p:sp>
+    </p:spTree>
+  </p:cSld>
+  <p:clrMapOvr>
+    <a:masterClrMapping/>
+  </p:clrMapOvr>
+</p:sld>
+</file>
+
+<file path=ppt/slides/slide40.xml><?xml version="1.0" encoding="utf-8"?>
 <p:sld xmlns:a="http://schemas.openxmlformats.org/drawingml/2006/main" xmlns:r="http://schemas.openxmlformats.org/officeDocument/2006/relationships" xmlns:p="http://schemas.openxmlformats.org/presentationml/2006/main">
   <p:cSld>
     <p:spTree>
@@ -42040,7 +40484,7 @@
                 <a:cs typeface="Consolas"/>
                 <a:sym typeface="Consolas"/>
               </a:rPr>
-              <a:t> square= lambda x: x * x</a:t>
+              <a:t> square = lambda x: x * x</a:t>
             </a:r>
             <a:endParaRPr lang="en" sz="1800" b="1" dirty="0">
               <a:latin typeface="Consolas"/>
@@ -42064,7 +40508,7 @@
 </p:sld>
 </file>
 
-<file path=ppt/slides/slide42.xml><?xml version="1.0" encoding="utf-8"?>
+<file path=ppt/slides/slide41.xml><?xml version="1.0" encoding="utf-8"?>
 <p:sld xmlns:a="http://schemas.openxmlformats.org/drawingml/2006/main" xmlns:r="http://schemas.openxmlformats.org/officeDocument/2006/relationships" xmlns:p="http://schemas.openxmlformats.org/presentationml/2006/main">
   <p:cSld>
     <p:spTree>
@@ -42616,6 +41060,432 @@
 </p:sld>
 </file>
 
+<file path=ppt/slides/slide42.xml><?xml version="1.0" encoding="utf-8"?>
+<p:sld xmlns:a="http://schemas.openxmlformats.org/drawingml/2006/main" xmlns:r="http://schemas.openxmlformats.org/officeDocument/2006/relationships" xmlns:p="http://schemas.openxmlformats.org/presentationml/2006/main">
+  <p:cSld>
+    <p:spTree>
+      <p:nvGrpSpPr>
+        <p:cNvPr id="1" name=""/>
+        <p:cNvGrpSpPr/>
+        <p:nvPr/>
+      </p:nvGrpSpPr>
+      <p:grpSpPr>
+        <a:xfrm>
+          <a:off x="0" y="0"/>
+          <a:ext cx="0" cy="0"/>
+          <a:chOff x="0" y="0"/>
+          <a:chExt cx="0" cy="0"/>
+        </a:xfrm>
+      </p:grpSpPr>
+      <p:sp>
+        <p:nvSpPr>
+          <p:cNvPr id="17" name="Shape 311">
+            <a:extLst>
+              <a:ext uri="{FF2B5EF4-FFF2-40B4-BE49-F238E27FC236}">
+                <a16:creationId xmlns:a16="http://schemas.microsoft.com/office/drawing/2014/main" id="{5A587CDF-A5C7-3841-9176-EAF0B8D368BE}"/>
+              </a:ext>
+            </a:extLst>
+          </p:cNvPr>
+          <p:cNvSpPr/>
+          <p:nvPr/>
+        </p:nvSpPr>
+        <p:spPr>
+          <a:xfrm>
+            <a:off x="5022124" y="1464375"/>
+            <a:ext cx="3843725" cy="3457500"/>
+          </a:xfrm>
+          <a:prstGeom prst="rect">
+            <a:avLst/>
+          </a:prstGeom>
+          <a:solidFill>
+            <a:srgbClr val="EAD1DC"/>
+          </a:solidFill>
+          <a:ln>
+            <a:noFill/>
+          </a:ln>
+        </p:spPr>
+        <p:txBody>
+          <a:bodyPr spcFirstLastPara="1" wrap="square" lIns="91425" tIns="91425" rIns="91425" bIns="91425" anchor="ctr" anchorCtr="0">
+            <a:noAutofit/>
+          </a:bodyPr>
+          <a:lstStyle/>
+          <a:p>
+            <a:pPr marL="0" lvl="0" indent="0">
+              <a:spcBef>
+                <a:spcPts val="0"/>
+              </a:spcBef>
+              <a:spcAft>
+                <a:spcPts val="0"/>
+              </a:spcAft>
+              <a:buNone/>
+            </a:pPr>
+            <a:endParaRPr>
+              <a:solidFill>
+                <a:srgbClr val="EAD1DC"/>
+              </a:solidFill>
+            </a:endParaRPr>
+          </a:p>
+        </p:txBody>
+      </p:sp>
+      <p:sp>
+        <p:nvSpPr>
+          <p:cNvPr id="16" name="Shape 310">
+            <a:extLst>
+              <a:ext uri="{FF2B5EF4-FFF2-40B4-BE49-F238E27FC236}">
+                <a16:creationId xmlns:a16="http://schemas.microsoft.com/office/drawing/2014/main" id="{920593CA-0F80-D441-8877-301A2FAD367E}"/>
+              </a:ext>
+            </a:extLst>
+          </p:cNvPr>
+          <p:cNvSpPr/>
+          <p:nvPr/>
+        </p:nvSpPr>
+        <p:spPr>
+          <a:xfrm>
+            <a:off x="662975" y="1464375"/>
+            <a:ext cx="3606300" cy="3457500"/>
+          </a:xfrm>
+          <a:prstGeom prst="rect">
+            <a:avLst/>
+          </a:prstGeom>
+          <a:solidFill>
+            <a:srgbClr val="D9D9D9"/>
+          </a:solidFill>
+          <a:ln>
+            <a:noFill/>
+          </a:ln>
+        </p:spPr>
+        <p:txBody>
+          <a:bodyPr spcFirstLastPara="1" wrap="square" lIns="91425" tIns="91425" rIns="91425" bIns="91425" anchor="ctr" anchorCtr="0">
+            <a:noAutofit/>
+          </a:bodyPr>
+          <a:lstStyle/>
+          <a:p>
+            <a:pPr marL="0" lvl="0" indent="0" rtl="0">
+              <a:spcBef>
+                <a:spcPts val="0"/>
+              </a:spcBef>
+              <a:spcAft>
+                <a:spcPts val="0"/>
+              </a:spcAft>
+              <a:buNone/>
+            </a:pPr>
+            <a:endParaRPr/>
+          </a:p>
+        </p:txBody>
+      </p:sp>
+      <p:sp>
+        <p:nvSpPr>
+          <p:cNvPr id="11" name="Shape 309">
+            <a:extLst>
+              <a:ext uri="{FF2B5EF4-FFF2-40B4-BE49-F238E27FC236}">
+                <a16:creationId xmlns:a16="http://schemas.microsoft.com/office/drawing/2014/main" id="{07824910-0D3F-3E4B-B9D8-F71C5426DCF4}"/>
+              </a:ext>
+            </a:extLst>
+          </p:cNvPr>
+          <p:cNvSpPr txBox="1">
+            <a:spLocks noGrp="1"/>
+          </p:cNvSpPr>
+          <p:nvPr>
+            <p:ph type="title"/>
+          </p:nvPr>
+        </p:nvSpPr>
+        <p:spPr>
+          <a:xfrm>
+            <a:off x="1303800" y="598575"/>
+            <a:ext cx="7030500" cy="999300"/>
+          </a:xfrm>
+          <a:prstGeom prst="rect">
+            <a:avLst/>
+          </a:prstGeom>
+        </p:spPr>
+        <p:txBody>
+          <a:bodyPr spcFirstLastPara="1" wrap="square" lIns="91425" tIns="91425" rIns="91425" bIns="91425" anchor="t" anchorCtr="0">
+            <a:noAutofit/>
+          </a:bodyPr>
+          <a:lstStyle/>
+          <a:p>
+            <a:pPr marL="0" lvl="0" indent="0" rtl="0">
+              <a:spcBef>
+                <a:spcPts val="0"/>
+              </a:spcBef>
+              <a:spcAft>
+                <a:spcPts val="0"/>
+              </a:spcAft>
+              <a:buNone/>
+            </a:pPr>
+            <a:r>
+              <a:rPr lang="en" dirty="0"/>
+              <a:t>Python to Scheme (IF Special Form)</a:t>
+            </a:r>
+            <a:endParaRPr dirty="0"/>
+          </a:p>
+        </p:txBody>
+      </p:sp>
+      <p:sp>
+        <p:nvSpPr>
+          <p:cNvPr id="12" name="Shape 312">
+            <a:extLst>
+              <a:ext uri="{FF2B5EF4-FFF2-40B4-BE49-F238E27FC236}">
+                <a16:creationId xmlns:a16="http://schemas.microsoft.com/office/drawing/2014/main" id="{D241208D-13E6-9242-84D9-E734468E5866}"/>
+              </a:ext>
+            </a:extLst>
+          </p:cNvPr>
+          <p:cNvSpPr txBox="1"/>
+          <p:nvPr/>
+        </p:nvSpPr>
+        <p:spPr>
+          <a:xfrm>
+            <a:off x="772250" y="1566375"/>
+            <a:ext cx="3395100" cy="3242100"/>
+          </a:xfrm>
+          <a:prstGeom prst="rect">
+            <a:avLst/>
+          </a:prstGeom>
+          <a:noFill/>
+          <a:ln>
+            <a:noFill/>
+          </a:ln>
+        </p:spPr>
+        <p:txBody>
+          <a:bodyPr spcFirstLastPara="1" wrap="square" lIns="91425" tIns="91425" rIns="91425" bIns="91425" anchor="t" anchorCtr="0">
+            <a:noAutofit/>
+          </a:bodyPr>
+          <a:lstStyle/>
+          <a:p>
+            <a:pPr marL="0" lvl="0" indent="0" rtl="0">
+              <a:spcBef>
+                <a:spcPts val="0"/>
+              </a:spcBef>
+              <a:spcAft>
+                <a:spcPts val="0"/>
+              </a:spcAft>
+              <a:buNone/>
+            </a:pPr>
+            <a:r>
+              <a:rPr lang="en" sz="1800" b="1" dirty="0">
+                <a:latin typeface="Consolas"/>
+                <a:ea typeface="Consolas"/>
+                <a:cs typeface="Consolas"/>
+                <a:sym typeface="Consolas"/>
+              </a:rPr>
+              <a:t>&gt;&gt;&gt;</a:t>
+            </a:r>
+            <a:r>
+              <a:rPr lang="en" sz="1800" dirty="0">
+                <a:latin typeface="Consolas"/>
+                <a:ea typeface="Consolas"/>
+                <a:cs typeface="Consolas"/>
+                <a:sym typeface="Consolas"/>
+              </a:rPr>
+              <a:t> </a:t>
+            </a:r>
+            <a:r>
+              <a:rPr lang="en" sz="1800" dirty="0">
+                <a:solidFill>
+                  <a:srgbClr val="104BC5"/>
+                </a:solidFill>
+                <a:latin typeface="Consolas"/>
+                <a:ea typeface="Consolas"/>
+                <a:cs typeface="Consolas"/>
+                <a:sym typeface="Consolas"/>
+              </a:rPr>
+              <a:t>if </a:t>
+            </a:r>
+            <a:r>
+              <a:rPr lang="en" sz="1800" b="1" dirty="0">
+                <a:solidFill>
+                  <a:srgbClr val="316B1B"/>
+                </a:solidFill>
+                <a:latin typeface="Consolas"/>
+                <a:ea typeface="Consolas"/>
+                <a:cs typeface="Consolas"/>
+                <a:sym typeface="Consolas"/>
+              </a:rPr>
+              <a:t>True</a:t>
+            </a:r>
+            <a:r>
+              <a:rPr lang="en" sz="1800" dirty="0">
+                <a:latin typeface="Consolas"/>
+                <a:ea typeface="Consolas"/>
+                <a:cs typeface="Consolas"/>
+                <a:sym typeface="Consolas"/>
+              </a:rPr>
+              <a:t>:</a:t>
+            </a:r>
+          </a:p>
+          <a:p>
+            <a:pPr marL="0" lvl="0" indent="0" rtl="0">
+              <a:spcBef>
+                <a:spcPts val="0"/>
+              </a:spcBef>
+              <a:spcAft>
+                <a:spcPts val="0"/>
+              </a:spcAft>
+              <a:buNone/>
+            </a:pPr>
+            <a:r>
+              <a:rPr lang="en" sz="1800" dirty="0">
+                <a:latin typeface="Consolas"/>
+                <a:ea typeface="Consolas"/>
+                <a:cs typeface="Consolas"/>
+                <a:sym typeface="Consolas"/>
+              </a:rPr>
+              <a:t>...   5</a:t>
+            </a:r>
+          </a:p>
+          <a:p>
+            <a:pPr marL="0" lvl="0" indent="0" rtl="0">
+              <a:spcBef>
+                <a:spcPts val="0"/>
+              </a:spcBef>
+              <a:spcAft>
+                <a:spcPts val="0"/>
+              </a:spcAft>
+              <a:buNone/>
+            </a:pPr>
+            <a:r>
+              <a:rPr lang="en" sz="1800" dirty="0">
+                <a:latin typeface="Consolas"/>
+                <a:ea typeface="Consolas"/>
+                <a:cs typeface="Consolas"/>
+                <a:sym typeface="Consolas"/>
+              </a:rPr>
+              <a:t>5</a:t>
+            </a:r>
+          </a:p>
+        </p:txBody>
+      </p:sp>
+      <p:sp>
+        <p:nvSpPr>
+          <p:cNvPr id="13" name="Shape 313">
+            <a:extLst>
+              <a:ext uri="{FF2B5EF4-FFF2-40B4-BE49-F238E27FC236}">
+                <a16:creationId xmlns:a16="http://schemas.microsoft.com/office/drawing/2014/main" id="{7CB8E8AE-E3E4-3C42-BC1C-295A251043A5}"/>
+              </a:ext>
+            </a:extLst>
+          </p:cNvPr>
+          <p:cNvSpPr txBox="1"/>
+          <p:nvPr/>
+        </p:nvSpPr>
+        <p:spPr>
+          <a:xfrm>
+            <a:off x="5115649" y="1566375"/>
+            <a:ext cx="3843725" cy="3242100"/>
+          </a:xfrm>
+          <a:prstGeom prst="rect">
+            <a:avLst/>
+          </a:prstGeom>
+          <a:noFill/>
+          <a:ln>
+            <a:noFill/>
+          </a:ln>
+        </p:spPr>
+        <p:txBody>
+          <a:bodyPr spcFirstLastPara="1" wrap="square" lIns="91425" tIns="91425" rIns="91425" bIns="91425" anchor="t" anchorCtr="0">
+            <a:noAutofit/>
+          </a:bodyPr>
+          <a:lstStyle/>
+          <a:p>
+            <a:pPr lvl="0"/>
+            <a:r>
+              <a:rPr lang="en" sz="1800" b="1" dirty="0" err="1">
+                <a:solidFill>
+                  <a:srgbClr val="EAD1DC"/>
+                </a:solidFill>
+                <a:latin typeface="Consolas"/>
+                <a:ea typeface="Consolas"/>
+                <a:cs typeface="Consolas"/>
+                <a:sym typeface="Consolas"/>
+              </a:rPr>
+              <a:t>scm</a:t>
+            </a:r>
+            <a:r>
+              <a:rPr lang="en" sz="1800" b="1" dirty="0">
+                <a:solidFill>
+                  <a:srgbClr val="EAD1DC"/>
+                </a:solidFill>
+                <a:latin typeface="Consolas"/>
+                <a:ea typeface="Consolas"/>
+                <a:cs typeface="Consolas"/>
+                <a:sym typeface="Consolas"/>
+              </a:rPr>
+              <a:t>&gt; </a:t>
+            </a:r>
+            <a:r>
+              <a:rPr lang="en" sz="1800" dirty="0">
+                <a:solidFill>
+                  <a:srgbClr val="104BC5"/>
+                </a:solidFill>
+                <a:latin typeface="Consolas"/>
+                <a:ea typeface="Consolas"/>
+                <a:cs typeface="Consolas"/>
+                <a:sym typeface="Consolas"/>
+              </a:rPr>
+              <a:t>if </a:t>
+            </a:r>
+            <a:r>
+              <a:rPr lang="en" sz="1800" b="1" dirty="0">
+                <a:solidFill>
+                  <a:srgbClr val="316B1B"/>
+                </a:solidFill>
+                <a:latin typeface="Consolas"/>
+                <a:ea typeface="Consolas"/>
+                <a:cs typeface="Consolas"/>
+                <a:sym typeface="Consolas"/>
+              </a:rPr>
+              <a:t>#t</a:t>
+            </a:r>
+            <a:r>
+              <a:rPr lang="en" sz="1800" dirty="0">
+                <a:latin typeface="Consolas"/>
+                <a:ea typeface="Consolas"/>
+                <a:cs typeface="Consolas"/>
+                <a:sym typeface="Consolas"/>
+              </a:rPr>
+              <a:t> 5</a:t>
+            </a:r>
+            <a:endParaRPr lang="en" sz="1800" b="1" dirty="0">
+              <a:solidFill>
+                <a:srgbClr val="7030A0"/>
+              </a:solidFill>
+              <a:latin typeface="Consolas"/>
+              <a:ea typeface="Consolas"/>
+              <a:cs typeface="Consolas"/>
+              <a:sym typeface="Consolas"/>
+            </a:endParaRPr>
+          </a:p>
+          <a:p>
+            <a:pPr marL="0" lvl="0" indent="0" rtl="0">
+              <a:spcBef>
+                <a:spcPts val="0"/>
+              </a:spcBef>
+              <a:spcAft>
+                <a:spcPts val="0"/>
+              </a:spcAft>
+              <a:buNone/>
+            </a:pPr>
+            <a:endParaRPr lang="en" sz="1800" dirty="0">
+              <a:latin typeface="Consolas"/>
+              <a:ea typeface="Consolas"/>
+              <a:cs typeface="Consolas"/>
+              <a:sym typeface="Consolas"/>
+            </a:endParaRPr>
+          </a:p>
+        </p:txBody>
+      </p:sp>
+    </p:spTree>
+    <p:extLst>
+      <p:ext uri="{BB962C8B-B14F-4D97-AF65-F5344CB8AC3E}">
+        <p14:creationId xmlns:p14="http://schemas.microsoft.com/office/powerpoint/2010/main" val="274135309"/>
+      </p:ext>
+    </p:extLst>
+  </p:cSld>
+  <p:clrMapOvr>
+    <a:masterClrMapping/>
+  </p:clrMapOvr>
+</p:sld>
+</file>
+
 <file path=ppt/slides/slide43.xml><?xml version="1.0" encoding="utf-8"?>
 <p:sld xmlns:a="http://schemas.openxmlformats.org/drawingml/2006/main" xmlns:r="http://schemas.openxmlformats.org/officeDocument/2006/relationships" xmlns:p="http://schemas.openxmlformats.org/presentationml/2006/main">
   <p:cSld>
@@ -42968,6 +41838,18 @@
               <a:t>&gt; </a:t>
             </a:r>
             <a:r>
+              <a:rPr lang="en" sz="1800" b="1" dirty="0">
+                <a:solidFill>
+                  <a:srgbClr val="7030A0"/>
+                </a:solidFill>
+                <a:latin typeface="Consolas"/>
+                <a:ea typeface="Consolas"/>
+                <a:cs typeface="Consolas"/>
+                <a:sym typeface="Consolas"/>
+              </a:rPr>
+              <a:t>(</a:t>
+            </a:r>
+            <a:r>
               <a:rPr lang="en" sz="1800" dirty="0">
                 <a:solidFill>
                   <a:srgbClr val="104BC5"/>
@@ -43000,15 +41882,18 @@
               </a:rPr>
               <a:t> 5</a:t>
             </a:r>
-            <a:endParaRPr lang="en" sz="1800" b="1" dirty="0">
-              <a:solidFill>
-                <a:srgbClr val="7030A0"/>
-              </a:solidFill>
-              <a:latin typeface="Consolas"/>
-              <a:ea typeface="Consolas"/>
-              <a:cs typeface="Consolas"/>
-              <a:sym typeface="Consolas"/>
-            </a:endParaRPr>
+            <a:r>
+              <a:rPr lang="en" sz="1800" b="1" dirty="0">
+                <a:solidFill>
+                  <a:srgbClr val="7030A0"/>
+                </a:solidFill>
+                <a:latin typeface="Consolas"/>
+                <a:ea typeface="Consolas"/>
+                <a:cs typeface="Consolas"/>
+                <a:sym typeface="Consolas"/>
+              </a:rPr>
+              <a:t>)</a:t>
+            </a:r>
           </a:p>
           <a:p>
             <a:pPr marL="0" lvl="0" indent="0" rtl="0">
@@ -43032,7 +41917,7 @@
     </p:spTree>
     <p:extLst>
       <p:ext uri="{BB962C8B-B14F-4D97-AF65-F5344CB8AC3E}">
-        <p14:creationId xmlns:p14="http://schemas.microsoft.com/office/powerpoint/2010/main" val="274135309"/>
+        <p14:creationId xmlns:p14="http://schemas.microsoft.com/office/powerpoint/2010/main" val="3555795951"/>
       </p:ext>
     </p:extLst>
   </p:cSld>
@@ -43372,6 +42257,30 @@
             <a:r>
               <a:rPr lang="en" sz="1800" b="1" dirty="0" err="1">
                 <a:solidFill>
+                  <a:srgbClr val="AA6225"/>
+                </a:solidFill>
+                <a:latin typeface="Consolas"/>
+                <a:ea typeface="Consolas"/>
+                <a:cs typeface="Consolas"/>
+                <a:sym typeface="Consolas"/>
+              </a:rPr>
+              <a:t>scm</a:t>
+            </a:r>
+            <a:r>
+              <a:rPr lang="en" sz="1800" b="1" dirty="0">
+                <a:solidFill>
+                  <a:srgbClr val="AA6225"/>
+                </a:solidFill>
+                <a:latin typeface="Consolas"/>
+                <a:ea typeface="Consolas"/>
+                <a:cs typeface="Consolas"/>
+                <a:sym typeface="Consolas"/>
+              </a:rPr>
+              <a:t>&gt;</a:t>
+            </a:r>
+            <a:r>
+              <a:rPr lang="en" sz="1800" b="1" dirty="0">
+                <a:solidFill>
                   <a:srgbClr val="EAD1DC"/>
                 </a:solidFill>
                 <a:latin typeface="Consolas"/>
@@ -43379,47 +42288,32 @@
                 <a:cs typeface="Consolas"/>
                 <a:sym typeface="Consolas"/>
               </a:rPr>
-              <a:t>scm</a:t>
+              <a:t> </a:t>
+            </a:r>
+            <a:r>
+              <a:rPr lang="en" sz="1800" dirty="0">
+                <a:latin typeface="Consolas"/>
+                <a:ea typeface="Consolas"/>
+                <a:cs typeface="Consolas"/>
+                <a:sym typeface="Consolas"/>
+              </a:rPr>
+              <a:t>(</a:t>
+            </a:r>
+            <a:r>
+              <a:rPr lang="en" sz="1800" dirty="0">
+                <a:solidFill>
+                  <a:srgbClr val="104BC5"/>
+                </a:solidFill>
+                <a:latin typeface="Consolas"/>
+                <a:ea typeface="Consolas"/>
+                <a:cs typeface="Consolas"/>
+                <a:sym typeface="Consolas"/>
+              </a:rPr>
+              <a:t>if </a:t>
             </a:r>
             <a:r>
               <a:rPr lang="en" sz="1800" b="1" dirty="0">
                 <a:solidFill>
-                  <a:srgbClr val="EAD1DC"/>
-                </a:solidFill>
-                <a:latin typeface="Consolas"/>
-                <a:ea typeface="Consolas"/>
-                <a:cs typeface="Consolas"/>
-                <a:sym typeface="Consolas"/>
-              </a:rPr>
-              <a:t>&gt; </a:t>
-            </a:r>
-            <a:r>
-              <a:rPr lang="en" sz="1800" b="1" dirty="0">
-                <a:solidFill>
-                  <a:srgbClr val="7030A0"/>
-                </a:solidFill>
-                <a:latin typeface="Consolas"/>
-                <a:ea typeface="Consolas"/>
-                <a:cs typeface="Consolas"/>
-                <a:sym typeface="Consolas"/>
-              </a:rPr>
-              <a:t>(</a:t>
-            </a:r>
-            <a:r>
-              <a:rPr lang="en" sz="1800" dirty="0">
-                <a:solidFill>
-                  <a:srgbClr val="104BC5"/>
-                </a:solidFill>
-                <a:latin typeface="Consolas"/>
-                <a:ea typeface="Consolas"/>
-                <a:cs typeface="Consolas"/>
-                <a:sym typeface="Consolas"/>
-              </a:rPr>
-              <a:t>if </a:t>
-            </a:r>
-            <a:r>
-              <a:rPr lang="en" sz="1800" b="1" dirty="0">
-                <a:solidFill>
                   <a:srgbClr val="316B1B"/>
                 </a:solidFill>
                 <a:latin typeface="Consolas"/>
@@ -43436,19 +42330,7 @@
                 <a:cs typeface="Consolas"/>
                 <a:sym typeface="Consolas"/>
               </a:rPr>
-              <a:t> 5</a:t>
-            </a:r>
-            <a:r>
-              <a:rPr lang="en" sz="1800" b="1" dirty="0">
-                <a:solidFill>
-                  <a:srgbClr val="7030A0"/>
-                </a:solidFill>
-                <a:latin typeface="Consolas"/>
-                <a:ea typeface="Consolas"/>
-                <a:cs typeface="Consolas"/>
-                <a:sym typeface="Consolas"/>
-              </a:rPr>
-              <a:t>)</a:t>
+              <a:t> 5)</a:t>
             </a:r>
           </a:p>
           <a:p>
@@ -43473,7 +42355,7 @@
     </p:spTree>
     <p:extLst>
       <p:ext uri="{BB962C8B-B14F-4D97-AF65-F5344CB8AC3E}">
-        <p14:creationId xmlns:p14="http://schemas.microsoft.com/office/powerpoint/2010/main" val="3555795951"/>
+        <p14:creationId xmlns:p14="http://schemas.microsoft.com/office/powerpoint/2010/main" val="3930755933"/>
       </p:ext>
     </p:extLst>
   </p:cSld>
@@ -43890,6 +42772,18 @@
             </a:r>
           </a:p>
           <a:p>
+            <a:pPr lvl="0"/>
+            <a:r>
+              <a:rPr lang="en" sz="1800" dirty="0">
+                <a:latin typeface="Consolas"/>
+                <a:ea typeface="Consolas"/>
+                <a:cs typeface="Consolas"/>
+                <a:sym typeface="Consolas"/>
+              </a:rPr>
+              <a:t>5</a:t>
+            </a:r>
+          </a:p>
+          <a:p>
             <a:pPr marL="0" lvl="0" indent="0" rtl="0">
               <a:spcBef>
                 <a:spcPts val="0"/>
@@ -43911,7 +42805,7 @@
     </p:spTree>
     <p:extLst>
       <p:ext uri="{BB962C8B-B14F-4D97-AF65-F5344CB8AC3E}">
-        <p14:creationId xmlns:p14="http://schemas.microsoft.com/office/powerpoint/2010/main" val="3930755933"/>
+        <p14:creationId xmlns:p14="http://schemas.microsoft.com/office/powerpoint/2010/main" val="1265119271"/>
       </p:ext>
     </p:extLst>
   </p:cSld>
@@ -49815,484 +48709,6 @@
 </file>
 
 <file path=ppt/slides/slide55.xml><?xml version="1.0" encoding="utf-8"?>
-<p:sld xmlns:a="http://schemas.openxmlformats.org/drawingml/2006/main" xmlns:r="http://schemas.openxmlformats.org/officeDocument/2006/relationships" xmlns:p="http://schemas.openxmlformats.org/presentationml/2006/main">
-  <p:cSld>
-    <p:spTree>
-      <p:nvGrpSpPr>
-        <p:cNvPr id="1" name=""/>
-        <p:cNvGrpSpPr/>
-        <p:nvPr/>
-      </p:nvGrpSpPr>
-      <p:grpSpPr>
-        <a:xfrm>
-          <a:off x="0" y="0"/>
-          <a:ext cx="0" cy="0"/>
-          <a:chOff x="0" y="0"/>
-          <a:chExt cx="0" cy="0"/>
-        </a:xfrm>
-      </p:grpSpPr>
-      <p:sp>
-        <p:nvSpPr>
-          <p:cNvPr id="11" name="Shape 309">
-            <a:extLst>
-              <a:ext uri="{FF2B5EF4-FFF2-40B4-BE49-F238E27FC236}">
-                <a16:creationId xmlns:a16="http://schemas.microsoft.com/office/drawing/2014/main" id="{07824910-0D3F-3E4B-B9D8-F71C5426DCF4}"/>
-              </a:ext>
-            </a:extLst>
-          </p:cNvPr>
-          <p:cNvSpPr txBox="1">
-            <a:spLocks noGrp="1"/>
-          </p:cNvSpPr>
-          <p:nvPr>
-            <p:ph type="title"/>
-          </p:nvPr>
-        </p:nvSpPr>
-        <p:spPr>
-          <a:xfrm>
-            <a:off x="1303800" y="598575"/>
-            <a:ext cx="7030500" cy="999300"/>
-          </a:xfrm>
-          <a:prstGeom prst="rect">
-            <a:avLst/>
-          </a:prstGeom>
-        </p:spPr>
-        <p:txBody>
-          <a:bodyPr spcFirstLastPara="1" wrap="square" lIns="91425" tIns="91425" rIns="91425" bIns="91425" anchor="t" anchorCtr="0">
-            <a:noAutofit/>
-          </a:bodyPr>
-          <a:lstStyle/>
-          <a:p>
-            <a:pPr marL="0" lvl="0" indent="0" rtl="0">
-              <a:spcBef>
-                <a:spcPts val="0"/>
-              </a:spcBef>
-              <a:spcAft>
-                <a:spcPts val="0"/>
-              </a:spcAft>
-              <a:buNone/>
-            </a:pPr>
-            <a:r>
-              <a:rPr lang="en" dirty="0"/>
-              <a:t>Cond</a:t>
-            </a:r>
-            <a:endParaRPr dirty="0"/>
-          </a:p>
-        </p:txBody>
-      </p:sp>
-      <p:sp>
-        <p:nvSpPr>
-          <p:cNvPr id="2" name="TextBox 1">
-            <a:extLst>
-              <a:ext uri="{FF2B5EF4-FFF2-40B4-BE49-F238E27FC236}">
-                <a16:creationId xmlns:a16="http://schemas.microsoft.com/office/drawing/2014/main" id="{6E71AF31-30F7-6147-954D-42908EF51E85}"/>
-              </a:ext>
-            </a:extLst>
-          </p:cNvPr>
-          <p:cNvSpPr txBox="1"/>
-          <p:nvPr/>
-        </p:nvSpPr>
-        <p:spPr>
-          <a:xfrm>
-            <a:off x="735645" y="1718797"/>
-            <a:ext cx="5335146" cy="2031325"/>
-          </a:xfrm>
-          <a:prstGeom prst="rect">
-            <a:avLst/>
-          </a:prstGeom>
-          <a:noFill/>
-        </p:spPr>
-        <p:txBody>
-          <a:bodyPr wrap="square" rtlCol="0">
-            <a:spAutoFit/>
-          </a:bodyPr>
-          <a:lstStyle/>
-          <a:p>
-            <a:pPr lvl="0"/>
-            <a:r>
-              <a:rPr lang="en" sz="1800" dirty="0">
-                <a:latin typeface="Consolas"/>
-                <a:ea typeface="Consolas"/>
-                <a:cs typeface="Consolas"/>
-                <a:sym typeface="Consolas"/>
-              </a:rPr>
-              <a:t>(</a:t>
-            </a:r>
-            <a:r>
-              <a:rPr lang="en" sz="1800" dirty="0" err="1">
-                <a:solidFill>
-                  <a:srgbClr val="104BC5"/>
-                </a:solidFill>
-                <a:latin typeface="Consolas"/>
-                <a:ea typeface="Consolas"/>
-                <a:cs typeface="Consolas"/>
-                <a:sym typeface="Consolas"/>
-              </a:rPr>
-              <a:t>cond</a:t>
-            </a:r>
-            <a:endParaRPr lang="en" sz="1800" dirty="0">
-              <a:solidFill>
-                <a:srgbClr val="104BC5"/>
-              </a:solidFill>
-              <a:latin typeface="Consolas"/>
-              <a:ea typeface="Consolas"/>
-              <a:cs typeface="Consolas"/>
-              <a:sym typeface="Consolas"/>
-            </a:endParaRPr>
-          </a:p>
-          <a:p>
-            <a:pPr lvl="0"/>
-            <a:r>
-              <a:rPr lang="en" sz="1800" dirty="0">
-                <a:solidFill>
-                  <a:srgbClr val="104BC5"/>
-                </a:solidFill>
-                <a:latin typeface="Consolas"/>
-                <a:ea typeface="Consolas"/>
-                <a:cs typeface="Consolas"/>
-                <a:sym typeface="Consolas"/>
-              </a:rPr>
-              <a:t>  </a:t>
-            </a:r>
-            <a:r>
-              <a:rPr lang="en" sz="1800" dirty="0">
-                <a:latin typeface="Consolas"/>
-                <a:ea typeface="Consolas"/>
-                <a:cs typeface="Consolas"/>
-                <a:sym typeface="Consolas"/>
-              </a:rPr>
-              <a:t>(</a:t>
-            </a:r>
-            <a:r>
-              <a:rPr lang="en" sz="1800" dirty="0">
-                <a:solidFill>
-                  <a:srgbClr val="104BC5"/>
-                </a:solidFill>
-                <a:latin typeface="Consolas"/>
-                <a:ea typeface="Consolas"/>
-                <a:cs typeface="Consolas"/>
-                <a:sym typeface="Consolas"/>
-              </a:rPr>
-              <a:t>&lt;predicate 1&gt; &lt;expression 1&gt;</a:t>
-            </a:r>
-            <a:r>
-              <a:rPr lang="en" sz="1800" dirty="0">
-                <a:latin typeface="Consolas"/>
-                <a:ea typeface="Consolas"/>
-                <a:cs typeface="Consolas"/>
-                <a:sym typeface="Consolas"/>
-              </a:rPr>
-              <a:t>)</a:t>
-            </a:r>
-          </a:p>
-          <a:p>
-            <a:pPr lvl="0"/>
-            <a:r>
-              <a:rPr lang="en" sz="1800" dirty="0">
-                <a:solidFill>
-                  <a:srgbClr val="104BC5"/>
-                </a:solidFill>
-                <a:latin typeface="Consolas"/>
-                <a:ea typeface="Consolas"/>
-                <a:cs typeface="Consolas"/>
-                <a:sym typeface="Consolas"/>
-              </a:rPr>
-              <a:t>  </a:t>
-            </a:r>
-            <a:r>
-              <a:rPr lang="en" sz="1800" dirty="0">
-                <a:latin typeface="Consolas"/>
-                <a:ea typeface="Consolas"/>
-                <a:cs typeface="Consolas"/>
-                <a:sym typeface="Consolas"/>
-              </a:rPr>
-              <a:t>(</a:t>
-            </a:r>
-            <a:r>
-              <a:rPr lang="en" sz="1800" dirty="0">
-                <a:solidFill>
-                  <a:srgbClr val="104BC5"/>
-                </a:solidFill>
-                <a:latin typeface="Consolas"/>
-                <a:ea typeface="Consolas"/>
-                <a:cs typeface="Consolas"/>
-                <a:sym typeface="Consolas"/>
-              </a:rPr>
-              <a:t>&lt;predicate 2&gt; &lt;expression 2&gt;</a:t>
-            </a:r>
-            <a:r>
-              <a:rPr lang="en" sz="1800" dirty="0">
-                <a:latin typeface="Consolas"/>
-                <a:ea typeface="Consolas"/>
-                <a:cs typeface="Consolas"/>
-                <a:sym typeface="Consolas"/>
-              </a:rPr>
-              <a:t>)</a:t>
-            </a:r>
-            <a:endParaRPr lang="en" sz="1800" dirty="0">
-              <a:solidFill>
-                <a:srgbClr val="104BC5"/>
-              </a:solidFill>
-              <a:latin typeface="Consolas"/>
-              <a:ea typeface="Consolas"/>
-              <a:cs typeface="Consolas"/>
-              <a:sym typeface="Consolas"/>
-            </a:endParaRPr>
-          </a:p>
-          <a:p>
-            <a:pPr lvl="0"/>
-            <a:r>
-              <a:rPr lang="en" sz="1800" dirty="0">
-                <a:solidFill>
-                  <a:srgbClr val="104BC5"/>
-                </a:solidFill>
-                <a:latin typeface="Consolas"/>
-                <a:ea typeface="Consolas"/>
-                <a:cs typeface="Consolas"/>
-                <a:sym typeface="Consolas"/>
-              </a:rPr>
-              <a:t>  ...</a:t>
-            </a:r>
-          </a:p>
-          <a:p>
-            <a:pPr lvl="0"/>
-            <a:r>
-              <a:rPr lang="en" sz="1800" dirty="0">
-                <a:solidFill>
-                  <a:srgbClr val="104BC5"/>
-                </a:solidFill>
-                <a:latin typeface="Consolas"/>
-                <a:ea typeface="Consolas"/>
-                <a:cs typeface="Consolas"/>
-                <a:sym typeface="Consolas"/>
-              </a:rPr>
-              <a:t>  </a:t>
-            </a:r>
-            <a:r>
-              <a:rPr lang="en" sz="1800" dirty="0">
-                <a:latin typeface="Consolas"/>
-                <a:ea typeface="Consolas"/>
-                <a:cs typeface="Consolas"/>
-                <a:sym typeface="Consolas"/>
-              </a:rPr>
-              <a:t>(</a:t>
-            </a:r>
-            <a:r>
-              <a:rPr lang="en" sz="1800" dirty="0">
-                <a:solidFill>
-                  <a:srgbClr val="104BC5"/>
-                </a:solidFill>
-                <a:latin typeface="Consolas"/>
-                <a:ea typeface="Consolas"/>
-                <a:cs typeface="Consolas"/>
-                <a:sym typeface="Consolas"/>
-              </a:rPr>
-              <a:t>&lt;predicate n&gt; &lt;expression n&gt;</a:t>
-            </a:r>
-            <a:r>
-              <a:rPr lang="en" sz="1800" dirty="0">
-                <a:latin typeface="Consolas"/>
-                <a:ea typeface="Consolas"/>
-                <a:cs typeface="Consolas"/>
-                <a:sym typeface="Consolas"/>
-              </a:rPr>
-              <a:t>)</a:t>
-            </a:r>
-            <a:endParaRPr lang="en" sz="1800" dirty="0">
-              <a:solidFill>
-                <a:srgbClr val="104BC5"/>
-              </a:solidFill>
-              <a:latin typeface="Consolas"/>
-              <a:ea typeface="Consolas"/>
-              <a:cs typeface="Consolas"/>
-              <a:sym typeface="Consolas"/>
-            </a:endParaRPr>
-          </a:p>
-          <a:p>
-            <a:pPr lvl="0"/>
-            <a:r>
-              <a:rPr lang="en" sz="1800" dirty="0">
-                <a:solidFill>
-                  <a:srgbClr val="104BC5"/>
-                </a:solidFill>
-                <a:latin typeface="Consolas"/>
-                <a:ea typeface="Consolas"/>
-                <a:cs typeface="Consolas"/>
-                <a:sym typeface="Consolas"/>
-              </a:rPr>
-              <a:t>  </a:t>
-            </a:r>
-            <a:r>
-              <a:rPr lang="en" sz="1800" dirty="0">
-                <a:latin typeface="Consolas"/>
-                <a:ea typeface="Consolas"/>
-                <a:cs typeface="Consolas"/>
-                <a:sym typeface="Consolas"/>
-              </a:rPr>
-              <a:t>(</a:t>
-            </a:r>
-            <a:r>
-              <a:rPr lang="en" sz="1800" dirty="0">
-                <a:solidFill>
-                  <a:srgbClr val="104BC5"/>
-                </a:solidFill>
-                <a:latin typeface="Consolas"/>
-                <a:ea typeface="Consolas"/>
-                <a:cs typeface="Consolas"/>
-                <a:sym typeface="Consolas"/>
-              </a:rPr>
-              <a:t>else &lt;else-expression&gt;</a:t>
-            </a:r>
-            <a:r>
-              <a:rPr lang="en" sz="1800" dirty="0">
-                <a:latin typeface="Consolas"/>
-                <a:ea typeface="Consolas"/>
-                <a:cs typeface="Consolas"/>
-                <a:sym typeface="Consolas"/>
-              </a:rPr>
-              <a:t>)</a:t>
-            </a:r>
-            <a:endParaRPr lang="en" sz="1800" dirty="0">
-              <a:solidFill>
-                <a:srgbClr val="104BC5"/>
-              </a:solidFill>
-              <a:latin typeface="Consolas"/>
-              <a:ea typeface="Consolas"/>
-              <a:cs typeface="Consolas"/>
-              <a:sym typeface="Consolas"/>
-            </a:endParaRPr>
-          </a:p>
-          <a:p>
-            <a:pPr lvl="0"/>
-            <a:r>
-              <a:rPr lang="en" sz="1800" dirty="0">
-                <a:latin typeface="Consolas"/>
-                <a:ea typeface="Consolas"/>
-                <a:cs typeface="Consolas"/>
-                <a:sym typeface="Consolas"/>
-              </a:rPr>
-              <a:t>)</a:t>
-            </a:r>
-          </a:p>
-        </p:txBody>
-      </p:sp>
-      <p:sp>
-        <p:nvSpPr>
-          <p:cNvPr id="4" name="Rounded Rectangle 3">
-            <a:extLst>
-              <a:ext uri="{FF2B5EF4-FFF2-40B4-BE49-F238E27FC236}">
-                <a16:creationId xmlns:a16="http://schemas.microsoft.com/office/drawing/2014/main" id="{9A372F56-00AC-7241-95F4-3B116BB817F6}"/>
-              </a:ext>
-            </a:extLst>
-          </p:cNvPr>
-          <p:cNvSpPr/>
-          <p:nvPr/>
-        </p:nvSpPr>
-        <p:spPr>
-          <a:xfrm>
-            <a:off x="5403899" y="1430039"/>
-            <a:ext cx="2502568" cy="605017"/>
-          </a:xfrm>
-          <a:prstGeom prst="roundRect">
-            <a:avLst/>
-          </a:prstGeom>
-        </p:spPr>
-        <p:style>
-          <a:lnRef idx="2">
-            <a:schemeClr val="accent1">
-              <a:shade val="50000"/>
-            </a:schemeClr>
-          </a:lnRef>
-          <a:fillRef idx="1">
-            <a:schemeClr val="accent1"/>
-          </a:fillRef>
-          <a:effectRef idx="0">
-            <a:schemeClr val="accent1"/>
-          </a:effectRef>
-          <a:fontRef idx="minor">
-            <a:schemeClr val="lt1"/>
-          </a:fontRef>
-        </p:style>
-        <p:txBody>
-          <a:bodyPr rtlCol="0" anchor="t"/>
-          <a:lstStyle/>
-          <a:p>
-            <a:r>
-              <a:rPr lang="en-US" dirty="0"/>
-              <a:t>Very similar to if/else and if/</a:t>
-            </a:r>
-            <a:r>
-              <a:rPr lang="en-US" dirty="0" err="1"/>
-              <a:t>elif</a:t>
-            </a:r>
-            <a:r>
-              <a:rPr lang="en-US" dirty="0"/>
-              <a:t>/else clauses in Python</a:t>
-            </a:r>
-          </a:p>
-        </p:txBody>
-      </p:sp>
-      <p:sp>
-        <p:nvSpPr>
-          <p:cNvPr id="5" name="Rounded Rectangle 4">
-            <a:extLst>
-              <a:ext uri="{FF2B5EF4-FFF2-40B4-BE49-F238E27FC236}">
-                <a16:creationId xmlns:a16="http://schemas.microsoft.com/office/drawing/2014/main" id="{87CF9101-0F74-3140-9E6C-7B2EBD299959}"/>
-              </a:ext>
-            </a:extLst>
-          </p:cNvPr>
-          <p:cNvSpPr/>
-          <p:nvPr/>
-        </p:nvSpPr>
-        <p:spPr>
-          <a:xfrm>
-            <a:off x="2241312" y="4191998"/>
-            <a:ext cx="2502568" cy="605017"/>
-          </a:xfrm>
-          <a:prstGeom prst="roundRect">
-            <a:avLst/>
-          </a:prstGeom>
-        </p:spPr>
-        <p:style>
-          <a:lnRef idx="2">
-            <a:schemeClr val="accent1">
-              <a:shade val="50000"/>
-            </a:schemeClr>
-          </a:lnRef>
-          <a:fillRef idx="1">
-            <a:schemeClr val="accent1"/>
-          </a:fillRef>
-          <a:effectRef idx="0">
-            <a:schemeClr val="accent1"/>
-          </a:effectRef>
-          <a:fontRef idx="minor">
-            <a:schemeClr val="lt1"/>
-          </a:fontRef>
-        </p:style>
-        <p:txBody>
-          <a:bodyPr rtlCol="0" anchor="t"/>
-          <a:lstStyle/>
-          <a:p>
-            <a:r>
-              <a:rPr lang="en-US" dirty="0"/>
-              <a:t>Parentheses around every predicate, expression pair!!!</a:t>
-            </a:r>
-          </a:p>
-        </p:txBody>
-      </p:sp>
-    </p:spTree>
-    <p:extLst>
-      <p:ext uri="{BB962C8B-B14F-4D97-AF65-F5344CB8AC3E}">
-        <p14:creationId xmlns:p14="http://schemas.microsoft.com/office/powerpoint/2010/main" val="310551224"/>
-      </p:ext>
-    </p:extLst>
-  </p:cSld>
-  <p:clrMapOvr>
-    <a:masterClrMapping/>
-  </p:clrMapOvr>
-</p:sld>
-</file>
-
-<file path=ppt/slides/slide56.xml><?xml version="1.0" encoding="utf-8"?>
 <p:sld xmlns:a="http://schemas.openxmlformats.org/drawingml/2006/main" xmlns:r="http://schemas.openxmlformats.org/officeDocument/2006/relationships" xmlns:p="http://schemas.openxmlformats.org/presentationml/2006/main">
   <p:cSld>
     <p:spTree>
@@ -50856,7 +49272,7 @@
 </p:sld>
 </file>
 
-<file path=ppt/slides/slide57.xml><?xml version="1.0" encoding="utf-8"?>
+<file path=ppt/slides/slide56.xml><?xml version="1.0" encoding="utf-8"?>
 <p:sld xmlns:a="http://schemas.openxmlformats.org/drawingml/2006/main" xmlns:r="http://schemas.openxmlformats.org/officeDocument/2006/relationships" xmlns:p="http://schemas.openxmlformats.org/presentationml/2006/main">
   <p:cSld>
     <p:spTree>
@@ -51468,7 +49884,7 @@
 </p:sld>
 </file>
 
-<file path=ppt/slides/slide58.xml><?xml version="1.0" encoding="utf-8"?>
+<file path=ppt/slides/slide57.xml><?xml version="1.0" encoding="utf-8"?>
 <p:sld xmlns:a="http://schemas.openxmlformats.org/drawingml/2006/main" xmlns:r="http://schemas.openxmlformats.org/officeDocument/2006/relationships" xmlns:p="http://schemas.openxmlformats.org/presentationml/2006/main">
   <p:cSld>
     <p:spTree>
@@ -52128,7 +50544,7 @@
 </p:sld>
 </file>
 
-<file path=ppt/slides/slide59.xml><?xml version="1.0" encoding="utf-8"?>
+<file path=ppt/slides/slide58.xml><?xml version="1.0" encoding="utf-8"?>
 <p:sld xmlns:a="http://schemas.openxmlformats.org/drawingml/2006/main" xmlns:r="http://schemas.openxmlformats.org/officeDocument/2006/relationships" xmlns:p="http://schemas.openxmlformats.org/presentationml/2006/main">
   <p:cSld>
     <p:spTree>
@@ -52510,6 +50926,26 @@
                 <a:sym typeface="Consolas"/>
               </a:rPr>
               <a:t>)</a:t>
+            </a:r>
+          </a:p>
+          <a:p>
+            <a:pPr marL="0" lvl="0" indent="0">
+              <a:spcBef>
+                <a:spcPts val="0"/>
+              </a:spcBef>
+              <a:spcAft>
+                <a:spcPts val="0"/>
+              </a:spcAft>
+              <a:buNone/>
+            </a:pPr>
+            <a:r>
+              <a:rPr lang="en" sz="1800" dirty="0">
+                <a:latin typeface="Consolas"/>
+                <a:ea typeface="Consolas"/>
+                <a:cs typeface="Consolas"/>
+                <a:sym typeface="Consolas"/>
+              </a:rPr>
+              <a:t>7</a:t>
             </a:r>
             <a:endParaRPr sz="1800" dirty="0">
               <a:latin typeface="Consolas"/>

--- a/public/pdfs/lab6slides.pptx
+++ b/public/pdfs/lab6slides.pptx
@@ -29662,15 +29662,108 @@
                   <a:srgbClr val="FF0000"/>
                 </a:solidFill>
               </a:rPr>
-              <a:t>W</a:t>
-            </a:r>
-            <a:r>
-              <a:rPr lang="en" sz="1800" dirty="0">
+              <a:t>Easier than you thought (Actually </a:t>
+            </a:r>
+            <a:r>
+              <a:rPr lang="en-US" sz="1800" dirty="0" err="1">
                 <a:solidFill>
                   <a:srgbClr val="FF0000"/>
                 </a:solidFill>
               </a:rPr>
-              <a:t>rite stuff down cam…</a:t>
+              <a:t>kinda</a:t>
+            </a:r>
+            <a:r>
+              <a:rPr lang="en-US" sz="1800" dirty="0">
+                <a:solidFill>
+                  <a:srgbClr val="FF0000"/>
+                </a:solidFill>
+              </a:rPr>
+              <a:t> hard)</a:t>
+            </a:r>
+          </a:p>
+          <a:p>
+            <a:pPr marL="914400" marR="0" lvl="1" indent="-342900" algn="l" rtl="0">
+              <a:lnSpc>
+                <a:spcPct val="115000"/>
+              </a:lnSpc>
+              <a:spcBef>
+                <a:spcPts val="0"/>
+              </a:spcBef>
+              <a:spcAft>
+                <a:spcPts val="0"/>
+              </a:spcAft>
+              <a:buSzPts val="1800"/>
+              <a:buChar char="○"/>
+            </a:pPr>
+            <a:r>
+              <a:rPr lang="en-US" sz="1800" dirty="0">
+                <a:solidFill>
+                  <a:srgbClr val="FF0000"/>
+                </a:solidFill>
+              </a:rPr>
+              <a:t>Last question </a:t>
+            </a:r>
+            <a:r>
+              <a:rPr lang="en-US" sz="1800">
+                <a:solidFill>
+                  <a:srgbClr val="FF0000"/>
+                </a:solidFill>
+              </a:rPr>
+              <a:t>was hard Thanos</a:t>
+            </a:r>
+            <a:r>
+              <a:rPr lang="en-US" sz="1800" dirty="0">
+                <a:solidFill>
+                  <a:srgbClr val="FF0000"/>
+                </a:solidFill>
+              </a:rPr>
+              <a:t> kills half of CS 61A</a:t>
+            </a:r>
+          </a:p>
+          <a:p>
+            <a:pPr marL="914400" marR="0" lvl="1" indent="-342900" algn="l" rtl="0">
+              <a:lnSpc>
+                <a:spcPct val="115000"/>
+              </a:lnSpc>
+              <a:spcBef>
+                <a:spcPts val="0"/>
+              </a:spcBef>
+              <a:spcAft>
+                <a:spcPts val="0"/>
+              </a:spcAft>
+              <a:buSzPts val="1800"/>
+              <a:buChar char="○"/>
+            </a:pPr>
+            <a:r>
+              <a:rPr lang="en-US" sz="1800" dirty="0">
+                <a:solidFill>
+                  <a:srgbClr val="FF0000"/>
+                </a:solidFill>
+              </a:rPr>
+              <a:t>What’s a messenger function? Wtf (FB Messenger)</a:t>
+            </a:r>
+          </a:p>
+          <a:p>
+            <a:pPr marL="914400" marR="0" lvl="1" indent="-342900" algn="l" rtl="0">
+              <a:lnSpc>
+                <a:spcPct val="115000"/>
+              </a:lnSpc>
+              <a:spcBef>
+                <a:spcPts val="0"/>
+              </a:spcBef>
+              <a:spcAft>
+                <a:spcPts val="0"/>
+              </a:spcAft>
+              <a:buSzPts val="1800"/>
+              <a:buChar char="○"/>
+            </a:pPr>
+            <a:r>
+              <a:rPr lang="en-US" sz="1800" dirty="0">
+                <a:solidFill>
+                  <a:srgbClr val="FF0000"/>
+                </a:solidFill>
+              </a:rPr>
+              <a:t>Environment Diagram was rough stuff</a:t>
             </a:r>
             <a:endParaRPr sz="1800" dirty="0">
               <a:solidFill>
@@ -45830,79 +45923,66 @@
               <a:rPr lang="en" sz="1800" dirty="0"/>
               <a:t>Why are we learning a new language?</a:t>
             </a:r>
-            <a:endParaRPr sz="1800" dirty="0"/>
-          </a:p>
-          <a:p>
-            <a:pPr marL="914400" marR="0" lvl="1" indent="-342900" algn="l" rtl="0">
-              <a:lnSpc>
-                <a:spcPct val="115000"/>
-              </a:lnSpc>
-              <a:spcBef>
-                <a:spcPts val="0"/>
-              </a:spcBef>
-              <a:spcAft>
-                <a:spcPts val="0"/>
-              </a:spcAft>
-              <a:buClr>
-                <a:srgbClr val="FF0000"/>
-              </a:buClr>
+          </a:p>
+          <a:p>
+            <a:pPr lvl="1" indent="-342900">
+              <a:spcBef>
+                <a:spcPts val="0"/>
+              </a:spcBef>
               <a:buSzPts val="1800"/>
-              <a:buChar char="○"/>
+              <a:buChar char="●"/>
             </a:pPr>
             <a:r>
-              <a:rPr lang="en" sz="1800" dirty="0">
-                <a:solidFill>
-                  <a:srgbClr val="FF0000"/>
-                </a:solidFill>
-              </a:rPr>
-              <a:t>&lt;Cameron, write responses here omg </a:t>
-            </a:r>
-            <a:r>
-              <a:rPr lang="en" sz="1800" dirty="0" err="1">
-                <a:solidFill>
-                  <a:srgbClr val="FF0000"/>
-                </a:solidFill>
-              </a:rPr>
-              <a:t>rememberrr</a:t>
-            </a:r>
-            <a:r>
-              <a:rPr lang="en" sz="1800" dirty="0">
-                <a:solidFill>
-                  <a:srgbClr val="FF0000"/>
-                </a:solidFill>
-              </a:rPr>
-              <a:t>&gt;</a:t>
-            </a:r>
-            <a:endParaRPr sz="1800" dirty="0">
-              <a:solidFill>
-                <a:srgbClr val="FF0000"/>
-              </a:solidFill>
-            </a:endParaRPr>
-          </a:p>
-          <a:p>
-            <a:pPr marL="914400" marR="0" lvl="1" indent="-342900" algn="l" rtl="0">
-              <a:lnSpc>
-                <a:spcPct val="115000"/>
-              </a:lnSpc>
-              <a:spcBef>
-                <a:spcPts val="0"/>
-              </a:spcBef>
-              <a:spcAft>
-                <a:spcPts val="0"/>
-              </a:spcAft>
-              <a:buClr>
-                <a:srgbClr val="FF0000"/>
-              </a:buClr>
+              <a:rPr lang="en" sz="1600" dirty="0"/>
+              <a:t>Apply stuff we already learned to other languages</a:t>
+            </a:r>
+          </a:p>
+          <a:p>
+            <a:pPr lvl="1" indent="-342900">
+              <a:spcBef>
+                <a:spcPts val="0"/>
+              </a:spcBef>
               <a:buSzPts val="1800"/>
-              <a:buChar char="○"/>
+              <a:buChar char="●"/>
             </a:pPr>
             <a:r>
-              <a:rPr lang="en" sz="1800" dirty="0">
-                <a:solidFill>
-                  <a:srgbClr val="FF0000"/>
-                </a:solidFill>
-              </a:rPr>
-              <a:t>^^^ Also turn the color back to black...</a:t>
+              <a:rPr lang="en" sz="1600" dirty="0"/>
+              <a:t>Get used to transfer brains to different languages</a:t>
+            </a:r>
+          </a:p>
+          <a:p>
+            <a:pPr lvl="2" indent="-342900">
+              <a:spcBef>
+                <a:spcPts val="0"/>
+              </a:spcBef>
+              <a:buSzPts val="1800"/>
+              <a:buChar char="●"/>
+            </a:pPr>
+            <a:r>
+              <a:rPr lang="en" sz="1600" dirty="0"/>
+              <a:t>Learn to </a:t>
+            </a:r>
+            <a:r>
+              <a:rPr lang="en-US" sz="1600" dirty="0"/>
+              <a:t>E</a:t>
+            </a:r>
+            <a:r>
+              <a:rPr lang="en" sz="1600" dirty="0" err="1"/>
+              <a:t>nglish</a:t>
+            </a:r>
+            <a:endParaRPr lang="en" sz="1600" dirty="0"/>
+          </a:p>
+          <a:p>
+            <a:pPr lvl="1" indent="-342900">
+              <a:spcBef>
+                <a:spcPts val="0"/>
+              </a:spcBef>
+              <a:buSzPts val="1800"/>
+              <a:buChar char="●"/>
+            </a:pPr>
+            <a:r>
+              <a:rPr lang="en" sz="1600" dirty="0"/>
+              <a:t>Learn how interpreters work</a:t>
             </a:r>
           </a:p>
         </p:txBody>
